--- a/项目计划(第一次答辩)/SE2018春-G02-项目介绍(1).pptx
+++ b/项目计划(第一次答辩)/SE2018春-G02-项目介绍(1).pptx
@@ -1,42 +1,42 @@
 
 <file path=ppt/presentation.xml><?xml version="1.0" encoding="utf-8"?>
-<p:presentation xmlns:a="http://schemas.openxmlformats.org/drawingml/2006/main" xmlns:r="http://schemas.openxmlformats.org/officeDocument/2006/relationships" xmlns:p="http://schemas.openxmlformats.org/presentationml/2006/main">
+<p:presentation xmlns:a="http://schemas.openxmlformats.org/drawingml/2006/main" xmlns:r="http://schemas.openxmlformats.org/officeDocument/2006/relationships" xmlns:p="http://schemas.openxmlformats.org/presentationml/2006/main" saveSubsetFonts="1">
   <p:sldMasterIdLst>
     <p:sldMasterId id="2147483648" r:id="rId1"/>
   </p:sldMasterIdLst>
   <p:notesMasterIdLst>
-    <p:notesMasterId r:id="rId4"/>
+    <p:notesMasterId r:id="rId31"/>
   </p:notesMasterIdLst>
   <p:sldIdLst>
-    <p:sldId id="268" r:id="rId3"/>
-    <p:sldId id="307" r:id="rId5"/>
-    <p:sldId id="330" r:id="rId6"/>
-    <p:sldId id="355" r:id="rId7"/>
-    <p:sldId id="354" r:id="rId8"/>
-    <p:sldId id="271" r:id="rId9"/>
-    <p:sldId id="279" r:id="rId10"/>
-    <p:sldId id="331" r:id="rId11"/>
-    <p:sldId id="356" r:id="rId12"/>
-    <p:sldId id="333" r:id="rId13"/>
-    <p:sldId id="332" r:id="rId14"/>
-    <p:sldId id="357" r:id="rId15"/>
-    <p:sldId id="326" r:id="rId16"/>
-    <p:sldId id="327" r:id="rId17"/>
-    <p:sldId id="297" r:id="rId18"/>
-    <p:sldId id="321" r:id="rId19"/>
-    <p:sldId id="324" r:id="rId20"/>
-    <p:sldId id="306" r:id="rId21"/>
-    <p:sldId id="301" r:id="rId22"/>
-    <p:sldId id="300" r:id="rId23"/>
-    <p:sldId id="299" r:id="rId24"/>
-    <p:sldId id="336" r:id="rId25"/>
-    <p:sldId id="358" r:id="rId26"/>
-    <p:sldId id="337" r:id="rId27"/>
-    <p:sldId id="329" r:id="rId28"/>
-    <p:sldId id="359" r:id="rId29"/>
-    <p:sldId id="334" r:id="rId30"/>
-    <p:sldId id="335" r:id="rId31"/>
-    <p:sldId id="295" r:id="rId32"/>
+    <p:sldId id="268" r:id="rId2"/>
+    <p:sldId id="307" r:id="rId3"/>
+    <p:sldId id="330" r:id="rId4"/>
+    <p:sldId id="355" r:id="rId5"/>
+    <p:sldId id="354" r:id="rId6"/>
+    <p:sldId id="271" r:id="rId7"/>
+    <p:sldId id="279" r:id="rId8"/>
+    <p:sldId id="331" r:id="rId9"/>
+    <p:sldId id="356" r:id="rId10"/>
+    <p:sldId id="333" r:id="rId11"/>
+    <p:sldId id="332" r:id="rId12"/>
+    <p:sldId id="357" r:id="rId13"/>
+    <p:sldId id="326" r:id="rId14"/>
+    <p:sldId id="327" r:id="rId15"/>
+    <p:sldId id="297" r:id="rId16"/>
+    <p:sldId id="321" r:id="rId17"/>
+    <p:sldId id="324" r:id="rId18"/>
+    <p:sldId id="306" r:id="rId19"/>
+    <p:sldId id="301" r:id="rId20"/>
+    <p:sldId id="300" r:id="rId21"/>
+    <p:sldId id="299" r:id="rId22"/>
+    <p:sldId id="336" r:id="rId23"/>
+    <p:sldId id="358" r:id="rId24"/>
+    <p:sldId id="337" r:id="rId25"/>
+    <p:sldId id="329" r:id="rId26"/>
+    <p:sldId id="359" r:id="rId27"/>
+    <p:sldId id="334" r:id="rId28"/>
+    <p:sldId id="335" r:id="rId29"/>
+    <p:sldId id="295" r:id="rId30"/>
   </p:sldIdLst>
   <p:sldSz cx="12192000" cy="6858000"/>
   <p:notesSz cx="6858000" cy="9144000"/>
@@ -165,6 +165,22 @@
       </a:defRPr>
     </a:lvl9pPr>
   </p:defaultTextStyle>
+  <p:extLst>
+    <p:ext uri="{EFAFB233-063F-42B5-8137-9DF3F51BA10A}">
+      <p15:sldGuideLst xmlns:p15="http://schemas.microsoft.com/office/powerpoint/2012/main">
+        <p15:guide id="1" orient="horz" pos="2242">
+          <p15:clr>
+            <a:srgbClr val="A4A3A4"/>
+          </p15:clr>
+        </p15:guide>
+        <p15:guide id="2" pos="3840">
+          <p15:clr>
+            <a:srgbClr val="A4A3A4"/>
+          </p15:clr>
+        </p15:guide>
+      </p15:sldGuideLst>
+    </p:ext>
+  </p:extLst>
 </p:presentation>
 </file>
 
@@ -274,6 +290,7 @@
             </a:pPr>
             <a:fld id="{B8438761-15D0-4576-8FDD-89C3D83A51A8}" type="datetimeFigureOut">
               <a:rPr lang="zh-CN" altLang="en-US"/>
+              <a:t>2018/3/31</a:t>
             </a:fld>
             <a:endParaRPr lang="zh-CN" altLang="en-US"/>
           </a:p>
@@ -341,7 +358,6 @@
               <a:rPr lang="zh-CN" altLang="en-US" noProof="0"/>
               <a:t>编辑母版文本样式</a:t>
             </a:r>
-            <a:endParaRPr lang="zh-CN" altLang="en-US" noProof="0"/>
           </a:p>
           <a:p>
             <a:pPr lvl="1"/>
@@ -349,7 +365,6 @@
               <a:rPr lang="zh-CN" altLang="en-US" noProof="0"/>
               <a:t>第二级</a:t>
             </a:r>
-            <a:endParaRPr lang="zh-CN" altLang="en-US" noProof="0"/>
           </a:p>
           <a:p>
             <a:pPr lvl="2"/>
@@ -357,7 +372,6 @@
               <a:rPr lang="zh-CN" altLang="en-US" noProof="0"/>
               <a:t>第三级</a:t>
             </a:r>
-            <a:endParaRPr lang="zh-CN" altLang="en-US" noProof="0"/>
           </a:p>
           <a:p>
             <a:pPr lvl="3"/>
@@ -365,7 +379,6 @@
               <a:rPr lang="zh-CN" altLang="en-US" noProof="0"/>
               <a:t>第四级</a:t>
             </a:r>
-            <a:endParaRPr lang="zh-CN" altLang="en-US" noProof="0"/>
           </a:p>
           <a:p>
             <a:pPr lvl="4"/>
@@ -373,7 +386,6 @@
               <a:rPr lang="zh-CN" altLang="en-US" noProof="0"/>
               <a:t>第五级</a:t>
             </a:r>
-            <a:endParaRPr lang="zh-CN" altLang="en-US" noProof="0"/>
           </a:p>
         </p:txBody>
       </p:sp>
@@ -461,12 +473,18 @@
             </a:pPr>
             <a:fld id="{B1B340CE-3680-47A7-B95A-3730A95839C2}" type="slidenum">
               <a:rPr lang="zh-CN" altLang="en-US"/>
+              <a:t>‹#›</a:t>
             </a:fld>
             <a:endParaRPr lang="zh-CN" altLang="en-US"/>
           </a:p>
         </p:txBody>
       </p:sp>
     </p:spTree>
+    <p:extLst>
+      <p:ext uri="{BB962C8B-B14F-4D97-AF65-F5344CB8AC3E}">
+        <p14:creationId xmlns:p14="http://schemas.microsoft.com/office/powerpoint/2010/main" val="194382017"/>
+      </p:ext>
+    </p:extLst>
   </p:cSld>
   <p:clrMap bg1="lt1" tx1="dk1" bg2="lt2" tx2="dk2" accent1="accent1" accent2="accent2" accent3="accent3" accent4="accent4" accent5="accent5" accent6="accent6" hlink="hlink" folHlink="folHlink"/>
   <p:notesStyle>
@@ -687,12 +705,18 @@
             </a:pPr>
             <a:fld id="{9C9225EA-778B-4008-88CD-578DDB779A38}" type="slidenum">
               <a:rPr lang="zh-CN" altLang="en-US"/>
+              <a:t>1</a:t>
             </a:fld>
             <a:endParaRPr lang="zh-CN" altLang="en-US"/>
           </a:p>
         </p:txBody>
       </p:sp>
     </p:spTree>
+    <p:extLst>
+      <p:ext uri="{BB962C8B-B14F-4D97-AF65-F5344CB8AC3E}">
+        <p14:creationId xmlns:p14="http://schemas.microsoft.com/office/powerpoint/2010/main" val="655932632"/>
+      </p:ext>
+    </p:extLst>
   </p:cSld>
   <p:clrMapOvr>
     <a:masterClrMapping/>
@@ -793,12 +817,18 @@
             </a:pPr>
             <a:fld id="{8F5EF445-A926-4ED5-A41B-1E39E4060EF9}" type="slidenum">
               <a:rPr lang="zh-CN" altLang="en-US"/>
+              <a:t>10</a:t>
             </a:fld>
             <a:endParaRPr lang="zh-CN" altLang="en-US"/>
           </a:p>
         </p:txBody>
       </p:sp>
     </p:spTree>
+    <p:extLst>
+      <p:ext uri="{BB962C8B-B14F-4D97-AF65-F5344CB8AC3E}">
+        <p14:creationId xmlns:p14="http://schemas.microsoft.com/office/powerpoint/2010/main" val="743392651"/>
+      </p:ext>
+    </p:extLst>
   </p:cSld>
   <p:clrMapOvr>
     <a:masterClrMapping/>
@@ -899,12 +929,18 @@
             </a:pPr>
             <a:fld id="{8F5EF445-A926-4ED5-A41B-1E39E4060EF9}" type="slidenum">
               <a:rPr lang="zh-CN" altLang="en-US"/>
+              <a:t>11</a:t>
             </a:fld>
             <a:endParaRPr lang="zh-CN" altLang="en-US"/>
           </a:p>
         </p:txBody>
       </p:sp>
     </p:spTree>
+    <p:extLst>
+      <p:ext uri="{BB962C8B-B14F-4D97-AF65-F5344CB8AC3E}">
+        <p14:creationId xmlns:p14="http://schemas.microsoft.com/office/powerpoint/2010/main" val="140427111"/>
+      </p:ext>
+    </p:extLst>
   </p:cSld>
   <p:clrMapOvr>
     <a:masterClrMapping/>
@@ -1005,12 +1041,18 @@
             </a:pPr>
             <a:fld id="{8F5EF445-A926-4ED5-A41B-1E39E4060EF9}" type="slidenum">
               <a:rPr lang="zh-CN" altLang="en-US"/>
+              <a:t>12</a:t>
             </a:fld>
             <a:endParaRPr lang="zh-CN" altLang="en-US"/>
           </a:p>
         </p:txBody>
       </p:sp>
     </p:spTree>
+    <p:extLst>
+      <p:ext uri="{BB962C8B-B14F-4D97-AF65-F5344CB8AC3E}">
+        <p14:creationId xmlns:p14="http://schemas.microsoft.com/office/powerpoint/2010/main" val="73926524"/>
+      </p:ext>
+    </p:extLst>
   </p:cSld>
   <p:clrMapOvr>
     <a:masterClrMapping/>
@@ -1111,12 +1153,18 @@
             </a:pPr>
             <a:fld id="{42FF952D-4F76-426A-A119-60EE2E3A2F1F}" type="slidenum">
               <a:rPr lang="zh-CN" altLang="en-US"/>
+              <a:t>13</a:t>
             </a:fld>
             <a:endParaRPr lang="zh-CN" altLang="en-US"/>
           </a:p>
         </p:txBody>
       </p:sp>
     </p:spTree>
+    <p:extLst>
+      <p:ext uri="{BB962C8B-B14F-4D97-AF65-F5344CB8AC3E}">
+        <p14:creationId xmlns:p14="http://schemas.microsoft.com/office/powerpoint/2010/main" val="1237540902"/>
+      </p:ext>
+    </p:extLst>
   </p:cSld>
   <p:clrMapOvr>
     <a:masterClrMapping/>
@@ -1217,12 +1265,18 @@
             </a:pPr>
             <a:fld id="{42FF952D-4F76-426A-A119-60EE2E3A2F1F}" type="slidenum">
               <a:rPr lang="zh-CN" altLang="en-US"/>
+              <a:t>14</a:t>
             </a:fld>
             <a:endParaRPr lang="zh-CN" altLang="en-US"/>
           </a:p>
         </p:txBody>
       </p:sp>
     </p:spTree>
+    <p:extLst>
+      <p:ext uri="{BB962C8B-B14F-4D97-AF65-F5344CB8AC3E}">
+        <p14:creationId xmlns:p14="http://schemas.microsoft.com/office/powerpoint/2010/main" val="970818719"/>
+      </p:ext>
+    </p:extLst>
   </p:cSld>
   <p:clrMapOvr>
     <a:masterClrMapping/>
@@ -1323,12 +1377,18 @@
             </a:pPr>
             <a:fld id="{BFECA703-FEE2-4628-BDA2-7A8C4EEAD34C}" type="slidenum">
               <a:rPr lang="zh-CN" altLang="en-US"/>
+              <a:t>15</a:t>
             </a:fld>
             <a:endParaRPr lang="zh-CN" altLang="en-US"/>
           </a:p>
         </p:txBody>
       </p:sp>
     </p:spTree>
+    <p:extLst>
+      <p:ext uri="{BB962C8B-B14F-4D97-AF65-F5344CB8AC3E}">
+        <p14:creationId xmlns:p14="http://schemas.microsoft.com/office/powerpoint/2010/main" val="2116943974"/>
+      </p:ext>
+    </p:extLst>
   </p:cSld>
   <p:clrMapOvr>
     <a:masterClrMapping/>
@@ -1429,12 +1489,18 @@
             </a:pPr>
             <a:fld id="{BFECA703-FEE2-4628-BDA2-7A8C4EEAD34C}" type="slidenum">
               <a:rPr lang="zh-CN" altLang="en-US"/>
+              <a:t>16</a:t>
             </a:fld>
             <a:endParaRPr lang="zh-CN" altLang="en-US"/>
           </a:p>
         </p:txBody>
       </p:sp>
     </p:spTree>
+    <p:extLst>
+      <p:ext uri="{BB962C8B-B14F-4D97-AF65-F5344CB8AC3E}">
+        <p14:creationId xmlns:p14="http://schemas.microsoft.com/office/powerpoint/2010/main" val="2115791169"/>
+      </p:ext>
+    </p:extLst>
   </p:cSld>
   <p:clrMapOvr>
     <a:masterClrMapping/>
@@ -1535,12 +1601,18 @@
             </a:pPr>
             <a:fld id="{BFECA703-FEE2-4628-BDA2-7A8C4EEAD34C}" type="slidenum">
               <a:rPr lang="zh-CN" altLang="en-US"/>
+              <a:t>17</a:t>
             </a:fld>
             <a:endParaRPr lang="zh-CN" altLang="en-US"/>
           </a:p>
         </p:txBody>
       </p:sp>
     </p:spTree>
+    <p:extLst>
+      <p:ext uri="{BB962C8B-B14F-4D97-AF65-F5344CB8AC3E}">
+        <p14:creationId xmlns:p14="http://schemas.microsoft.com/office/powerpoint/2010/main" val="2067950357"/>
+      </p:ext>
+    </p:extLst>
   </p:cSld>
   <p:clrMapOvr>
     <a:masterClrMapping/>
@@ -1644,6 +1716,7 @@
                 <a:latin typeface="+mn-lt"/>
                 <a:ea typeface="+mn-ea"/>
               </a:rPr>
+              <a:t>18</a:t>
             </a:fld>
             <a:endParaRPr lang="zh-CN" altLang="en-US" sz="1200">
               <a:latin typeface="+mn-lt"/>
@@ -1653,6 +1726,11 @@
         </p:txBody>
       </p:sp>
     </p:spTree>
+    <p:extLst>
+      <p:ext uri="{BB962C8B-B14F-4D97-AF65-F5344CB8AC3E}">
+        <p14:creationId xmlns:p14="http://schemas.microsoft.com/office/powerpoint/2010/main" val="1166307051"/>
+      </p:ext>
+    </p:extLst>
   </p:cSld>
   <p:clrMapOvr>
     <a:masterClrMapping/>
@@ -1753,12 +1831,18 @@
             </a:pPr>
             <a:fld id="{E6F30693-533D-425A-AA82-4008F0380ACB}" type="slidenum">
               <a:rPr lang="zh-CN" altLang="en-US"/>
+              <a:t>19</a:t>
             </a:fld>
             <a:endParaRPr lang="zh-CN" altLang="en-US"/>
           </a:p>
         </p:txBody>
       </p:sp>
     </p:spTree>
+    <p:extLst>
+      <p:ext uri="{BB962C8B-B14F-4D97-AF65-F5344CB8AC3E}">
+        <p14:creationId xmlns:p14="http://schemas.microsoft.com/office/powerpoint/2010/main" val="2039359988"/>
+      </p:ext>
+    </p:extLst>
   </p:cSld>
   <p:clrMapOvr>
     <a:masterClrMapping/>
@@ -1861,6 +1945,7 @@
                 <a:latin typeface="等线" panose="02010600030101010101" pitchFamily="2" charset="-122"/>
                 <a:ea typeface="等线" panose="02010600030101010101" pitchFamily="2" charset="-122"/>
               </a:rPr>
+              <a:t>2</a:t>
             </a:fld>
             <a:endParaRPr lang="en-US" altLang="zh-CN" sz="1200">
               <a:latin typeface="等线" panose="02010600030101010101" pitchFamily="2" charset="-122"/>
@@ -1870,6 +1955,11 @@
         </p:txBody>
       </p:sp>
     </p:spTree>
+    <p:extLst>
+      <p:ext uri="{BB962C8B-B14F-4D97-AF65-F5344CB8AC3E}">
+        <p14:creationId xmlns:p14="http://schemas.microsoft.com/office/powerpoint/2010/main" val="1226185973"/>
+      </p:ext>
+    </p:extLst>
   </p:cSld>
   <p:clrMapOvr>
     <a:masterClrMapping/>
@@ -1970,12 +2060,18 @@
             </a:pPr>
             <a:fld id="{833F5A92-94CB-4135-934A-E3936B85B7BA}" type="slidenum">
               <a:rPr lang="zh-CN" altLang="en-US"/>
+              <a:t>20</a:t>
             </a:fld>
             <a:endParaRPr lang="zh-CN" altLang="en-US"/>
           </a:p>
         </p:txBody>
       </p:sp>
     </p:spTree>
+    <p:extLst>
+      <p:ext uri="{BB962C8B-B14F-4D97-AF65-F5344CB8AC3E}">
+        <p14:creationId xmlns:p14="http://schemas.microsoft.com/office/powerpoint/2010/main" val="1684312196"/>
+      </p:ext>
+    </p:extLst>
   </p:cSld>
   <p:clrMapOvr>
     <a:masterClrMapping/>
@@ -2076,12 +2172,18 @@
             </a:pPr>
             <a:fld id="{42FF952D-4F76-426A-A119-60EE2E3A2F1F}" type="slidenum">
               <a:rPr lang="zh-CN" altLang="en-US"/>
+              <a:t>21</a:t>
             </a:fld>
             <a:endParaRPr lang="zh-CN" altLang="en-US"/>
           </a:p>
         </p:txBody>
       </p:sp>
     </p:spTree>
+    <p:extLst>
+      <p:ext uri="{BB962C8B-B14F-4D97-AF65-F5344CB8AC3E}">
+        <p14:creationId xmlns:p14="http://schemas.microsoft.com/office/powerpoint/2010/main" val="105643418"/>
+      </p:ext>
+    </p:extLst>
   </p:cSld>
   <p:clrMapOvr>
     <a:masterClrMapping/>
@@ -2182,12 +2284,18 @@
             </a:pPr>
             <a:fld id="{BFECA703-FEE2-4628-BDA2-7A8C4EEAD34C}" type="slidenum">
               <a:rPr lang="zh-CN" altLang="en-US"/>
+              <a:t>22</a:t>
             </a:fld>
             <a:endParaRPr lang="zh-CN" altLang="en-US"/>
           </a:p>
         </p:txBody>
       </p:sp>
     </p:spTree>
+    <p:extLst>
+      <p:ext uri="{BB962C8B-B14F-4D97-AF65-F5344CB8AC3E}">
+        <p14:creationId xmlns:p14="http://schemas.microsoft.com/office/powerpoint/2010/main" val="1727433904"/>
+      </p:ext>
+    </p:extLst>
   </p:cSld>
   <p:clrMapOvr>
     <a:masterClrMapping/>
@@ -2288,12 +2396,18 @@
             </a:pPr>
             <a:fld id="{BFECA703-FEE2-4628-BDA2-7A8C4EEAD34C}" type="slidenum">
               <a:rPr lang="zh-CN" altLang="en-US"/>
+              <a:t>23</a:t>
             </a:fld>
             <a:endParaRPr lang="zh-CN" altLang="en-US"/>
           </a:p>
         </p:txBody>
       </p:sp>
     </p:spTree>
+    <p:extLst>
+      <p:ext uri="{BB962C8B-B14F-4D97-AF65-F5344CB8AC3E}">
+        <p14:creationId xmlns:p14="http://schemas.microsoft.com/office/powerpoint/2010/main" val="1150200735"/>
+      </p:ext>
+    </p:extLst>
   </p:cSld>
   <p:clrMapOvr>
     <a:masterClrMapping/>
@@ -2394,12 +2508,18 @@
             </a:pPr>
             <a:fld id="{BFECA703-FEE2-4628-BDA2-7A8C4EEAD34C}" type="slidenum">
               <a:rPr lang="zh-CN" altLang="en-US"/>
+              <a:t>24</a:t>
             </a:fld>
             <a:endParaRPr lang="zh-CN" altLang="en-US"/>
           </a:p>
         </p:txBody>
       </p:sp>
     </p:spTree>
+    <p:extLst>
+      <p:ext uri="{BB962C8B-B14F-4D97-AF65-F5344CB8AC3E}">
+        <p14:creationId xmlns:p14="http://schemas.microsoft.com/office/powerpoint/2010/main" val="1923446498"/>
+      </p:ext>
+    </p:extLst>
   </p:cSld>
   <p:clrMapOvr>
     <a:masterClrMapping/>
@@ -2500,12 +2620,18 @@
             </a:pPr>
             <a:fld id="{8F5EF445-A926-4ED5-A41B-1E39E4060EF9}" type="slidenum">
               <a:rPr lang="zh-CN" altLang="en-US"/>
+              <a:t>25</a:t>
             </a:fld>
             <a:endParaRPr lang="zh-CN" altLang="en-US"/>
           </a:p>
         </p:txBody>
       </p:sp>
     </p:spTree>
+    <p:extLst>
+      <p:ext uri="{BB962C8B-B14F-4D97-AF65-F5344CB8AC3E}">
+        <p14:creationId xmlns:p14="http://schemas.microsoft.com/office/powerpoint/2010/main" val="1293953595"/>
+      </p:ext>
+    </p:extLst>
   </p:cSld>
   <p:clrMapOvr>
     <a:masterClrMapping/>
@@ -2606,12 +2732,18 @@
             </a:pPr>
             <a:fld id="{8F5EF445-A926-4ED5-A41B-1E39E4060EF9}" type="slidenum">
               <a:rPr lang="zh-CN" altLang="en-US"/>
+              <a:t>26</a:t>
             </a:fld>
             <a:endParaRPr lang="zh-CN" altLang="en-US"/>
           </a:p>
         </p:txBody>
       </p:sp>
     </p:spTree>
+    <p:extLst>
+      <p:ext uri="{BB962C8B-B14F-4D97-AF65-F5344CB8AC3E}">
+        <p14:creationId xmlns:p14="http://schemas.microsoft.com/office/powerpoint/2010/main" val="2058661643"/>
+      </p:ext>
+    </p:extLst>
   </p:cSld>
   <p:clrMapOvr>
     <a:masterClrMapping/>
@@ -2712,12 +2844,18 @@
             </a:pPr>
             <a:fld id="{8F5EF445-A926-4ED5-A41B-1E39E4060EF9}" type="slidenum">
               <a:rPr lang="zh-CN" altLang="en-US"/>
+              <a:t>27</a:t>
             </a:fld>
             <a:endParaRPr lang="zh-CN" altLang="en-US"/>
           </a:p>
         </p:txBody>
       </p:sp>
     </p:spTree>
+    <p:extLst>
+      <p:ext uri="{BB962C8B-B14F-4D97-AF65-F5344CB8AC3E}">
+        <p14:creationId xmlns:p14="http://schemas.microsoft.com/office/powerpoint/2010/main" val="106453921"/>
+      </p:ext>
+    </p:extLst>
   </p:cSld>
   <p:clrMapOvr>
     <a:masterClrMapping/>
@@ -2818,12 +2956,18 @@
             </a:pPr>
             <a:fld id="{8F5EF445-A926-4ED5-A41B-1E39E4060EF9}" type="slidenum">
               <a:rPr lang="zh-CN" altLang="en-US"/>
+              <a:t>28</a:t>
             </a:fld>
             <a:endParaRPr lang="zh-CN" altLang="en-US"/>
           </a:p>
         </p:txBody>
       </p:sp>
     </p:spTree>
+    <p:extLst>
+      <p:ext uri="{BB962C8B-B14F-4D97-AF65-F5344CB8AC3E}">
+        <p14:creationId xmlns:p14="http://schemas.microsoft.com/office/powerpoint/2010/main" val="317172296"/>
+      </p:ext>
+    </p:extLst>
   </p:cSld>
   <p:clrMapOvr>
     <a:masterClrMapping/>
@@ -2924,12 +3068,18 @@
             </a:pPr>
             <a:fld id="{62E48317-606F-4AAF-BD9B-2E6C61D1603F}" type="slidenum">
               <a:rPr lang="zh-CN" altLang="en-US"/>
+              <a:t>29</a:t>
             </a:fld>
             <a:endParaRPr lang="zh-CN" altLang="en-US"/>
           </a:p>
         </p:txBody>
       </p:sp>
     </p:spTree>
+    <p:extLst>
+      <p:ext uri="{BB962C8B-B14F-4D97-AF65-F5344CB8AC3E}">
+        <p14:creationId xmlns:p14="http://schemas.microsoft.com/office/powerpoint/2010/main" val="660367018"/>
+      </p:ext>
+    </p:extLst>
   </p:cSld>
   <p:clrMapOvr>
     <a:masterClrMapping/>
@@ -3030,12 +3180,18 @@
             </a:pPr>
             <a:fld id="{5A872271-B1BB-4941-8B63-6AC21DF7CDDF}" type="slidenum">
               <a:rPr lang="zh-CN" altLang="en-US"/>
+              <a:t>3</a:t>
             </a:fld>
             <a:endParaRPr lang="zh-CN" altLang="en-US"/>
           </a:p>
         </p:txBody>
       </p:sp>
     </p:spTree>
+    <p:extLst>
+      <p:ext uri="{BB962C8B-B14F-4D97-AF65-F5344CB8AC3E}">
+        <p14:creationId xmlns:p14="http://schemas.microsoft.com/office/powerpoint/2010/main" val="1254571599"/>
+      </p:ext>
+    </p:extLst>
   </p:cSld>
   <p:clrMapOvr>
     <a:masterClrMapping/>
@@ -3136,12 +3292,18 @@
             </a:pPr>
             <a:fld id="{E6940A0D-892B-490A-BD1D-DA5CCD1731A8}" type="slidenum">
               <a:rPr lang="zh-CN" altLang="en-US"/>
+              <a:t>4</a:t>
             </a:fld>
             <a:endParaRPr lang="zh-CN" altLang="en-US"/>
           </a:p>
         </p:txBody>
       </p:sp>
     </p:spTree>
+    <p:extLst>
+      <p:ext uri="{BB962C8B-B14F-4D97-AF65-F5344CB8AC3E}">
+        <p14:creationId xmlns:p14="http://schemas.microsoft.com/office/powerpoint/2010/main" val="1590418147"/>
+      </p:ext>
+    </p:extLst>
   </p:cSld>
   <p:clrMapOvr>
     <a:masterClrMapping/>
@@ -3242,12 +3404,18 @@
             </a:pPr>
             <a:fld id="{8F5EF445-A926-4ED5-A41B-1E39E4060EF9}" type="slidenum">
               <a:rPr lang="zh-CN" altLang="en-US"/>
+              <a:t>5</a:t>
             </a:fld>
             <a:endParaRPr lang="zh-CN" altLang="en-US"/>
           </a:p>
         </p:txBody>
       </p:sp>
     </p:spTree>
+    <p:extLst>
+      <p:ext uri="{BB962C8B-B14F-4D97-AF65-F5344CB8AC3E}">
+        <p14:creationId xmlns:p14="http://schemas.microsoft.com/office/powerpoint/2010/main" val="428842420"/>
+      </p:ext>
+    </p:extLst>
   </p:cSld>
   <p:clrMapOvr>
     <a:masterClrMapping/>
@@ -3348,12 +3516,18 @@
             </a:pPr>
             <a:fld id="{E6940A0D-892B-490A-BD1D-DA5CCD1731A8}" type="slidenum">
               <a:rPr lang="zh-CN" altLang="en-US"/>
+              <a:t>6</a:t>
             </a:fld>
             <a:endParaRPr lang="zh-CN" altLang="en-US"/>
           </a:p>
         </p:txBody>
       </p:sp>
     </p:spTree>
+    <p:extLst>
+      <p:ext uri="{BB962C8B-B14F-4D97-AF65-F5344CB8AC3E}">
+        <p14:creationId xmlns:p14="http://schemas.microsoft.com/office/powerpoint/2010/main" val="599433608"/>
+      </p:ext>
+    </p:extLst>
   </p:cSld>
   <p:clrMapOvr>
     <a:masterClrMapping/>
@@ -3454,12 +3628,18 @@
             </a:pPr>
             <a:fld id="{8F5EF445-A926-4ED5-A41B-1E39E4060EF9}" type="slidenum">
               <a:rPr lang="zh-CN" altLang="en-US"/>
+              <a:t>7</a:t>
             </a:fld>
             <a:endParaRPr lang="zh-CN" altLang="en-US"/>
           </a:p>
         </p:txBody>
       </p:sp>
     </p:spTree>
+    <p:extLst>
+      <p:ext uri="{BB962C8B-B14F-4D97-AF65-F5344CB8AC3E}">
+        <p14:creationId xmlns:p14="http://schemas.microsoft.com/office/powerpoint/2010/main" val="834861579"/>
+      </p:ext>
+    </p:extLst>
   </p:cSld>
   <p:clrMapOvr>
     <a:masterClrMapping/>
@@ -3560,12 +3740,18 @@
             </a:pPr>
             <a:fld id="{8F5EF445-A926-4ED5-A41B-1E39E4060EF9}" type="slidenum">
               <a:rPr lang="zh-CN" altLang="en-US"/>
+              <a:t>8</a:t>
             </a:fld>
             <a:endParaRPr lang="zh-CN" altLang="en-US"/>
           </a:p>
         </p:txBody>
       </p:sp>
     </p:spTree>
+    <p:extLst>
+      <p:ext uri="{BB962C8B-B14F-4D97-AF65-F5344CB8AC3E}">
+        <p14:creationId xmlns:p14="http://schemas.microsoft.com/office/powerpoint/2010/main" val="2007892402"/>
+      </p:ext>
+    </p:extLst>
   </p:cSld>
   <p:clrMapOvr>
     <a:masterClrMapping/>
@@ -3666,12 +3852,18 @@
             </a:pPr>
             <a:fld id="{5A872271-B1BB-4941-8B63-6AC21DF7CDDF}" type="slidenum">
               <a:rPr lang="zh-CN" altLang="en-US"/>
+              <a:t>9</a:t>
             </a:fld>
             <a:endParaRPr lang="zh-CN" altLang="en-US"/>
           </a:p>
         </p:txBody>
       </p:sp>
     </p:spTree>
+    <p:extLst>
+      <p:ext uri="{BB962C8B-B14F-4D97-AF65-F5344CB8AC3E}">
+        <p14:creationId xmlns:p14="http://schemas.microsoft.com/office/powerpoint/2010/main" val="834403023"/>
+      </p:ext>
+    </p:extLst>
   </p:cSld>
   <p:clrMapOvr>
     <a:masterClrMapping/>
@@ -4575,13 +4767,6 @@
                   </a:rPr>
                   <a:t>指导老师：王老师 </a:t>
                 </a:r>
-                <a:endParaRPr lang="zh-CN" altLang="en-US" sz="2000" dirty="0">
-                  <a:solidFill>
-                    <a:schemeClr val="bg1"/>
-                  </a:solidFill>
-                  <a:latin typeface="微软雅黑" panose="020B0503020204020204" pitchFamily="34" charset="-122"/>
-                  <a:ea typeface="微软雅黑" panose="020B0503020204020204" pitchFamily="34" charset="-122"/>
-                </a:endParaRPr>
               </a:p>
             </p:txBody>
           </p:sp>
@@ -5387,7 +5572,6 @@
               <a:rPr lang="zh-CN" altLang="en-US"/>
               <a:t>单击此处编辑母版标题样式</a:t>
             </a:r>
-            <a:endParaRPr lang="zh-CN" altLang="en-US"/>
           </a:p>
         </p:txBody>
       </p:sp>
@@ -5411,7 +5595,6 @@
               <a:rPr lang="zh-CN" altLang="en-US"/>
               <a:t>单击此处编辑母版文本样式</a:t>
             </a:r>
-            <a:endParaRPr lang="zh-CN" altLang="en-US"/>
           </a:p>
           <a:p>
             <a:pPr lvl="1"/>
@@ -5419,7 +5602,6 @@
               <a:rPr lang="zh-CN" altLang="en-US"/>
               <a:t>第二级</a:t>
             </a:r>
-            <a:endParaRPr lang="zh-CN" altLang="en-US"/>
           </a:p>
           <a:p>
             <a:pPr lvl="2"/>
@@ -5427,7 +5609,6 @@
               <a:rPr lang="zh-CN" altLang="en-US"/>
               <a:t>第三级</a:t>
             </a:r>
-            <a:endParaRPr lang="zh-CN" altLang="en-US"/>
           </a:p>
           <a:p>
             <a:pPr lvl="3"/>
@@ -5435,7 +5616,6 @@
               <a:rPr lang="zh-CN" altLang="en-US"/>
               <a:t>第四级</a:t>
             </a:r>
-            <a:endParaRPr lang="zh-CN" altLang="en-US"/>
           </a:p>
           <a:p>
             <a:pPr lvl="4"/>
@@ -5443,7 +5623,6 @@
               <a:rPr lang="zh-CN" altLang="en-US"/>
               <a:t>第五级</a:t>
             </a:r>
-            <a:endParaRPr lang="zh-CN" altLang="en-US"/>
           </a:p>
         </p:txBody>
       </p:sp>
@@ -5471,6 +5650,7 @@
             </a:pPr>
             <a:fld id="{0DF1A11C-A054-45E8-9E20-F6401745FF26}" type="datetimeFigureOut">
               <a:rPr lang="zh-CN" altLang="en-US"/>
+              <a:t>2018/3/31</a:t>
             </a:fld>
             <a:endParaRPr lang="zh-CN" altLang="en-US"/>
           </a:p>
@@ -5526,6 +5706,7 @@
             </a:pPr>
             <a:fld id="{90334D31-55DA-44D7-AED2-CB8B60BB2C31}" type="slidenum">
               <a:rPr lang="zh-CN" altLang="en-US"/>
+              <a:t>‹#›</a:t>
             </a:fld>
             <a:endParaRPr lang="zh-CN" altLang="en-US"/>
           </a:p>
@@ -5580,7 +5761,6 @@
               <a:rPr lang="zh-CN" altLang="en-US"/>
               <a:t>单击此处编辑母版标题样式</a:t>
             </a:r>
-            <a:endParaRPr lang="zh-CN" altLang="en-US"/>
           </a:p>
         </p:txBody>
       </p:sp>
@@ -5609,7 +5789,6 @@
               <a:rPr lang="zh-CN" altLang="en-US"/>
               <a:t>单击此处编辑母版文本样式</a:t>
             </a:r>
-            <a:endParaRPr lang="zh-CN" altLang="en-US"/>
           </a:p>
           <a:p>
             <a:pPr lvl="1"/>
@@ -5617,7 +5796,6 @@
               <a:rPr lang="zh-CN" altLang="en-US"/>
               <a:t>第二级</a:t>
             </a:r>
-            <a:endParaRPr lang="zh-CN" altLang="en-US"/>
           </a:p>
           <a:p>
             <a:pPr lvl="2"/>
@@ -5625,7 +5803,6 @@
               <a:rPr lang="zh-CN" altLang="en-US"/>
               <a:t>第三级</a:t>
             </a:r>
-            <a:endParaRPr lang="zh-CN" altLang="en-US"/>
           </a:p>
           <a:p>
             <a:pPr lvl="3"/>
@@ -5633,7 +5810,6 @@
               <a:rPr lang="zh-CN" altLang="en-US"/>
               <a:t>第四级</a:t>
             </a:r>
-            <a:endParaRPr lang="zh-CN" altLang="en-US"/>
           </a:p>
           <a:p>
             <a:pPr lvl="4"/>
@@ -5641,7 +5817,6 @@
               <a:rPr lang="zh-CN" altLang="en-US"/>
               <a:t>第五级</a:t>
             </a:r>
-            <a:endParaRPr lang="zh-CN" altLang="en-US"/>
           </a:p>
         </p:txBody>
       </p:sp>
@@ -5669,6 +5844,7 @@
             </a:pPr>
             <a:fld id="{77E0D8EB-2EC1-4EDE-9506-33C7F6CBCBFA}" type="datetimeFigureOut">
               <a:rPr lang="zh-CN" altLang="en-US"/>
+              <a:t>2018/3/31</a:t>
             </a:fld>
             <a:endParaRPr lang="zh-CN" altLang="en-US"/>
           </a:p>
@@ -5724,6 +5900,7 @@
             </a:pPr>
             <a:fld id="{8B5E1000-D98F-4A6A-BE23-F37B1A8341C6}" type="slidenum">
               <a:rPr lang="zh-CN" altLang="en-US"/>
+              <a:t>‹#›</a:t>
             </a:fld>
             <a:endParaRPr lang="zh-CN" altLang="en-US"/>
           </a:p>
@@ -5773,7 +5950,6 @@
               <a:rPr lang="zh-CN" altLang="en-US"/>
               <a:t>单击此处编辑母版标题样式</a:t>
             </a:r>
-            <a:endParaRPr lang="zh-CN" altLang="en-US"/>
           </a:p>
         </p:txBody>
       </p:sp>
@@ -5797,7 +5973,6 @@
               <a:rPr lang="zh-CN" altLang="en-US"/>
               <a:t>单击此处编辑母版文本样式</a:t>
             </a:r>
-            <a:endParaRPr lang="zh-CN" altLang="en-US"/>
           </a:p>
           <a:p>
             <a:pPr lvl="1"/>
@@ -5805,7 +5980,6 @@
               <a:rPr lang="zh-CN" altLang="en-US"/>
               <a:t>第二级</a:t>
             </a:r>
-            <a:endParaRPr lang="zh-CN" altLang="en-US"/>
           </a:p>
           <a:p>
             <a:pPr lvl="2"/>
@@ -5813,7 +5987,6 @@
               <a:rPr lang="zh-CN" altLang="en-US"/>
               <a:t>第三级</a:t>
             </a:r>
-            <a:endParaRPr lang="zh-CN" altLang="en-US"/>
           </a:p>
           <a:p>
             <a:pPr lvl="3"/>
@@ -5821,7 +5994,6 @@
               <a:rPr lang="zh-CN" altLang="en-US"/>
               <a:t>第四级</a:t>
             </a:r>
-            <a:endParaRPr lang="zh-CN" altLang="en-US"/>
           </a:p>
           <a:p>
             <a:pPr lvl="4"/>
@@ -5829,7 +6001,6 @@
               <a:rPr lang="zh-CN" altLang="en-US"/>
               <a:t>第五级</a:t>
             </a:r>
-            <a:endParaRPr lang="zh-CN" altLang="en-US"/>
           </a:p>
         </p:txBody>
       </p:sp>
@@ -5857,6 +6028,7 @@
             </a:pPr>
             <a:fld id="{A0EACF24-D44A-4A29-B3D3-DF3CC4BF4285}" type="datetimeFigureOut">
               <a:rPr lang="zh-CN" altLang="en-US"/>
+              <a:t>2018/3/31</a:t>
             </a:fld>
             <a:endParaRPr lang="zh-CN" altLang="en-US"/>
           </a:p>
@@ -5912,6 +6084,7 @@
             </a:pPr>
             <a:fld id="{CE09B344-C396-4CC6-B607-A812579B82C1}" type="slidenum">
               <a:rPr lang="zh-CN" altLang="en-US"/>
+              <a:t>‹#›</a:t>
             </a:fld>
             <a:endParaRPr lang="zh-CN" altLang="en-US"/>
           </a:p>
@@ -5970,7 +6143,6 @@
               <a:rPr lang="zh-CN" altLang="en-US"/>
               <a:t>单击此处编辑母版标题样式</a:t>
             </a:r>
-            <a:endParaRPr lang="zh-CN" altLang="en-US"/>
           </a:p>
         </p:txBody>
       </p:sp>
@@ -6090,7 +6262,6 @@
               <a:rPr lang="zh-CN" altLang="en-US"/>
               <a:t>单击此处编辑母版文本样式</a:t>
             </a:r>
-            <a:endParaRPr lang="zh-CN" altLang="en-US"/>
           </a:p>
         </p:txBody>
       </p:sp>
@@ -6118,6 +6289,7 @@
             </a:pPr>
             <a:fld id="{A2D2383A-C2DD-4B06-B5B3-CADE7E1C632D}" type="datetimeFigureOut">
               <a:rPr lang="zh-CN" altLang="en-US"/>
+              <a:t>2018/3/31</a:t>
             </a:fld>
             <a:endParaRPr lang="zh-CN" altLang="en-US"/>
           </a:p>
@@ -6173,6 +6345,7 @@
             </a:pPr>
             <a:fld id="{624A91FE-F51C-447E-8BAE-2D0F9A4D7D3F}" type="slidenum">
               <a:rPr lang="zh-CN" altLang="en-US"/>
+              <a:t>‹#›</a:t>
             </a:fld>
             <a:endParaRPr lang="zh-CN" altLang="en-US"/>
           </a:p>
@@ -6222,7 +6395,6 @@
               <a:rPr lang="zh-CN" altLang="en-US"/>
               <a:t>单击此处编辑母版标题样式</a:t>
             </a:r>
-            <a:endParaRPr lang="zh-CN" altLang="en-US"/>
           </a:p>
         </p:txBody>
       </p:sp>
@@ -6251,7 +6423,6 @@
               <a:rPr lang="zh-CN" altLang="en-US"/>
               <a:t>单击此处编辑母版文本样式</a:t>
             </a:r>
-            <a:endParaRPr lang="zh-CN" altLang="en-US"/>
           </a:p>
           <a:p>
             <a:pPr lvl="1"/>
@@ -6259,7 +6430,6 @@
               <a:rPr lang="zh-CN" altLang="en-US"/>
               <a:t>第二级</a:t>
             </a:r>
-            <a:endParaRPr lang="zh-CN" altLang="en-US"/>
           </a:p>
           <a:p>
             <a:pPr lvl="2"/>
@@ -6267,7 +6437,6 @@
               <a:rPr lang="zh-CN" altLang="en-US"/>
               <a:t>第三级</a:t>
             </a:r>
-            <a:endParaRPr lang="zh-CN" altLang="en-US"/>
           </a:p>
           <a:p>
             <a:pPr lvl="3"/>
@@ -6275,7 +6444,6 @@
               <a:rPr lang="zh-CN" altLang="en-US"/>
               <a:t>第四级</a:t>
             </a:r>
-            <a:endParaRPr lang="zh-CN" altLang="en-US"/>
           </a:p>
           <a:p>
             <a:pPr lvl="4"/>
@@ -6283,7 +6451,6 @@
               <a:rPr lang="zh-CN" altLang="en-US"/>
               <a:t>第五级</a:t>
             </a:r>
-            <a:endParaRPr lang="zh-CN" altLang="en-US"/>
           </a:p>
         </p:txBody>
       </p:sp>
@@ -6312,7 +6479,6 @@
               <a:rPr lang="zh-CN" altLang="en-US"/>
               <a:t>单击此处编辑母版文本样式</a:t>
             </a:r>
-            <a:endParaRPr lang="zh-CN" altLang="en-US"/>
           </a:p>
           <a:p>
             <a:pPr lvl="1"/>
@@ -6320,7 +6486,6 @@
               <a:rPr lang="zh-CN" altLang="en-US"/>
               <a:t>第二级</a:t>
             </a:r>
-            <a:endParaRPr lang="zh-CN" altLang="en-US"/>
           </a:p>
           <a:p>
             <a:pPr lvl="2"/>
@@ -6328,7 +6493,6 @@
               <a:rPr lang="zh-CN" altLang="en-US"/>
               <a:t>第三级</a:t>
             </a:r>
-            <a:endParaRPr lang="zh-CN" altLang="en-US"/>
           </a:p>
           <a:p>
             <a:pPr lvl="3"/>
@@ -6336,7 +6500,6 @@
               <a:rPr lang="zh-CN" altLang="en-US"/>
               <a:t>第四级</a:t>
             </a:r>
-            <a:endParaRPr lang="zh-CN" altLang="en-US"/>
           </a:p>
           <a:p>
             <a:pPr lvl="4"/>
@@ -6344,7 +6507,6 @@
               <a:rPr lang="zh-CN" altLang="en-US"/>
               <a:t>第五级</a:t>
             </a:r>
-            <a:endParaRPr lang="zh-CN" altLang="en-US"/>
           </a:p>
         </p:txBody>
       </p:sp>
@@ -6372,6 +6534,7 @@
             </a:pPr>
             <a:fld id="{22DF5321-8223-471F-B1DB-DB64E73F75F0}" type="datetimeFigureOut">
               <a:rPr lang="zh-CN" altLang="en-US"/>
+              <a:t>2018/3/31</a:t>
             </a:fld>
             <a:endParaRPr lang="zh-CN" altLang="en-US"/>
           </a:p>
@@ -6427,6 +6590,7 @@
             </a:pPr>
             <a:fld id="{11711639-D3C1-49B5-9E07-CA49643265BA}" type="slidenum">
               <a:rPr lang="zh-CN" altLang="en-US"/>
+              <a:t>‹#›</a:t>
             </a:fld>
             <a:endParaRPr lang="zh-CN" altLang="en-US"/>
           </a:p>
@@ -6481,7 +6645,6 @@
               <a:rPr lang="zh-CN" altLang="en-US"/>
               <a:t>单击此处编辑母版标题样式</a:t>
             </a:r>
-            <a:endParaRPr lang="zh-CN" altLang="en-US"/>
           </a:p>
         </p:txBody>
       </p:sp>
@@ -6547,7 +6710,6 @@
               <a:rPr lang="zh-CN" altLang="en-US"/>
               <a:t>单击此处编辑母版文本样式</a:t>
             </a:r>
-            <a:endParaRPr lang="zh-CN" altLang="en-US"/>
           </a:p>
         </p:txBody>
       </p:sp>
@@ -6576,7 +6738,6 @@
               <a:rPr lang="zh-CN" altLang="en-US"/>
               <a:t>单击此处编辑母版文本样式</a:t>
             </a:r>
-            <a:endParaRPr lang="zh-CN" altLang="en-US"/>
           </a:p>
           <a:p>
             <a:pPr lvl="1"/>
@@ -6584,7 +6745,6 @@
               <a:rPr lang="zh-CN" altLang="en-US"/>
               <a:t>第二级</a:t>
             </a:r>
-            <a:endParaRPr lang="zh-CN" altLang="en-US"/>
           </a:p>
           <a:p>
             <a:pPr lvl="2"/>
@@ -6592,7 +6752,6 @@
               <a:rPr lang="zh-CN" altLang="en-US"/>
               <a:t>第三级</a:t>
             </a:r>
-            <a:endParaRPr lang="zh-CN" altLang="en-US"/>
           </a:p>
           <a:p>
             <a:pPr lvl="3"/>
@@ -6600,7 +6759,6 @@
               <a:rPr lang="zh-CN" altLang="en-US"/>
               <a:t>第四级</a:t>
             </a:r>
-            <a:endParaRPr lang="zh-CN" altLang="en-US"/>
           </a:p>
           <a:p>
             <a:pPr lvl="4"/>
@@ -6608,7 +6766,6 @@
               <a:rPr lang="zh-CN" altLang="en-US"/>
               <a:t>第五级</a:t>
             </a:r>
-            <a:endParaRPr lang="zh-CN" altLang="en-US"/>
           </a:p>
         </p:txBody>
       </p:sp>
@@ -6674,7 +6831,6 @@
               <a:rPr lang="zh-CN" altLang="en-US"/>
               <a:t>单击此处编辑母版文本样式</a:t>
             </a:r>
-            <a:endParaRPr lang="zh-CN" altLang="en-US"/>
           </a:p>
         </p:txBody>
       </p:sp>
@@ -6703,7 +6859,6 @@
               <a:rPr lang="zh-CN" altLang="en-US"/>
               <a:t>单击此处编辑母版文本样式</a:t>
             </a:r>
-            <a:endParaRPr lang="zh-CN" altLang="en-US"/>
           </a:p>
           <a:p>
             <a:pPr lvl="1"/>
@@ -6711,7 +6866,6 @@
               <a:rPr lang="zh-CN" altLang="en-US"/>
               <a:t>第二级</a:t>
             </a:r>
-            <a:endParaRPr lang="zh-CN" altLang="en-US"/>
           </a:p>
           <a:p>
             <a:pPr lvl="2"/>
@@ -6719,7 +6873,6 @@
               <a:rPr lang="zh-CN" altLang="en-US"/>
               <a:t>第三级</a:t>
             </a:r>
-            <a:endParaRPr lang="zh-CN" altLang="en-US"/>
           </a:p>
           <a:p>
             <a:pPr lvl="3"/>
@@ -6727,7 +6880,6 @@
               <a:rPr lang="zh-CN" altLang="en-US"/>
               <a:t>第四级</a:t>
             </a:r>
-            <a:endParaRPr lang="zh-CN" altLang="en-US"/>
           </a:p>
           <a:p>
             <a:pPr lvl="4"/>
@@ -6735,7 +6887,6 @@
               <a:rPr lang="zh-CN" altLang="en-US"/>
               <a:t>第五级</a:t>
             </a:r>
-            <a:endParaRPr lang="zh-CN" altLang="en-US"/>
           </a:p>
         </p:txBody>
       </p:sp>
@@ -6763,6 +6914,7 @@
             </a:pPr>
             <a:fld id="{72D712D7-CDC8-49CD-A4C4-D42699909244}" type="datetimeFigureOut">
               <a:rPr lang="zh-CN" altLang="en-US"/>
+              <a:t>2018/3/31</a:t>
             </a:fld>
             <a:endParaRPr lang="zh-CN" altLang="en-US"/>
           </a:p>
@@ -6818,6 +6970,7 @@
             </a:pPr>
             <a:fld id="{8144AA7D-B61C-447C-BB34-9C1A74FB02B0}" type="slidenum">
               <a:rPr lang="zh-CN" altLang="en-US"/>
+              <a:t>‹#›</a:t>
             </a:fld>
             <a:endParaRPr lang="zh-CN" altLang="en-US"/>
           </a:p>
@@ -6867,7 +7020,6 @@
               <a:rPr lang="zh-CN" altLang="en-US"/>
               <a:t>单击此处编辑母版标题样式</a:t>
             </a:r>
-            <a:endParaRPr lang="zh-CN" altLang="en-US"/>
           </a:p>
         </p:txBody>
       </p:sp>
@@ -6895,6 +7047,7 @@
             </a:pPr>
             <a:fld id="{AD1F6459-542D-42B9-8E19-C2340E44D67D}" type="datetimeFigureOut">
               <a:rPr lang="zh-CN" altLang="en-US"/>
+              <a:t>2018/3/31</a:t>
             </a:fld>
             <a:endParaRPr lang="zh-CN" altLang="en-US"/>
           </a:p>
@@ -6950,6 +7103,7 @@
             </a:pPr>
             <a:fld id="{55ADF621-F187-4D30-80B8-0DD0D082D0E8}" type="slidenum">
               <a:rPr lang="zh-CN" altLang="en-US"/>
+              <a:t>‹#›</a:t>
             </a:fld>
             <a:endParaRPr lang="zh-CN" altLang="en-US"/>
           </a:p>
@@ -7004,6 +7158,7 @@
             </a:pPr>
             <a:fld id="{293ECE99-CE54-48B2-A6D1-17F72B3FF501}" type="datetimeFigureOut">
               <a:rPr lang="zh-CN" altLang="en-US"/>
+              <a:t>2018/3/31</a:t>
             </a:fld>
             <a:endParaRPr lang="zh-CN" altLang="en-US"/>
           </a:p>
@@ -7059,6 +7214,7 @@
             </a:pPr>
             <a:fld id="{4565C0F4-82A7-4B2B-BE41-8261746DA1E9}" type="slidenum">
               <a:rPr lang="zh-CN" altLang="en-US"/>
+              <a:t>‹#›</a:t>
             </a:fld>
             <a:endParaRPr lang="zh-CN" altLang="en-US"/>
           </a:p>
@@ -7117,7 +7273,6 @@
               <a:rPr lang="zh-CN" altLang="en-US"/>
               <a:t>单击此处编辑母版标题样式</a:t>
             </a:r>
-            <a:endParaRPr lang="zh-CN" altLang="en-US"/>
           </a:p>
         </p:txBody>
       </p:sp>
@@ -7174,7 +7329,6 @@
               <a:rPr lang="zh-CN" altLang="en-US"/>
               <a:t>单击此处编辑母版文本样式</a:t>
             </a:r>
-            <a:endParaRPr lang="zh-CN" altLang="en-US"/>
           </a:p>
           <a:p>
             <a:pPr lvl="1"/>
@@ -7182,7 +7336,6 @@
               <a:rPr lang="zh-CN" altLang="en-US"/>
               <a:t>第二级</a:t>
             </a:r>
-            <a:endParaRPr lang="zh-CN" altLang="en-US"/>
           </a:p>
           <a:p>
             <a:pPr lvl="2"/>
@@ -7190,7 +7343,6 @@
               <a:rPr lang="zh-CN" altLang="en-US"/>
               <a:t>第三级</a:t>
             </a:r>
-            <a:endParaRPr lang="zh-CN" altLang="en-US"/>
           </a:p>
           <a:p>
             <a:pPr lvl="3"/>
@@ -7198,7 +7350,6 @@
               <a:rPr lang="zh-CN" altLang="en-US"/>
               <a:t>第四级</a:t>
             </a:r>
-            <a:endParaRPr lang="zh-CN" altLang="en-US"/>
           </a:p>
           <a:p>
             <a:pPr lvl="4"/>
@@ -7206,7 +7357,6 @@
               <a:rPr lang="zh-CN" altLang="en-US"/>
               <a:t>第五级</a:t>
             </a:r>
-            <a:endParaRPr lang="zh-CN" altLang="en-US"/>
           </a:p>
         </p:txBody>
       </p:sp>
@@ -7272,7 +7422,6 @@
               <a:rPr lang="zh-CN" altLang="en-US"/>
               <a:t>单击此处编辑母版文本样式</a:t>
             </a:r>
-            <a:endParaRPr lang="zh-CN" altLang="en-US"/>
           </a:p>
         </p:txBody>
       </p:sp>
@@ -7300,6 +7449,7 @@
             </a:pPr>
             <a:fld id="{1DE85EC0-FB6A-4D7D-962A-174FFE506AF8}" type="datetimeFigureOut">
               <a:rPr lang="zh-CN" altLang="en-US"/>
+              <a:t>2018/3/31</a:t>
             </a:fld>
             <a:endParaRPr lang="zh-CN" altLang="en-US"/>
           </a:p>
@@ -7355,6 +7505,7 @@
             </a:pPr>
             <a:fld id="{8D487B4A-39C0-473E-B55F-FD2201A5C15A}" type="slidenum">
               <a:rPr lang="zh-CN" altLang="en-US"/>
+              <a:t>‹#›</a:t>
             </a:fld>
             <a:endParaRPr lang="zh-CN" altLang="en-US"/>
           </a:p>
@@ -7413,7 +7564,6 @@
               <a:rPr lang="zh-CN" altLang="en-US"/>
               <a:t>单击此处编辑母版标题样式</a:t>
             </a:r>
-            <a:endParaRPr lang="zh-CN" altLang="en-US"/>
           </a:p>
         </p:txBody>
       </p:sp>
@@ -7543,7 +7693,6 @@
               <a:rPr lang="zh-CN" altLang="en-US"/>
               <a:t>单击此处编辑母版文本样式</a:t>
             </a:r>
-            <a:endParaRPr lang="zh-CN" altLang="en-US"/>
           </a:p>
         </p:txBody>
       </p:sp>
@@ -7571,6 +7720,7 @@
             </a:pPr>
             <a:fld id="{6642D958-540F-438F-A281-FD656310C52C}" type="datetimeFigureOut">
               <a:rPr lang="zh-CN" altLang="en-US"/>
+              <a:t>2018/3/31</a:t>
             </a:fld>
             <a:endParaRPr lang="zh-CN" altLang="en-US"/>
           </a:p>
@@ -7626,6 +7776,7 @@
             </a:pPr>
             <a:fld id="{350CAF58-AC25-4F5F-A645-A21B2AE2D664}" type="slidenum">
               <a:rPr lang="zh-CN" altLang="en-US"/>
+              <a:t>‹#›</a:t>
             </a:fld>
             <a:endParaRPr lang="zh-CN" altLang="en-US"/>
           </a:p>
@@ -7694,7 +7845,6 @@
               <a:rPr lang="zh-CN" altLang="en-US" smtClean="0"/>
               <a:t>单击此处编辑母版标题样式</a:t>
             </a:r>
-            <a:endParaRPr lang="zh-CN" altLang="en-US" smtClean="0"/>
           </a:p>
         </p:txBody>
       </p:sp>
@@ -7731,7 +7881,6 @@
               <a:rPr lang="zh-CN" altLang="en-US" smtClean="0"/>
               <a:t>编辑母版文本样式</a:t>
             </a:r>
-            <a:endParaRPr lang="zh-CN" altLang="en-US" smtClean="0"/>
           </a:p>
           <a:p>
             <a:pPr lvl="1"/>
@@ -7739,7 +7888,6 @@
               <a:rPr lang="zh-CN" altLang="en-US" smtClean="0"/>
               <a:t>第二级</a:t>
             </a:r>
-            <a:endParaRPr lang="zh-CN" altLang="en-US" smtClean="0"/>
           </a:p>
           <a:p>
             <a:pPr lvl="2"/>
@@ -7747,7 +7895,6 @@
               <a:rPr lang="zh-CN" altLang="en-US" smtClean="0"/>
               <a:t>第三级</a:t>
             </a:r>
-            <a:endParaRPr lang="zh-CN" altLang="en-US" smtClean="0"/>
           </a:p>
           <a:p>
             <a:pPr lvl="3"/>
@@ -7755,7 +7902,6 @@
               <a:rPr lang="zh-CN" altLang="en-US" smtClean="0"/>
               <a:t>第四级</a:t>
             </a:r>
-            <a:endParaRPr lang="zh-CN" altLang="en-US" smtClean="0"/>
           </a:p>
           <a:p>
             <a:pPr lvl="4"/>
@@ -7763,7 +7909,6 @@
               <a:rPr lang="zh-CN" altLang="en-US" smtClean="0"/>
               <a:t>第五级</a:t>
             </a:r>
-            <a:endParaRPr lang="zh-CN" altLang="en-US" smtClean="0"/>
           </a:p>
         </p:txBody>
       </p:sp>
@@ -7813,6 +7958,7 @@
             </a:pPr>
             <a:fld id="{61AE987B-5CCC-4D98-81F1-14B5B619FD0D}" type="datetimeFigureOut">
               <a:rPr lang="zh-CN" altLang="en-US"/>
+              <a:t>2018/3/31</a:t>
             </a:fld>
             <a:endParaRPr lang="zh-CN" altLang="en-US"/>
           </a:p>
@@ -7912,6 +8058,7 @@
             </a:pPr>
             <a:fld id="{BC240D70-F36E-4677-A365-47D026137375}" type="slidenum">
               <a:rPr lang="zh-CN" altLang="en-US"/>
+              <a:t>‹#›</a:t>
             </a:fld>
             <a:endParaRPr lang="zh-CN" altLang="en-US"/>
           </a:p>
@@ -8612,16 +8759,6 @@
               </a:rPr>
               <a:t>Android沙盒游戏应用项目介绍</a:t>
             </a:r>
-            <a:endParaRPr lang="zh-CN" altLang="en-US" sz="5400" b="1" dirty="0">
-              <a:solidFill>
-                <a:schemeClr val="tx1">
-                  <a:lumMod val="65000"/>
-                  <a:lumOff val="35000"/>
-                </a:schemeClr>
-              </a:solidFill>
-              <a:latin typeface="微软雅黑" panose="020B0503020204020204" pitchFamily="34" charset="-122"/>
-              <a:ea typeface="微软雅黑" panose="020B0503020204020204" pitchFamily="34" charset="-122"/>
-            </a:endParaRPr>
           </a:p>
         </p:txBody>
       </p:sp>
@@ -9164,16 +9301,6 @@
               </a:rPr>
               <a:t>G02</a:t>
             </a:r>
-            <a:endParaRPr lang="en-US" altLang="zh-CN" dirty="0" smtClean="0">
-              <a:solidFill>
-                <a:schemeClr val="tx1">
-                  <a:lumMod val="65000"/>
-                  <a:lumOff val="35000"/>
-                </a:schemeClr>
-              </a:solidFill>
-              <a:latin typeface="微软雅黑" panose="020B0503020204020204" pitchFamily="34" charset="-122"/>
-              <a:ea typeface="微软雅黑" panose="020B0503020204020204" pitchFamily="34" charset="-122"/>
-            </a:endParaRPr>
           </a:p>
         </p:txBody>
       </p:sp>
@@ -9221,16 +9348,6 @@
               </a:rPr>
               <a:t>指导老师：杨枨 </a:t>
             </a:r>
-            <a:endParaRPr lang="zh-CN" altLang="en-US" sz="2000" dirty="0">
-              <a:solidFill>
-                <a:schemeClr val="tx1">
-                  <a:lumMod val="65000"/>
-                  <a:lumOff val="35000"/>
-                </a:schemeClr>
-              </a:solidFill>
-              <a:latin typeface="微软雅黑" panose="020B0503020204020204" pitchFamily="34" charset="-122"/>
-              <a:ea typeface="微软雅黑" panose="020B0503020204020204" pitchFamily="34" charset="-122"/>
-            </a:endParaRPr>
           </a:p>
         </p:txBody>
       </p:sp>
@@ -9842,10 +9959,15 @@
           </p:cNvPicPr>
           <p:nvPr>
             <a:audioFile r:link="rId1"/>
+            <p:extLst>
+              <p:ext uri="{DAA4B4D4-6D71-4841-9C94-3DE7FCFB9230}">
+                <p14:media xmlns:p14="http://schemas.microsoft.com/office/powerpoint/2010/main" r:link="rId2"/>
+              </p:ext>
+            </p:extLst>
           </p:nvPr>
         </p:nvPicPr>
         <p:blipFill>
-          <a:blip r:embed="rId2"/>
+          <a:blip r:embed="rId5"/>
           <a:srcRect/>
           <a:stretch>
             <a:fillRect/>
@@ -9877,7 +9999,7 @@
           <p:nvPr/>
         </p:nvPicPr>
         <p:blipFill>
-          <a:blip r:embed="rId3"/>
+          <a:blip r:embed="rId6"/>
           <a:srcRect/>
           <a:stretch>
             <a:fillRect/>
@@ -10825,13 +10947,6 @@
               </a:rPr>
               <a:t>文件</a:t>
             </a:r>
-            <a:endParaRPr lang="zh-CN" sz="2800" spc="120" dirty="0">
-              <a:solidFill>
-                <a:srgbClr val="FFFFFF"/>
-              </a:solidFill>
-              <a:latin typeface="微软雅黑" panose="020B0503020204020204" pitchFamily="34" charset="-122"/>
-              <a:ea typeface="微软雅黑" panose="020B0503020204020204" pitchFamily="34" charset="-122"/>
-            </a:endParaRPr>
           </a:p>
         </p:txBody>
       </p:sp>
@@ -10844,7 +10959,7 @@
           <p:nvPr/>
         </p:nvPicPr>
         <p:blipFill>
-          <a:blip r:embed="rId1"/>
+          <a:blip r:embed="rId3"/>
           <a:stretch>
             <a:fillRect/>
           </a:stretch>
@@ -10853,6 +10968,30 @@
           <a:xfrm>
             <a:off x="1188085" y="887730"/>
             <a:ext cx="10173335" cy="5901055"/>
+          </a:xfrm>
+          <a:prstGeom prst="rect">
+            <a:avLst/>
+          </a:prstGeom>
+        </p:spPr>
+      </p:pic>
+      <p:pic>
+        <p:nvPicPr>
+          <p:cNvPr id="6" name="图片 5" descr="TIM图片20180330150438"/>
+          <p:cNvPicPr>
+            <a:picLocks noChangeAspect="1"/>
+          </p:cNvPicPr>
+          <p:nvPr/>
+        </p:nvPicPr>
+        <p:blipFill>
+          <a:blip r:embed="rId4"/>
+          <a:stretch>
+            <a:fillRect/>
+          </a:stretch>
+        </p:blipFill>
+        <p:spPr>
+          <a:xfrm>
+            <a:off x="11116945" y="67310"/>
+            <a:ext cx="905510" cy="1015365"/>
           </a:xfrm>
           <a:prstGeom prst="rect">
             <a:avLst/>
@@ -11362,13 +11501,6 @@
               </a:rPr>
               <a:t>非移交产品</a:t>
             </a:r>
-            <a:endParaRPr lang="zh-CN" sz="2800" spc="120" dirty="0">
-              <a:solidFill>
-                <a:srgbClr val="FFFFFF"/>
-              </a:solidFill>
-              <a:latin typeface="微软雅黑" panose="020B0503020204020204" pitchFamily="34" charset="-122"/>
-              <a:ea typeface="微软雅黑" panose="020B0503020204020204" pitchFamily="34" charset="-122"/>
-            </a:endParaRPr>
           </a:p>
         </p:txBody>
       </p:sp>
@@ -11395,6 +11527,7 @@
           <a:bodyPr anchor="t">
             <a:spAutoFit/>
           </a:bodyPr>
+          <a:lstStyle/>
           <a:p>
             <a:pPr eaLnBrk="0" hangingPunct="0">
               <a:lnSpc>
@@ -11497,14 +11630,6 @@
               </a:rPr>
               <a:t>数据要求说明书</a:t>
             </a:r>
-            <a:endParaRPr lang="zh-CN" altLang="en-US" sz="2400" dirty="0">
-              <a:solidFill>
-                <a:schemeClr val="tx1"/>
-              </a:solidFill>
-              <a:latin typeface="Arial" panose="020B0604020202020204" pitchFamily="34" charset="0"/>
-              <a:ea typeface="宋体" panose="02010600030101010101" pitchFamily="2" charset="-122"/>
-              <a:sym typeface="Calibri" panose="020F0502020204030204" pitchFamily="34" charset="0"/>
-            </a:endParaRPr>
           </a:p>
           <a:p>
             <a:pPr eaLnBrk="0" hangingPunct="0">
@@ -11671,14 +11796,6 @@
               </a:rPr>
               <a:t> </a:t>
             </a:r>
-            <a:endParaRPr lang="en-US" altLang="zh-CN" sz="2400" dirty="0">
-              <a:solidFill>
-                <a:schemeClr val="tx1"/>
-              </a:solidFill>
-              <a:latin typeface="Arial" panose="020B0604020202020204" pitchFamily="34" charset="0"/>
-              <a:ea typeface="宋体" panose="02010600030101010101" pitchFamily="2" charset="-122"/>
-              <a:sym typeface="Calibri" panose="020F0502020204030204" pitchFamily="34" charset="0"/>
-            </a:endParaRPr>
           </a:p>
         </p:txBody>
       </p:sp>
@@ -11705,6 +11822,7 @@
           <a:bodyPr anchor="t">
             <a:spAutoFit/>
           </a:bodyPr>
+          <a:lstStyle/>
           <a:p>
             <a:pPr eaLnBrk="0" hangingPunct="0">
               <a:lnSpc>
@@ -11955,17 +12073,33 @@
               </a:rPr>
               <a:t>源程序</a:t>
             </a:r>
-            <a:endParaRPr lang="zh-CN" altLang="en-US" sz="2400" dirty="0">
-              <a:solidFill>
-                <a:schemeClr val="tx1"/>
-              </a:solidFill>
-              <a:latin typeface="Arial" panose="020B0604020202020204" pitchFamily="34" charset="0"/>
-              <a:ea typeface="宋体" panose="02010600030101010101" pitchFamily="2" charset="-122"/>
-              <a:sym typeface="Calibri" panose="020F0502020204030204" pitchFamily="34" charset="0"/>
-            </a:endParaRPr>
           </a:p>
         </p:txBody>
       </p:sp>
+      <p:pic>
+        <p:nvPicPr>
+          <p:cNvPr id="2" name="图片 1" descr="TIM图片20180330150438"/>
+          <p:cNvPicPr>
+            <a:picLocks noChangeAspect="1"/>
+          </p:cNvPicPr>
+          <p:nvPr/>
+        </p:nvPicPr>
+        <p:blipFill>
+          <a:blip r:embed="rId3"/>
+          <a:stretch>
+            <a:fillRect/>
+          </a:stretch>
+        </p:blipFill>
+        <p:spPr>
+          <a:xfrm>
+            <a:off x="11116945" y="67310"/>
+            <a:ext cx="905510" cy="1015365"/>
+          </a:xfrm>
+          <a:prstGeom prst="rect">
+            <a:avLst/>
+          </a:prstGeom>
+        </p:spPr>
+      </p:pic>
     </p:spTree>
   </p:cSld>
   <p:clrMapOvr>
@@ -12469,13 +12603,6 @@
               </a:rPr>
               <a:t>验收标准</a:t>
             </a:r>
-            <a:endParaRPr lang="zh-CN" sz="2800" spc="120" dirty="0">
-              <a:solidFill>
-                <a:srgbClr val="FFFFFF"/>
-              </a:solidFill>
-              <a:latin typeface="微软雅黑" panose="020B0503020204020204" pitchFamily="34" charset="-122"/>
-              <a:ea typeface="微软雅黑" panose="020B0503020204020204" pitchFamily="34" charset="-122"/>
-            </a:endParaRPr>
           </a:p>
         </p:txBody>
       </p:sp>
@@ -12502,6 +12629,7 @@
           <a:bodyPr wrap="square" anchor="t">
             <a:spAutoFit/>
           </a:bodyPr>
+          <a:lstStyle/>
           <a:p>
             <a:pPr eaLnBrk="0" hangingPunct="0"/>
             <a:r>
@@ -12522,12 +12650,6 @@
               </a:rPr>
               <a:t>代码的验收</a:t>
             </a:r>
-            <a:endParaRPr lang="zh-CN" altLang="en-US" sz="2000" dirty="0">
-              <a:latin typeface="华文楷体" panose="02010600040101010101" charset="-122"/>
-              <a:ea typeface="华文楷体" panose="02010600040101010101" charset="-122"/>
-              <a:cs typeface="华文楷体" panose="02010600040101010101" charset="-122"/>
-              <a:sym typeface="Calibri" panose="020F0502020204030204" pitchFamily="34" charset="0"/>
-            </a:endParaRPr>
           </a:p>
           <a:p>
             <a:pPr eaLnBrk="0" hangingPunct="0"/>
@@ -12576,12 +12698,6 @@
               </a:rPr>
               <a:t>文档验收</a:t>
             </a:r>
-            <a:endParaRPr lang="zh-CN" altLang="en-US" sz="2000" dirty="0">
-              <a:latin typeface="华文楷体" panose="02010600040101010101" charset="-122"/>
-              <a:ea typeface="华文楷体" panose="02010600040101010101" charset="-122"/>
-              <a:cs typeface="华文楷体" panose="02010600040101010101" charset="-122"/>
-              <a:sym typeface="Calibri" panose="020F0502020204030204" pitchFamily="34" charset="0"/>
-            </a:endParaRPr>
           </a:p>
           <a:p>
             <a:pPr eaLnBrk="0" hangingPunct="0"/>
@@ -12603,12 +12719,6 @@
               </a:rPr>
               <a:t>最后在交付客户之前进行小组内评审，清晰易读，没有语病与歧义。同时项目组按计划完成项目，通过由杨枨老师及其他各位用户组成的验收人员根据项目组的答辩与评价和需求功能的实现情况进行验收评价。</a:t>
             </a:r>
-            <a:endParaRPr lang="zh-CN" altLang="en-US" sz="2000" dirty="0">
-              <a:latin typeface="华文楷体" panose="02010600040101010101" charset="-122"/>
-              <a:ea typeface="华文楷体" panose="02010600040101010101" charset="-122"/>
-              <a:cs typeface="华文楷体" panose="02010600040101010101" charset="-122"/>
-              <a:sym typeface="Calibri" panose="020F0502020204030204" pitchFamily="34" charset="0"/>
-            </a:endParaRPr>
           </a:p>
           <a:p>
             <a:pPr eaLnBrk="0" hangingPunct="0"/>
@@ -12641,6 +12751,7 @@
           <a:bodyPr wrap="none">
             <a:spAutoFit/>
           </a:bodyPr>
+          <a:lstStyle/>
           <a:p>
             <a:pPr fontAlgn="auto">
               <a:lnSpc>
@@ -12678,15 +12789,6 @@
               </a:rPr>
               <a:t>完成项目的最迟期限</a:t>
             </a:r>
-            <a:endParaRPr lang="zh-CN" altLang="en-US" sz="2800" spc="120" dirty="0">
-              <a:solidFill>
-                <a:schemeClr val="accent2">
-                  <a:lumMod val="75000"/>
-                </a:schemeClr>
-              </a:solidFill>
-              <a:latin typeface="微软雅黑" panose="020B0503020204020204" pitchFamily="34" charset="-122"/>
-              <a:ea typeface="微软雅黑" panose="020B0503020204020204" pitchFamily="34" charset="-122"/>
-            </a:endParaRPr>
           </a:p>
         </p:txBody>
       </p:sp>
@@ -12710,6 +12812,7 @@
           <a:bodyPr wrap="none">
             <a:spAutoFit/>
           </a:bodyPr>
+          <a:lstStyle/>
           <a:p>
             <a:pPr fontAlgn="auto">
               <a:lnSpc>
@@ -12747,15 +12850,6 @@
               </a:rPr>
               <a:t>本计划的批准者和批准日期</a:t>
             </a:r>
-            <a:endParaRPr lang="zh-CN" altLang="en-US" sz="2800" spc="120" dirty="0">
-              <a:solidFill>
-                <a:schemeClr val="accent2">
-                  <a:lumMod val="75000"/>
-                </a:schemeClr>
-              </a:solidFill>
-              <a:latin typeface="微软雅黑" panose="020B0503020204020204" pitchFamily="34" charset="-122"/>
-              <a:ea typeface="微软雅黑" panose="020B0503020204020204" pitchFamily="34" charset="-122"/>
-            </a:endParaRPr>
           </a:p>
         </p:txBody>
       </p:sp>
@@ -12779,6 +12873,7 @@
           <a:bodyPr wrap="square" rtlCol="0">
             <a:spAutoFit/>
           </a:bodyPr>
+          <a:lstStyle/>
           <a:p>
             <a:r>
               <a:rPr lang="en-US" altLang="zh-CN" sz="2400">
@@ -12787,10 +12882,6 @@
               </a:rPr>
               <a:t>2018.6.20</a:t>
             </a:r>
-            <a:endParaRPr lang="en-US" altLang="zh-CN" sz="2400">
-              <a:latin typeface="华文楷体" panose="02010600040101010101" charset="-122"/>
-              <a:ea typeface="华文楷体" panose="02010600040101010101" charset="-122"/>
-            </a:endParaRPr>
           </a:p>
         </p:txBody>
       </p:sp>
@@ -12818,6 +12909,7 @@
                 <a:tc>
                   <a:txBody>
                     <a:bodyPr/>
+                    <a:lstStyle/>
                     <a:p>
                       <a:pPr indent="0">
                         <a:buNone/>
@@ -12837,7 +12929,7 @@
                       </a:endParaRPr>
                     </a:p>
                   </a:txBody>
-                  <a:tcPr marL="68580" marR="68580" marT="0" marB="0" vert="horz" anchor="t">
+                  <a:tcPr marL="68580" marR="68580" marT="0" marB="0">
                     <a:lnL w="12700" cap="flat" cmpd="sng">
                       <a:solidFill>
                         <a:srgbClr val="000000"/>
@@ -12884,6 +12976,7 @@
                 <a:tc>
                   <a:txBody>
                     <a:bodyPr/>
+                    <a:lstStyle/>
                     <a:p>
                       <a:pPr indent="0">
                         <a:buNone/>
@@ -12903,7 +12996,7 @@
                       </a:endParaRPr>
                     </a:p>
                   </a:txBody>
-                  <a:tcPr marL="68580" marR="68580" marT="0" marB="0" vert="horz" anchor="t">
+                  <a:tcPr marL="68580" marR="68580" marT="0" marB="0">
                     <a:lnL w="12700" cap="flat" cmpd="sng">
                       <a:solidFill>
                         <a:srgbClr val="000000"/>
@@ -12950,6 +13043,7 @@
                 <a:tc>
                   <a:txBody>
                     <a:bodyPr/>
+                    <a:lstStyle/>
                     <a:p>
                       <a:pPr indent="0">
                         <a:buNone/>
@@ -12969,7 +13063,7 @@
                       </a:endParaRPr>
                     </a:p>
                   </a:txBody>
-                  <a:tcPr marL="68580" marR="68580" marT="0" marB="0" vert="horz" anchor="t">
+                  <a:tcPr marL="68580" marR="68580" marT="0" marB="0">
                     <a:lnL w="12700" cap="flat" cmpd="sng">
                       <a:solidFill>
                         <a:srgbClr val="000000"/>
@@ -13016,6 +13110,7 @@
                 <a:tc>
                   <a:txBody>
                     <a:bodyPr/>
+                    <a:lstStyle/>
                     <a:p>
                       <a:pPr indent="0">
                         <a:buNone/>
@@ -13027,7 +13122,7 @@
                       </a:endParaRPr>
                     </a:p>
                   </a:txBody>
-                  <a:tcPr marL="68580" marR="68580" marT="0" marB="0" vert="horz" anchor="t">
+                  <a:tcPr marL="68580" marR="68580" marT="0" marB="0">
                     <a:lnL w="12700" cap="flat" cmpd="sng">
                       <a:solidFill>
                         <a:srgbClr val="000000"/>
@@ -13074,6 +13169,30 @@
           </a:graphicData>
         </a:graphic>
       </p:graphicFrame>
+      <p:pic>
+        <p:nvPicPr>
+          <p:cNvPr id="9" name="图片 8" descr="TIM图片20180330150438"/>
+          <p:cNvPicPr>
+            <a:picLocks noChangeAspect="1"/>
+          </p:cNvPicPr>
+          <p:nvPr/>
+        </p:nvPicPr>
+        <p:blipFill>
+          <a:blip r:embed="rId3"/>
+          <a:stretch>
+            <a:fillRect/>
+          </a:stretch>
+        </p:blipFill>
+        <p:spPr>
+          <a:xfrm>
+            <a:off x="11116945" y="67310"/>
+            <a:ext cx="905510" cy="1015365"/>
+          </a:xfrm>
+          <a:prstGeom prst="rect">
+            <a:avLst/>
+          </a:prstGeom>
+        </p:spPr>
+      </p:pic>
     </p:spTree>
   </p:cSld>
   <p:clrMapOvr>
@@ -13732,7 +13851,7 @@
           <p:nvPr/>
         </p:nvPicPr>
         <p:blipFill>
-          <a:blip r:embed="rId1" cstate="print">
+          <a:blip r:embed="rId3" cstate="print">
             <a:extLst>
               <a:ext uri="{28A0092B-C50C-407E-A947-70E740481C1C}">
                 <a14:useLocalDpi xmlns:a14="http://schemas.microsoft.com/office/drawing/2010/main" val="0"/>
@@ -13778,6 +13897,7 @@
           <a:bodyPr wrap="square" rtlCol="0">
             <a:spAutoFit/>
           </a:bodyPr>
+          <a:lstStyle/>
           <a:p>
             <a:r>
               <a:rPr lang="en-US" altLang="zh-CN" sz="2800">
@@ -13799,16 +13919,33 @@
               </a:rPr>
               <a:t>工作任务分解</a:t>
             </a:r>
-            <a:endParaRPr lang="zh-CN" altLang="en-US" sz="2800">
-              <a:solidFill>
-                <a:schemeClr val="bg1"/>
-              </a:solidFill>
-              <a:latin typeface="微软雅黑" panose="020B0503020204020204" pitchFamily="34" charset="-122"/>
-              <a:ea typeface="微软雅黑" panose="020B0503020204020204" pitchFamily="34" charset="-122"/>
-            </a:endParaRPr>
           </a:p>
         </p:txBody>
       </p:sp>
+      <p:pic>
+        <p:nvPicPr>
+          <p:cNvPr id="5" name="图片 4" descr="TIM图片20180330150438"/>
+          <p:cNvPicPr>
+            <a:picLocks noChangeAspect="1"/>
+          </p:cNvPicPr>
+          <p:nvPr/>
+        </p:nvPicPr>
+        <p:blipFill>
+          <a:blip r:embed="rId4"/>
+          <a:stretch>
+            <a:fillRect/>
+          </a:stretch>
+        </p:blipFill>
+        <p:spPr>
+          <a:xfrm>
+            <a:off x="11116945" y="67310"/>
+            <a:ext cx="905510" cy="1015365"/>
+          </a:xfrm>
+          <a:prstGeom prst="rect">
+            <a:avLst/>
+          </a:prstGeom>
+        </p:spPr>
+      </p:pic>
     </p:spTree>
   </p:cSld>
   <p:clrMapOvr>
@@ -14178,6 +14315,7 @@
           <a:bodyPr wrap="square" rtlCol="0">
             <a:spAutoFit/>
           </a:bodyPr>
+          <a:lstStyle/>
           <a:p>
             <a:r>
               <a:rPr lang="en-US" altLang="zh-CN" sz="2800">
@@ -14199,13 +14337,6 @@
               </a:rPr>
               <a:t>人员组织分解图</a:t>
             </a:r>
-            <a:endParaRPr lang="zh-CN" altLang="en-US" sz="2800">
-              <a:solidFill>
-                <a:schemeClr val="bg1"/>
-              </a:solidFill>
-              <a:latin typeface="微软雅黑" panose="020B0503020204020204" pitchFamily="34" charset="-122"/>
-              <a:ea typeface="微软雅黑" panose="020B0503020204020204" pitchFamily="34" charset="-122"/>
-            </a:endParaRPr>
           </a:p>
         </p:txBody>
       </p:sp>
@@ -14218,7 +14349,7 @@
           <p:nvPr/>
         </p:nvPicPr>
         <p:blipFill>
-          <a:blip r:embed="rId1">
+          <a:blip r:embed="rId3">
             <a:extLst>
               <a:ext uri="{28A0092B-C50C-407E-A947-70E740481C1C}">
                 <a14:useLocalDpi xmlns:a14="http://schemas.microsoft.com/office/drawing/2010/main" val="0"/>
@@ -14242,6 +14373,30 @@
           <a:ln>
             <a:noFill/>
           </a:ln>
+        </p:spPr>
+      </p:pic>
+      <p:pic>
+        <p:nvPicPr>
+          <p:cNvPr id="5" name="图片 4" descr="TIM图片20180330150438"/>
+          <p:cNvPicPr>
+            <a:picLocks noChangeAspect="1"/>
+          </p:cNvPicPr>
+          <p:nvPr/>
+        </p:nvPicPr>
+        <p:blipFill>
+          <a:blip r:embed="rId4"/>
+          <a:stretch>
+            <a:fillRect/>
+          </a:stretch>
+        </p:blipFill>
+        <p:spPr>
+          <a:xfrm>
+            <a:off x="11116945" y="67310"/>
+            <a:ext cx="905510" cy="1015365"/>
+          </a:xfrm>
+          <a:prstGeom prst="rect">
+            <a:avLst/>
+          </a:prstGeom>
         </p:spPr>
       </p:pic>
     </p:spTree>
@@ -14647,13 +14802,6 @@
               </a:rPr>
               <a:t>项目计划进度</a:t>
             </a:r>
-            <a:endParaRPr lang="zh-CN" sz="2800" spc="120" dirty="0">
-              <a:solidFill>
-                <a:srgbClr val="FFFFFF"/>
-              </a:solidFill>
-              <a:latin typeface="微软雅黑" panose="020B0503020204020204" pitchFamily="34" charset="-122"/>
-              <a:ea typeface="微软雅黑" panose="020B0503020204020204" pitchFamily="34" charset="-122"/>
-            </a:endParaRPr>
           </a:p>
         </p:txBody>
       </p:sp>
@@ -14666,7 +14814,7 @@
           <p:nvPr/>
         </p:nvPicPr>
         <p:blipFill>
-          <a:blip r:embed="rId1"/>
+          <a:blip r:embed="rId3"/>
           <a:stretch>
             <a:fillRect/>
           </a:stretch>
@@ -14675,6 +14823,30 @@
           <a:xfrm>
             <a:off x="354330" y="883285"/>
             <a:ext cx="11483340" cy="5870575"/>
+          </a:xfrm>
+          <a:prstGeom prst="rect">
+            <a:avLst/>
+          </a:prstGeom>
+        </p:spPr>
+      </p:pic>
+      <p:pic>
+        <p:nvPicPr>
+          <p:cNvPr id="2" name="图片 1" descr="TIM图片20180330150438"/>
+          <p:cNvPicPr>
+            <a:picLocks noChangeAspect="1"/>
+          </p:cNvPicPr>
+          <p:nvPr/>
+        </p:nvPicPr>
+        <p:blipFill>
+          <a:blip r:embed="rId4"/>
+          <a:stretch>
+            <a:fillRect/>
+          </a:stretch>
+        </p:blipFill>
+        <p:spPr>
+          <a:xfrm>
+            <a:off x="11116945" y="67310"/>
+            <a:ext cx="905510" cy="1015365"/>
           </a:xfrm>
           <a:prstGeom prst="rect">
             <a:avLst/>
@@ -15184,13 +15356,6 @@
               </a:rPr>
               <a:t>项目计划进度</a:t>
             </a:r>
-            <a:endParaRPr lang="zh-CN" sz="2800" spc="120" dirty="0">
-              <a:solidFill>
-                <a:srgbClr val="FFFFFF"/>
-              </a:solidFill>
-              <a:latin typeface="微软雅黑" panose="020B0503020204020204" pitchFamily="34" charset="-122"/>
-              <a:ea typeface="微软雅黑" panose="020B0503020204020204" pitchFamily="34" charset="-122"/>
-            </a:endParaRPr>
           </a:p>
         </p:txBody>
       </p:sp>
@@ -15203,7 +15368,7 @@
           <p:nvPr/>
         </p:nvPicPr>
         <p:blipFill>
-          <a:blip r:embed="rId1"/>
+          <a:blip r:embed="rId3"/>
           <a:stretch>
             <a:fillRect/>
           </a:stretch>
@@ -15212,6 +15377,30 @@
           <a:xfrm>
             <a:off x="267970" y="1448435"/>
             <a:ext cx="11656060" cy="4613275"/>
+          </a:xfrm>
+          <a:prstGeom prst="rect">
+            <a:avLst/>
+          </a:prstGeom>
+        </p:spPr>
+      </p:pic>
+      <p:pic>
+        <p:nvPicPr>
+          <p:cNvPr id="2" name="图片 1" descr="TIM图片20180330150438"/>
+          <p:cNvPicPr>
+            <a:picLocks noChangeAspect="1"/>
+          </p:cNvPicPr>
+          <p:nvPr/>
+        </p:nvPicPr>
+        <p:blipFill>
+          <a:blip r:embed="rId4"/>
+          <a:stretch>
+            <a:fillRect/>
+          </a:stretch>
+        </p:blipFill>
+        <p:spPr>
+          <a:xfrm>
+            <a:off x="11116945" y="67310"/>
+            <a:ext cx="905510" cy="1015365"/>
           </a:xfrm>
           <a:prstGeom prst="rect">
             <a:avLst/>
@@ -15556,7 +15745,7 @@
           <p:nvPr/>
         </p:nvPicPr>
         <p:blipFill>
-          <a:blip r:embed="rId1"/>
+          <a:blip r:embed="rId3"/>
           <a:stretch>
             <a:fillRect/>
           </a:stretch>
@@ -15580,7 +15769,7 @@
           <p:nvPr/>
         </p:nvPicPr>
         <p:blipFill>
-          <a:blip r:embed="rId1"/>
+          <a:blip r:embed="rId3"/>
           <a:stretch>
             <a:fillRect/>
           </a:stretch>
@@ -15604,7 +15793,7 @@
           <p:nvPr/>
         </p:nvPicPr>
         <p:blipFill>
-          <a:blip r:embed="rId2"/>
+          <a:blip r:embed="rId4"/>
           <a:stretch>
             <a:fillRect/>
           </a:stretch>
@@ -15827,13 +16016,6 @@
               </a:rPr>
               <a:t>项目可行性分析</a:t>
             </a:r>
-            <a:endParaRPr lang="zh-CN" altLang="en-US" sz="2800">
-              <a:solidFill>
-                <a:srgbClr val="FFFFFF"/>
-              </a:solidFill>
-              <a:latin typeface="微软雅黑" panose="020B0503020204020204" pitchFamily="34" charset="-122"/>
-              <a:ea typeface="微软雅黑" panose="020B0503020204020204" pitchFamily="34" charset="-122"/>
-            </a:endParaRPr>
           </a:p>
         </p:txBody>
       </p:sp>
@@ -15857,6 +16039,7 @@
           <a:bodyPr wrap="square" rtlCol="0">
             <a:spAutoFit/>
           </a:bodyPr>
+          <a:lstStyle/>
           <a:p>
             <a:r>
               <a:rPr lang="en-US" altLang="zh-CN" sz="2000"/>
@@ -15866,14 +16049,12 @@
               <a:rPr lang="zh-CN" altLang="en-US" sz="2000"/>
               <a:t>我们要对玩家的要求做到充分的理解，理解到位，那么团队对项目的目标便是明确的，对后期的项目制作很有帮助。</a:t>
             </a:r>
-            <a:endParaRPr lang="zh-CN" altLang="en-US" sz="2000"/>
           </a:p>
           <a:p>
             <a:r>
               <a:rPr lang="zh-CN" altLang="en-US" sz="2000"/>
               <a:t>       明确自身方向，有针对性收集数据，获取当前玩家的喜好。提前熟悉开发流程，探索必须的准备工作，以及未来制作完成之后的工作流程。</a:t>
             </a:r>
-            <a:endParaRPr lang="zh-CN" altLang="en-US" sz="2000"/>
           </a:p>
           <a:p>
             <a:endParaRPr lang="zh-CN" altLang="en-US" sz="2000"/>
@@ -15886,14 +16067,12 @@
               <a:rPr lang="zh-CN" altLang="en-US" sz="2000"/>
               <a:t>        通过多种沙盒游戏和资料增加对沙盒游戏的认知，在传统沙盒游戏的基础上进行游戏性的创新。</a:t>
             </a:r>
-            <a:endParaRPr lang="zh-CN" altLang="en-US" sz="2000"/>
           </a:p>
           <a:p>
             <a:r>
               <a:rPr lang="zh-CN" altLang="en-US" sz="2000"/>
               <a:t>        沙盒游戏通过传统棋盘游戏演变而来，打破了传统四方棋盘的地图，增加了棋子的自身属性。而我们再根据战局因素进行进一步人性化上的创新，给沙盒游戏玩家更好的体验。</a:t>
             </a:r>
-            <a:endParaRPr lang="zh-CN" altLang="en-US" sz="2000"/>
           </a:p>
           <a:p>
             <a:endParaRPr lang="zh-CN" altLang="en-US" sz="2000"/>
@@ -15906,7 +16085,6 @@
               <a:rPr lang="zh-CN" altLang="en-US" sz="2000"/>
               <a:t>       本项目对时间的要求很严格，开始时间为2018年3月15日，截止时间为2018年6月21日。</a:t>
             </a:r>
-            <a:endParaRPr lang="zh-CN" altLang="en-US" sz="2000"/>
           </a:p>
           <a:p>
             <a:r>
@@ -15921,17 +16099,39 @@
               <a:rPr lang="zh-CN" altLang="en-US" sz="2000"/>
               <a:t>和动画立绘将采用原创设计，使得游戏设计更贴近最初构想。</a:t>
             </a:r>
-            <a:endParaRPr lang="zh-CN" altLang="en-US" sz="2000"/>
           </a:p>
           <a:p>
             <a:r>
               <a:rPr lang="zh-CN" altLang="en-US" sz="2000"/>
               <a:t>       项目编程人员有比较好的编程基础，并且组员拥有美术功底，可以设计素材并且对立绘进行绘画制作。</a:t>
             </a:r>
-            <a:endParaRPr lang="zh-CN" altLang="en-US" sz="2000"/>
           </a:p>
         </p:txBody>
       </p:sp>
+      <p:pic>
+        <p:nvPicPr>
+          <p:cNvPr id="6" name="图片 5" descr="TIM图片20180330150438"/>
+          <p:cNvPicPr>
+            <a:picLocks noChangeAspect="1"/>
+          </p:cNvPicPr>
+          <p:nvPr/>
+        </p:nvPicPr>
+        <p:blipFill>
+          <a:blip r:embed="rId3"/>
+          <a:stretch>
+            <a:fillRect/>
+          </a:stretch>
+        </p:blipFill>
+        <p:spPr>
+          <a:xfrm>
+            <a:off x="11116945" y="67310"/>
+            <a:ext cx="905510" cy="1015365"/>
+          </a:xfrm>
+          <a:prstGeom prst="rect">
+            <a:avLst/>
+          </a:prstGeom>
+        </p:spPr>
+      </p:pic>
     </p:spTree>
   </p:cSld>
   <p:clrMapOvr>
@@ -16435,13 +16635,6 @@
               </a:rPr>
               <a:t>系统非功能性需求</a:t>
             </a:r>
-            <a:endParaRPr lang="zh-CN" altLang="en-US" sz="2800" spc="120" dirty="0">
-              <a:solidFill>
-                <a:srgbClr val="FFFFFF"/>
-              </a:solidFill>
-              <a:latin typeface="微软雅黑" panose="020B0503020204020204" pitchFamily="34" charset="-122"/>
-              <a:ea typeface="微软雅黑" panose="020B0503020204020204" pitchFamily="34" charset="-122"/>
-            </a:endParaRPr>
           </a:p>
         </p:txBody>
       </p:sp>
@@ -16465,12 +16658,12 @@
           <a:bodyPr wrap="square" rtlCol="0">
             <a:spAutoFit/>
           </a:bodyPr>
+          <a:lstStyle/>
           <a:p>
             <a:r>
               <a:rPr lang="zh-CN" altLang="en-US" sz="2000"/>
               <a:t>可玩性：系统中的游戏剧情需要符合玩家能够理解的剧情过程，基本操作的教程简单易懂。并且根据玩家设置可以进行快捷操作；</a:t>
             </a:r>
-            <a:endParaRPr lang="zh-CN" altLang="en-US" sz="2000"/>
           </a:p>
           <a:p>
             <a:endParaRPr lang="zh-CN" altLang="en-US" sz="2000"/>
@@ -16480,7 +16673,6 @@
               <a:rPr lang="zh-CN" altLang="en-US" sz="2000"/>
               <a:t>可用性：系统具备十分简单的操作特点，好记易学、实用高效、令人满意；</a:t>
             </a:r>
-            <a:endParaRPr lang="zh-CN" altLang="en-US" sz="2000"/>
           </a:p>
           <a:p>
             <a:endParaRPr lang="zh-CN" altLang="en-US" sz="2000"/>
@@ -16490,7 +16682,6 @@
               <a:rPr lang="zh-CN" altLang="en-US" sz="2000"/>
               <a:t>可靠性：系统应经过完善的设计和充分的测试运行，具备在较长时间内连续无故障的运行能力；</a:t>
             </a:r>
-            <a:endParaRPr lang="zh-CN" altLang="en-US" sz="2000"/>
           </a:p>
           <a:p>
             <a:endParaRPr lang="zh-CN" altLang="en-US" sz="2000"/>
@@ -16500,7 +16691,6 @@
               <a:rPr lang="zh-CN" altLang="en-US" sz="2000"/>
               <a:t>健壮性：系统应具备数据恢复与稳定运行的能力；</a:t>
             </a:r>
-            <a:endParaRPr lang="zh-CN" altLang="en-US" sz="2000"/>
           </a:p>
           <a:p>
             <a:endParaRPr lang="zh-CN" altLang="en-US" sz="2000"/>
@@ -16510,7 +16700,6 @@
               <a:rPr lang="zh-CN" altLang="en-US" sz="2000"/>
               <a:t>性能：系统在响应时间、数据吞吐量等方面提供一般性能的数据处理和查询服务；</a:t>
             </a:r>
-            <a:endParaRPr lang="zh-CN" altLang="en-US" sz="2000"/>
           </a:p>
           <a:p>
             <a:endParaRPr lang="zh-CN" altLang="en-US" sz="2000"/>
@@ -16520,7 +16709,6 @@
               <a:rPr lang="zh-CN" altLang="en-US" sz="2000"/>
               <a:t>扩展性：系统应易于扩展和升级，能够根据具体需求快速、方便地定制、扩展原系统的功能，以更好地满足档案管理的新增和变更的需求；</a:t>
             </a:r>
-            <a:endParaRPr lang="zh-CN" altLang="en-US" sz="2000"/>
           </a:p>
           <a:p>
             <a:endParaRPr lang="zh-CN" altLang="en-US" sz="2000"/>
@@ -16530,7 +16718,6 @@
               <a:rPr lang="zh-CN" altLang="en-US" sz="2000"/>
               <a:t>开放性：系统应具备开放的标准化体系结构，可方便地与蓝牙系统衔接。</a:t>
             </a:r>
-            <a:endParaRPr lang="zh-CN" altLang="en-US" sz="2000"/>
           </a:p>
           <a:p>
             <a:endParaRPr lang="zh-CN" altLang="en-US" sz="2000"/>
@@ -16540,10 +16727,33 @@
               <a:rPr lang="zh-CN" altLang="en-US" sz="2000"/>
               <a:t>先进性：系统应采用业界先进、主流的档案数据管理、网络管理及信息安全技术，具备较强的可用性、可靠性、健壮性、性能、安全性、扩展性和开放性。</a:t>
             </a:r>
-            <a:endParaRPr lang="zh-CN" altLang="en-US" sz="2000"/>
           </a:p>
         </p:txBody>
       </p:sp>
+      <p:pic>
+        <p:nvPicPr>
+          <p:cNvPr id="2" name="图片 1" descr="TIM图片20180330150438"/>
+          <p:cNvPicPr>
+            <a:picLocks noChangeAspect="1"/>
+          </p:cNvPicPr>
+          <p:nvPr/>
+        </p:nvPicPr>
+        <p:blipFill>
+          <a:blip r:embed="rId3"/>
+          <a:stretch>
+            <a:fillRect/>
+          </a:stretch>
+        </p:blipFill>
+        <p:spPr>
+          <a:xfrm>
+            <a:off x="11116945" y="67310"/>
+            <a:ext cx="905510" cy="1015365"/>
+          </a:xfrm>
+          <a:prstGeom prst="rect">
+            <a:avLst/>
+          </a:prstGeom>
+        </p:spPr>
+      </p:pic>
     </p:spTree>
   </p:cSld>
   <p:clrMapOvr>
@@ -17076,13 +17286,6 @@
               </a:rPr>
               <a:t>目 录</a:t>
             </a:r>
-            <a:endParaRPr lang="zh-CN" altLang="en-US" sz="4400">
-              <a:solidFill>
-                <a:schemeClr val="bg1"/>
-              </a:solidFill>
-              <a:latin typeface="微软雅黑" panose="020B0503020204020204" pitchFamily="34" charset="-122"/>
-              <a:ea typeface="微软雅黑" panose="020B0503020204020204" pitchFamily="34" charset="-122"/>
-            </a:endParaRPr>
           </a:p>
         </p:txBody>
       </p:sp>
@@ -17454,13 +17657,6 @@
               </a:rPr>
               <a:t>引言</a:t>
             </a:r>
-            <a:endParaRPr lang="zh-CN" altLang="en-US" sz="3200">
-              <a:solidFill>
-                <a:schemeClr val="bg1"/>
-              </a:solidFill>
-              <a:latin typeface="微软雅黑" panose="020B0503020204020204" pitchFamily="34" charset="-122"/>
-              <a:ea typeface="微软雅黑" panose="020B0503020204020204" pitchFamily="34" charset="-122"/>
-            </a:endParaRPr>
           </a:p>
         </p:txBody>
       </p:sp>
@@ -17503,13 +17699,6 @@
               </a:rPr>
               <a:t>实施计划及技术分析</a:t>
             </a:r>
-            <a:endParaRPr lang="zh-CN" altLang="en-US" sz="3200">
-              <a:solidFill>
-                <a:schemeClr val="bg1"/>
-              </a:solidFill>
-              <a:latin typeface="微软雅黑" panose="020B0503020204020204" pitchFamily="34" charset="-122"/>
-              <a:ea typeface="微软雅黑" panose="020B0503020204020204" pitchFamily="34" charset="-122"/>
-            </a:endParaRPr>
           </a:p>
         </p:txBody>
       </p:sp>
@@ -17552,13 +17741,6 @@
               </a:rPr>
               <a:t>支持条件</a:t>
             </a:r>
-            <a:endParaRPr lang="zh-CN" altLang="en-US" sz="3200">
-              <a:solidFill>
-                <a:schemeClr val="bg1"/>
-              </a:solidFill>
-              <a:latin typeface="微软雅黑" panose="020B0503020204020204" pitchFamily="34" charset="-122"/>
-              <a:ea typeface="微软雅黑" panose="020B0503020204020204" pitchFamily="34" charset="-122"/>
-            </a:endParaRPr>
           </a:p>
         </p:txBody>
       </p:sp>
@@ -17655,6 +17837,7 @@
         </p:style>
         <p:txBody>
           <a:bodyPr lIns="36000" rIns="36000" anchor="ctr"/>
+          <a:lstStyle/>
           <a:p>
             <a:pPr algn="ctr" fontAlgn="auto">
               <a:spcBef>
@@ -17711,6 +17894,7 @@
           <a:bodyPr wrap="square">
             <a:spAutoFit/>
           </a:bodyPr>
+          <a:lstStyle/>
           <a:p>
             <a:pPr marL="0" lvl="1"/>
             <a:r>
@@ -17723,13 +17907,6 @@
               </a:rPr>
               <a:t>项目概述</a:t>
             </a:r>
-            <a:endParaRPr lang="zh-CN" altLang="en-US" sz="3200">
-              <a:solidFill>
-                <a:schemeClr val="bg1"/>
-              </a:solidFill>
-              <a:latin typeface="微软雅黑" panose="020B0503020204020204" pitchFamily="34" charset="-122"/>
-              <a:ea typeface="微软雅黑" panose="020B0503020204020204" pitchFamily="34" charset="-122"/>
-            </a:endParaRPr>
           </a:p>
         </p:txBody>
       </p:sp>
@@ -17753,6 +17930,7 @@
           <a:bodyPr wrap="square" rtlCol="0">
             <a:spAutoFit/>
           </a:bodyPr>
+          <a:lstStyle/>
           <a:p>
             <a:r>
               <a:rPr lang="zh-CN" altLang="en-US" sz="3200">
@@ -17764,13 +17942,6 @@
               </a:rPr>
               <a:t>专题计划要点</a:t>
             </a:r>
-            <a:endParaRPr lang="zh-CN" altLang="en-US" sz="3200">
-              <a:solidFill>
-                <a:schemeClr val="bg1"/>
-              </a:solidFill>
-              <a:latin typeface="微软雅黑" panose="020B0503020204020204" pitchFamily="34" charset="-122"/>
-              <a:ea typeface="微软雅黑" panose="020B0503020204020204" pitchFamily="34" charset="-122"/>
-            </a:endParaRPr>
           </a:p>
         </p:txBody>
       </p:sp>
@@ -17813,6 +17984,7 @@
         </p:style>
         <p:txBody>
           <a:bodyPr lIns="36000" rIns="36000" anchor="ctr"/>
+          <a:lstStyle/>
           <a:p>
             <a:pPr algn="ctr" fontAlgn="auto">
               <a:spcBef>
@@ -17863,6 +18035,7 @@
           <a:bodyPr wrap="square" rtlCol="0">
             <a:spAutoFit/>
           </a:bodyPr>
+          <a:lstStyle/>
           <a:p>
             <a:r>
               <a:rPr lang="zh-CN" altLang="en-US" sz="3200">
@@ -17874,13 +18047,6 @@
               </a:rPr>
               <a:t>项目总结</a:t>
             </a:r>
-            <a:endParaRPr lang="zh-CN" altLang="en-US" sz="3200">
-              <a:solidFill>
-                <a:schemeClr val="bg1"/>
-              </a:solidFill>
-              <a:latin typeface="微软雅黑" panose="020B0503020204020204" pitchFamily="34" charset="-122"/>
-              <a:ea typeface="微软雅黑" panose="020B0503020204020204" pitchFamily="34" charset="-122"/>
-            </a:endParaRPr>
           </a:p>
         </p:txBody>
       </p:sp>
@@ -17923,6 +18089,7 @@
         </p:style>
         <p:txBody>
           <a:bodyPr lIns="36000" rIns="36000" anchor="ctr"/>
+          <a:lstStyle/>
           <a:p>
             <a:pPr algn="ctr" fontAlgn="auto">
               <a:spcBef>
@@ -19534,7 +19701,7 @@
           <p:nvPr/>
         </p:nvPicPr>
         <p:blipFill>
-          <a:blip r:embed="rId1"/>
+          <a:blip r:embed="rId3"/>
           <a:stretch>
             <a:fillRect/>
           </a:stretch>
@@ -19543,6 +19710,30 @@
           <a:xfrm>
             <a:off x="1176020" y="1473835"/>
             <a:ext cx="9707880" cy="4819650"/>
+          </a:xfrm>
+          <a:prstGeom prst="rect">
+            <a:avLst/>
+          </a:prstGeom>
+        </p:spPr>
+      </p:pic>
+      <p:pic>
+        <p:nvPicPr>
+          <p:cNvPr id="2" name="图片 1" descr="TIM图片20180330150438"/>
+          <p:cNvPicPr>
+            <a:picLocks noChangeAspect="1"/>
+          </p:cNvPicPr>
+          <p:nvPr/>
+        </p:nvPicPr>
+        <p:blipFill>
+          <a:blip r:embed="rId4"/>
+          <a:stretch>
+            <a:fillRect/>
+          </a:stretch>
+        </p:blipFill>
+        <p:spPr>
+          <a:xfrm>
+            <a:off x="11116945" y="67310"/>
+            <a:ext cx="905510" cy="1015365"/>
           </a:xfrm>
           <a:prstGeom prst="rect">
             <a:avLst/>
@@ -20062,13 +20253,6 @@
               </a:rPr>
               <a:t>关键技术</a:t>
             </a:r>
-            <a:endParaRPr lang="zh-CN" sz="2800" spc="120" dirty="0">
-              <a:solidFill>
-                <a:srgbClr val="FFFFFF"/>
-              </a:solidFill>
-              <a:latin typeface="微软雅黑" panose="020B0503020204020204" pitchFamily="34" charset="-122"/>
-              <a:ea typeface="微软雅黑" panose="020B0503020204020204" pitchFamily="34" charset="-122"/>
-            </a:endParaRPr>
           </a:p>
         </p:txBody>
       </p:sp>
@@ -23488,13 +23672,6 @@
               </a:rPr>
               <a:t>1</a:t>
             </a:r>
-            <a:endParaRPr lang="en-US" altLang="zh-CN" sz="2800">
-              <a:solidFill>
-                <a:schemeClr val="bg1"/>
-              </a:solidFill>
-              <a:latin typeface="微软雅黑" panose="020B0503020204020204" pitchFamily="34" charset="-122"/>
-              <a:ea typeface="微软雅黑" panose="020B0503020204020204" pitchFamily="34" charset="-122"/>
-            </a:endParaRPr>
           </a:p>
         </p:txBody>
       </p:sp>
@@ -23537,13 +23714,6 @@
               </a:rPr>
               <a:t>2</a:t>
             </a:r>
-            <a:endParaRPr lang="en-US" altLang="zh-CN" sz="2800">
-              <a:solidFill>
-                <a:schemeClr val="bg1"/>
-              </a:solidFill>
-              <a:latin typeface="微软雅黑" panose="020B0503020204020204" pitchFamily="34" charset="-122"/>
-              <a:ea typeface="微软雅黑" panose="020B0503020204020204" pitchFamily="34" charset="-122"/>
-            </a:endParaRPr>
           </a:p>
         </p:txBody>
       </p:sp>
@@ -23586,13 +23756,6 @@
               </a:rPr>
               <a:t>4</a:t>
             </a:r>
-            <a:endParaRPr lang="en-US" altLang="zh-CN" sz="2800">
-              <a:solidFill>
-                <a:schemeClr val="bg1"/>
-              </a:solidFill>
-              <a:latin typeface="微软雅黑" panose="020B0503020204020204" pitchFamily="34" charset="-122"/>
-              <a:ea typeface="微软雅黑" panose="020B0503020204020204" pitchFamily="34" charset="-122"/>
-            </a:endParaRPr>
           </a:p>
         </p:txBody>
       </p:sp>
@@ -23635,13 +23798,6 @@
               </a:rPr>
               <a:t>3</a:t>
             </a:r>
-            <a:endParaRPr lang="en-US" altLang="zh-CN" sz="2800">
-              <a:solidFill>
-                <a:schemeClr val="bg1"/>
-              </a:solidFill>
-              <a:latin typeface="微软雅黑" panose="020B0503020204020204" pitchFamily="34" charset="-122"/>
-              <a:ea typeface="微软雅黑" panose="020B0503020204020204" pitchFamily="34" charset="-122"/>
-            </a:endParaRPr>
           </a:p>
         </p:txBody>
       </p:sp>
@@ -23735,11 +23891,6 @@
               </a:rPr>
               <a:t>Android SDK应用</a:t>
             </a:r>
-            <a:endParaRPr lang="zh-CN" altLang="en-US" sz="2800">
-              <a:latin typeface="华文楷体" panose="02010600040101010101" charset="-122"/>
-              <a:ea typeface="华文楷体" panose="02010600040101010101" charset="-122"/>
-              <a:cs typeface="华文楷体" panose="02010600040101010101" charset="-122"/>
-            </a:endParaRPr>
           </a:p>
         </p:txBody>
       </p:sp>
@@ -23784,11 +23935,6 @@
               </a:rPr>
               <a:t>数据库服务器SQLite</a:t>
             </a:r>
-            <a:endParaRPr lang="zh-CN" altLang="en-US" sz="2800">
-              <a:latin typeface="华文楷体" panose="02010600040101010101" charset="-122"/>
-              <a:ea typeface="华文楷体" panose="02010600040101010101" charset="-122"/>
-              <a:cs typeface="华文楷体" panose="02010600040101010101" charset="-122"/>
-            </a:endParaRPr>
           </a:p>
         </p:txBody>
       </p:sp>
@@ -23828,14 +23974,33 @@
               </a:rPr>
               <a:t>游戏引擎cocos2D-x</a:t>
             </a:r>
-            <a:endParaRPr lang="zh-CN" altLang="en-US" sz="2800">
-              <a:latin typeface="华文楷体" panose="02010600040101010101" charset="-122"/>
-              <a:ea typeface="华文楷体" panose="02010600040101010101" charset="-122"/>
-              <a:cs typeface="华文楷体" panose="02010600040101010101" charset="-122"/>
-            </a:endParaRPr>
           </a:p>
         </p:txBody>
       </p:sp>
+      <p:pic>
+        <p:nvPicPr>
+          <p:cNvPr id="2" name="图片 1" descr="TIM图片20180330150438"/>
+          <p:cNvPicPr>
+            <a:picLocks noChangeAspect="1"/>
+          </p:cNvPicPr>
+          <p:nvPr/>
+        </p:nvPicPr>
+        <p:blipFill>
+          <a:blip r:embed="rId3"/>
+          <a:stretch>
+            <a:fillRect/>
+          </a:stretch>
+        </p:blipFill>
+        <p:spPr>
+          <a:xfrm>
+            <a:off x="11116945" y="67310"/>
+            <a:ext cx="905510" cy="1015365"/>
+          </a:xfrm>
+          <a:prstGeom prst="rect">
+            <a:avLst/>
+          </a:prstGeom>
+        </p:spPr>
+      </p:pic>
     </p:spTree>
   </p:cSld>
   <p:clrMapOvr>
@@ -24449,7 +24614,7 @@
           <p:nvPr/>
         </p:nvPicPr>
         <p:blipFill>
-          <a:blip r:embed="rId1"/>
+          <a:blip r:embed="rId3"/>
           <a:stretch>
             <a:fillRect/>
           </a:stretch>
@@ -24466,6 +24631,30 @@
           <a:ln w="9525">
             <a:noFill/>
           </a:ln>
+        </p:spPr>
+      </p:pic>
+      <p:pic>
+        <p:nvPicPr>
+          <p:cNvPr id="2" name="图片 1" descr="TIM图片20180330150438"/>
+          <p:cNvPicPr>
+            <a:picLocks noChangeAspect="1"/>
+          </p:cNvPicPr>
+          <p:nvPr/>
+        </p:nvPicPr>
+        <p:blipFill>
+          <a:blip r:embed="rId4"/>
+          <a:stretch>
+            <a:fillRect/>
+          </a:stretch>
+        </p:blipFill>
+        <p:spPr>
+          <a:xfrm>
+            <a:off x="11116945" y="67310"/>
+            <a:ext cx="905510" cy="1015365"/>
+          </a:xfrm>
+          <a:prstGeom prst="rect">
+            <a:avLst/>
+          </a:prstGeom>
         </p:spPr>
       </p:pic>
     </p:spTree>
@@ -24971,13 +25160,6 @@
               </a:rPr>
               <a:t>关键问题</a:t>
             </a:r>
-            <a:endParaRPr lang="zh-CN" altLang="en-US" sz="2800" spc="120" dirty="0">
-              <a:solidFill>
-                <a:srgbClr val="FFFFFF"/>
-              </a:solidFill>
-              <a:latin typeface="微软雅黑" panose="020B0503020204020204" pitchFamily="34" charset="-122"/>
-              <a:ea typeface="微软雅黑" panose="020B0503020204020204" pitchFamily="34" charset="-122"/>
-            </a:endParaRPr>
           </a:p>
         </p:txBody>
       </p:sp>
@@ -25581,6 +25763,7 @@
         </p:spPr>
         <p:txBody>
           <a:bodyPr anchor="ctr"/>
+          <a:lstStyle/>
           <a:p>
             <a:pPr algn="ctr" fontAlgn="auto">
               <a:spcBef>
@@ -26201,6 +26384,7 @@
         </p:spPr>
         <p:txBody>
           <a:bodyPr anchor="ctr"/>
+          <a:lstStyle/>
           <a:p>
             <a:pPr algn="ctr" fontAlgn="auto">
               <a:spcBef>
@@ -26821,6 +27005,7 @@
         </p:spPr>
         <p:txBody>
           <a:bodyPr anchor="ctr"/>
+          <a:lstStyle/>
           <a:p>
             <a:pPr algn="ctr" fontAlgn="auto">
               <a:spcBef>
@@ -27441,6 +27626,7 @@
         </p:spPr>
         <p:txBody>
           <a:bodyPr anchor="ctr"/>
+          <a:lstStyle/>
           <a:p>
             <a:pPr algn="ctr" fontAlgn="auto">
               <a:spcBef>
@@ -27502,6 +27688,7 @@
         </p:style>
         <p:txBody>
           <a:bodyPr anchor="ctr"/>
+          <a:lstStyle/>
           <a:p>
             <a:pPr algn="ctr" fontAlgn="auto">
               <a:spcBef>
@@ -27569,6 +27756,7 @@
         </p:style>
         <p:txBody>
           <a:bodyPr anchor="ctr"/>
+          <a:lstStyle/>
           <a:p>
             <a:pPr algn="ctr" fontAlgn="auto">
               <a:spcBef>
@@ -27636,6 +27824,7 @@
         </p:style>
         <p:txBody>
           <a:bodyPr anchor="ctr"/>
+          <a:lstStyle/>
           <a:p>
             <a:pPr algn="ctr">
               <a:defRPr/>
@@ -27699,6 +27888,7 @@
         </p:style>
         <p:txBody>
           <a:bodyPr anchor="ctr"/>
+          <a:lstStyle/>
           <a:p>
             <a:pPr algn="ctr">
               <a:defRPr/>
@@ -27741,6 +27931,7 @@
           <a:bodyPr wrap="square" rtlCol="0">
             <a:spAutoFit/>
           </a:bodyPr>
+          <a:lstStyle/>
           <a:p>
             <a:pPr eaLnBrk="0" hangingPunct="0"/>
             <a:r>
@@ -27796,6 +27987,7 @@
           <a:bodyPr wrap="square" rtlCol="0">
             <a:spAutoFit/>
           </a:bodyPr>
+          <a:lstStyle/>
           <a:p>
             <a:pPr eaLnBrk="0" hangingPunct="0"/>
             <a:r>
@@ -27851,6 +28043,7 @@
           <a:bodyPr wrap="square" rtlCol="0">
             <a:spAutoFit/>
           </a:bodyPr>
+          <a:lstStyle/>
           <a:p>
             <a:pPr eaLnBrk="0" hangingPunct="0"/>
             <a:r>
@@ -27906,6 +28099,7 @@
           <a:bodyPr wrap="square" rtlCol="0">
             <a:spAutoFit/>
           </a:bodyPr>
+          <a:lstStyle/>
           <a:p>
             <a:pPr eaLnBrk="0" hangingPunct="0"/>
             <a:r>
@@ -27941,6 +28135,30 @@
           </a:p>
         </p:txBody>
       </p:sp>
+      <p:pic>
+        <p:nvPicPr>
+          <p:cNvPr id="2" name="图片 1" descr="TIM图片20180330150438"/>
+          <p:cNvPicPr>
+            <a:picLocks noChangeAspect="1"/>
+          </p:cNvPicPr>
+          <p:nvPr/>
+        </p:nvPicPr>
+        <p:blipFill>
+          <a:blip r:embed="rId7"/>
+          <a:stretch>
+            <a:fillRect/>
+          </a:stretch>
+        </p:blipFill>
+        <p:spPr>
+          <a:xfrm>
+            <a:off x="11116945" y="67310"/>
+            <a:ext cx="905510" cy="1015365"/>
+          </a:xfrm>
+          <a:prstGeom prst="rect">
+            <a:avLst/>
+          </a:prstGeom>
+        </p:spPr>
+      </p:pic>
     </p:spTree>
   </p:cSld>
   <p:clrMapOvr>
@@ -29084,13 +29302,6 @@
               </a:rPr>
               <a:t>版本控制</a:t>
             </a:r>
-            <a:endParaRPr lang="zh-CN" altLang="en-US" sz="2800" spc="120" dirty="0">
-              <a:solidFill>
-                <a:srgbClr val="FFFFFF"/>
-              </a:solidFill>
-              <a:latin typeface="微软雅黑" panose="020B0503020204020204" pitchFamily="34" charset="-122"/>
-              <a:ea typeface="微软雅黑" panose="020B0503020204020204" pitchFamily="34" charset="-122"/>
-            </a:endParaRPr>
           </a:p>
         </p:txBody>
       </p:sp>
@@ -29103,7 +29314,7 @@
           <p:nvPr/>
         </p:nvPicPr>
         <p:blipFill>
-          <a:blip r:embed="rId1"/>
+          <a:blip r:embed="rId3"/>
           <a:stretch>
             <a:fillRect/>
           </a:stretch>
@@ -29112,6 +29323,30 @@
           <a:xfrm>
             <a:off x="1110615" y="1073785"/>
             <a:ext cx="9970770" cy="5313680"/>
+          </a:xfrm>
+          <a:prstGeom prst="rect">
+            <a:avLst/>
+          </a:prstGeom>
+        </p:spPr>
+      </p:pic>
+      <p:pic>
+        <p:nvPicPr>
+          <p:cNvPr id="6" name="图片 5" descr="TIM图片20180330150438"/>
+          <p:cNvPicPr>
+            <a:picLocks noChangeAspect="1"/>
+          </p:cNvPicPr>
+          <p:nvPr/>
+        </p:nvPicPr>
+        <p:blipFill>
+          <a:blip r:embed="rId4"/>
+          <a:stretch>
+            <a:fillRect/>
+          </a:stretch>
+        </p:blipFill>
+        <p:spPr>
+          <a:xfrm>
+            <a:off x="11116945" y="67310"/>
+            <a:ext cx="905510" cy="1015365"/>
           </a:xfrm>
           <a:prstGeom prst="rect">
             <a:avLst/>
@@ -29621,13 +29856,6 @@
               </a:rPr>
               <a:t>计算机系统支持</a:t>
             </a:r>
-            <a:endParaRPr lang="zh-CN" sz="2800" spc="120" dirty="0">
-              <a:solidFill>
-                <a:srgbClr val="FFFFFF"/>
-              </a:solidFill>
-              <a:latin typeface="微软雅黑" panose="020B0503020204020204" pitchFamily="34" charset="-122"/>
-              <a:ea typeface="微软雅黑" panose="020B0503020204020204" pitchFamily="34" charset="-122"/>
-            </a:endParaRPr>
           </a:p>
         </p:txBody>
       </p:sp>
@@ -29651,6 +29879,7 @@
           <a:bodyPr wrap="square" rtlCol="0">
             <a:spAutoFit/>
           </a:bodyPr>
+          <a:lstStyle/>
           <a:p>
             <a:r>
               <a:rPr lang="zh-CN" altLang="en-US" sz="2000">
@@ -29660,11 +29889,6 @@
               </a:rPr>
               <a:t>1.Window、Mac 工作环境，Android手机，Windows 10 虚拟机工具使用环境。</a:t>
             </a:r>
-            <a:endParaRPr lang="zh-CN" altLang="en-US" sz="2000">
-              <a:latin typeface="华文楷体" panose="02010600040101010101" charset="-122"/>
-              <a:ea typeface="华文楷体" panose="02010600040101010101" charset="-122"/>
-              <a:cs typeface="华文楷体" panose="02010600040101010101" charset="-122"/>
-            </a:endParaRPr>
           </a:p>
           <a:p>
             <a:endParaRPr lang="zh-CN" altLang="en-US" sz="2000">
@@ -29682,11 +29906,6 @@
               </a:rPr>
               <a:t>2.Windows、Mac工作环境中要有:</a:t>
             </a:r>
-            <a:endParaRPr lang="zh-CN" altLang="en-US" sz="2000">
-              <a:latin typeface="华文楷体" panose="02010600040101010101" charset="-122"/>
-              <a:ea typeface="华文楷体" panose="02010600040101010101" charset="-122"/>
-              <a:cs typeface="华文楷体" panose="02010600040101010101" charset="-122"/>
-            </a:endParaRPr>
           </a:p>
           <a:p>
             <a:r>
@@ -29697,11 +29916,6 @@
               </a:rPr>
               <a:t>①腾讯Tim文档实时编辑平台</a:t>
             </a:r>
-            <a:endParaRPr lang="zh-CN" altLang="en-US" sz="2000">
-              <a:latin typeface="华文楷体" panose="02010600040101010101" charset="-122"/>
-              <a:ea typeface="华文楷体" panose="02010600040101010101" charset="-122"/>
-              <a:cs typeface="华文楷体" panose="02010600040101010101" charset="-122"/>
-            </a:endParaRPr>
           </a:p>
           <a:p>
             <a:r>
@@ -29712,11 +29926,6 @@
               </a:rPr>
               <a:t>②PhotoShop设计工具</a:t>
             </a:r>
-            <a:endParaRPr lang="zh-CN" altLang="en-US" sz="2000">
-              <a:latin typeface="华文楷体" panose="02010600040101010101" charset="-122"/>
-              <a:ea typeface="华文楷体" panose="02010600040101010101" charset="-122"/>
-              <a:cs typeface="华文楷体" panose="02010600040101010101" charset="-122"/>
-            </a:endParaRPr>
           </a:p>
           <a:p>
             <a:r>
@@ -29727,11 +29936,6 @@
               </a:rPr>
               <a:t>③cocos2dx游戏引擎</a:t>
             </a:r>
-            <a:endParaRPr lang="zh-CN" altLang="en-US" sz="2000">
-              <a:latin typeface="华文楷体" panose="02010600040101010101" charset="-122"/>
-              <a:ea typeface="华文楷体" panose="02010600040101010101" charset="-122"/>
-              <a:cs typeface="华文楷体" panose="02010600040101010101" charset="-122"/>
-            </a:endParaRPr>
           </a:p>
           <a:p>
             <a:r>
@@ -29742,11 +29946,6 @@
               </a:rPr>
               <a:t>④eclipse、IntellJ IDEA JAVA代码编辑环境</a:t>
             </a:r>
-            <a:endParaRPr lang="zh-CN" altLang="en-US" sz="2000">
-              <a:latin typeface="华文楷体" panose="02010600040101010101" charset="-122"/>
-              <a:ea typeface="华文楷体" panose="02010600040101010101" charset="-122"/>
-              <a:cs typeface="华文楷体" panose="02010600040101010101" charset="-122"/>
-            </a:endParaRPr>
           </a:p>
           <a:p>
             <a:r>
@@ -29757,11 +29956,6 @@
               </a:rPr>
               <a:t>⑤本地数据库mysql与数据库客户端Data Grip	、MySQL Workbanch.</a:t>
             </a:r>
-            <a:endParaRPr lang="zh-CN" altLang="en-US" sz="2000">
-              <a:latin typeface="华文楷体" panose="02010600040101010101" charset="-122"/>
-              <a:ea typeface="华文楷体" panose="02010600040101010101" charset="-122"/>
-              <a:cs typeface="华文楷体" panose="02010600040101010101" charset="-122"/>
-            </a:endParaRPr>
           </a:p>
           <a:p>
             <a:endParaRPr lang="zh-CN" altLang="en-US" sz="2000">
@@ -29779,11 +29973,6 @@
               </a:rPr>
               <a:t>3.Windows 10虚拟机工具使用环境成员统一，应该包含：</a:t>
             </a:r>
-            <a:endParaRPr lang="zh-CN" altLang="en-US" sz="2000">
-              <a:latin typeface="华文楷体" panose="02010600040101010101" charset="-122"/>
-              <a:ea typeface="华文楷体" panose="02010600040101010101" charset="-122"/>
-              <a:cs typeface="华文楷体" panose="02010600040101010101" charset="-122"/>
-            </a:endParaRPr>
           </a:p>
           <a:p>
             <a:r>
@@ -29794,11 +29983,6 @@
               </a:rPr>
               <a:t>①Micrsoft office 套件，包括Micrsoft Project。</a:t>
             </a:r>
-            <a:endParaRPr lang="zh-CN" altLang="en-US" sz="2000">
-              <a:latin typeface="华文楷体" panose="02010600040101010101" charset="-122"/>
-              <a:ea typeface="华文楷体" panose="02010600040101010101" charset="-122"/>
-              <a:cs typeface="华文楷体" panose="02010600040101010101" charset="-122"/>
-            </a:endParaRPr>
           </a:p>
           <a:p>
             <a:r>
@@ -29809,11 +29993,6 @@
               </a:rPr>
               <a:t>②Git环境</a:t>
             </a:r>
-            <a:endParaRPr lang="zh-CN" altLang="en-US" sz="2000">
-              <a:latin typeface="华文楷体" panose="02010600040101010101" charset="-122"/>
-              <a:ea typeface="华文楷体" panose="02010600040101010101" charset="-122"/>
-              <a:cs typeface="华文楷体" panose="02010600040101010101" charset="-122"/>
-            </a:endParaRPr>
           </a:p>
           <a:p>
             <a:r>
@@ -29824,11 +30003,6 @@
               </a:rPr>
               <a:t>③Axure RP</a:t>
             </a:r>
-            <a:endParaRPr lang="zh-CN" altLang="en-US" sz="2000">
-              <a:latin typeface="华文楷体" panose="02010600040101010101" charset="-122"/>
-              <a:ea typeface="华文楷体" panose="02010600040101010101" charset="-122"/>
-              <a:cs typeface="华文楷体" panose="02010600040101010101" charset="-122"/>
-            </a:endParaRPr>
           </a:p>
           <a:p>
             <a:r>
@@ -29839,11 +30013,6 @@
               </a:rPr>
               <a:t>④Load runner</a:t>
             </a:r>
-            <a:endParaRPr lang="zh-CN" altLang="en-US" sz="2000">
-              <a:latin typeface="华文楷体" panose="02010600040101010101" charset="-122"/>
-              <a:ea typeface="华文楷体" panose="02010600040101010101" charset="-122"/>
-              <a:cs typeface="华文楷体" panose="02010600040101010101" charset="-122"/>
-            </a:endParaRPr>
           </a:p>
         </p:txBody>
       </p:sp>
@@ -30506,6 +30675,7 @@
         </p:spPr>
         <p:txBody>
           <a:bodyPr/>
+          <a:lstStyle/>
           <a:p>
             <a:endParaRPr lang="zh-CN" altLang="en-US"/>
           </a:p>
@@ -30528,7 +30698,7 @@
             <a:avLst/>
           </a:prstGeom>
           <a:blipFill dpi="0" rotWithShape="1">
-            <a:blip r:embed="rId1"/>
+            <a:blip r:embed="rId3"/>
             <a:srcRect/>
             <a:stretch>
               <a:fillRect/>
@@ -30541,6 +30711,7 @@
         </p:spPr>
         <p:txBody>
           <a:bodyPr/>
+          <a:lstStyle/>
           <a:p>
             <a:endParaRPr lang="zh-CN" altLang="en-US">
               <a:latin typeface="等线" panose="02010600030101010101" pitchFamily="2" charset="-122"/>
@@ -30549,6 +30720,30 @@
           </a:p>
         </p:txBody>
       </p:sp>
+      <p:pic>
+        <p:nvPicPr>
+          <p:cNvPr id="2" name="图片 1" descr="TIM图片20180330150438"/>
+          <p:cNvPicPr>
+            <a:picLocks noChangeAspect="1"/>
+          </p:cNvPicPr>
+          <p:nvPr/>
+        </p:nvPicPr>
+        <p:blipFill>
+          <a:blip r:embed="rId4"/>
+          <a:stretch>
+            <a:fillRect/>
+          </a:stretch>
+        </p:blipFill>
+        <p:spPr>
+          <a:xfrm>
+            <a:off x="11116945" y="67310"/>
+            <a:ext cx="905510" cy="1015365"/>
+          </a:xfrm>
+          <a:prstGeom prst="rect">
+            <a:avLst/>
+          </a:prstGeom>
+        </p:spPr>
+      </p:pic>
     </p:spTree>
   </p:cSld>
   <p:clrMapOvr>
@@ -31172,13 +31367,6 @@
               </a:rPr>
               <a:t>配置管理计划</a:t>
             </a:r>
-            <a:endParaRPr lang="zh-CN" altLang="en-US" sz="2800" spc="120" dirty="0">
-              <a:solidFill>
-                <a:srgbClr val="FFFFFF"/>
-              </a:solidFill>
-              <a:latin typeface="微软雅黑" panose="020B0503020204020204" pitchFamily="34" charset="-122"/>
-              <a:ea typeface="微软雅黑" panose="020B0503020204020204" pitchFamily="34" charset="-122"/>
-            </a:endParaRPr>
           </a:p>
         </p:txBody>
       </p:sp>
@@ -31206,6 +31394,7 @@
                 <a:tc>
                   <a:txBody>
                     <a:bodyPr/>
+                    <a:lstStyle/>
                     <a:p>
                       <a:pPr indent="0">
                         <a:buNone/>
@@ -31225,7 +31414,7 @@
                       </a:endParaRPr>
                     </a:p>
                   </a:txBody>
-                  <a:tcPr marL="68580" marR="68580" marT="0" marB="0" vert="horz" anchor="t">
+                  <a:tcPr marL="68580" marR="68580" marT="0" marB="0">
                     <a:lnL w="12700" cap="flat" cmpd="sng">
                       <a:solidFill>
                         <a:srgbClr val="080000"/>
@@ -31270,6 +31459,7 @@
                 <a:tc>
                   <a:txBody>
                     <a:bodyPr/>
+                    <a:lstStyle/>
                     <a:p>
                       <a:pPr indent="0">
                         <a:buNone/>
@@ -31329,7 +31519,7 @@
                       </a:endParaRPr>
                     </a:p>
                   </a:txBody>
-                  <a:tcPr marL="68580" marR="68580" marT="0" marB="0" vert="horz" anchor="t">
+                  <a:tcPr marL="68580" marR="68580" marT="0" marB="0">
                     <a:lnL w="12700" cap="flat" cmpd="sng">
                       <a:solidFill>
                         <a:srgbClr val="080000"/>
@@ -31376,6 +31566,7 @@
                 <a:tc>
                   <a:txBody>
                     <a:bodyPr/>
+                    <a:lstStyle/>
                     <a:p>
                       <a:pPr indent="0">
                         <a:buNone/>
@@ -31395,7 +31586,7 @@
                       </a:endParaRPr>
                     </a:p>
                   </a:txBody>
-                  <a:tcPr marL="68580" marR="68580" marT="0" marB="0" vert="horz" anchor="t">
+                  <a:tcPr marL="68580" marR="68580" marT="0" marB="0">
                     <a:lnL w="12700" cap="flat" cmpd="sng">
                       <a:solidFill>
                         <a:srgbClr val="080000"/>
@@ -31440,6 +31631,7 @@
                 <a:tc>
                   <a:txBody>
                     <a:bodyPr/>
+                    <a:lstStyle/>
                     <a:p>
                       <a:pPr indent="0">
                         <a:buNone/>
@@ -31459,7 +31651,7 @@
                       </a:endParaRPr>
                     </a:p>
                   </a:txBody>
-                  <a:tcPr marL="68580" marR="68580" marT="0" marB="0" vert="horz" anchor="t">
+                  <a:tcPr marL="68580" marR="68580" marT="0" marB="0">
                     <a:lnL w="12700" cap="flat" cmpd="sng">
                       <a:solidFill>
                         <a:srgbClr val="080000"/>
@@ -31506,6 +31698,7 @@
                 <a:tc>
                   <a:txBody>
                     <a:bodyPr/>
+                    <a:lstStyle/>
                     <a:p>
                       <a:pPr indent="0">
                         <a:buNone/>
@@ -31525,7 +31718,7 @@
                       </a:endParaRPr>
                     </a:p>
                   </a:txBody>
-                  <a:tcPr marL="68580" marR="68580" marT="0" marB="0" vert="horz" anchor="t">
+                  <a:tcPr marL="68580" marR="68580" marT="0" marB="0">
                     <a:lnL w="12700" cap="flat" cmpd="sng">
                       <a:solidFill>
                         <a:srgbClr val="080000"/>
@@ -31570,6 +31763,7 @@
                 <a:tc>
                   <a:txBody>
                     <a:bodyPr/>
+                    <a:lstStyle/>
                     <a:p>
                       <a:pPr indent="0">
                         <a:buNone/>
@@ -31589,7 +31783,7 @@
                       </a:endParaRPr>
                     </a:p>
                   </a:txBody>
-                  <a:tcPr marL="68580" marR="68580" marT="0" marB="0" vert="horz" anchor="t">
+                  <a:tcPr marL="68580" marR="68580" marT="0" marB="0">
                     <a:lnL w="12700" cap="flat" cmpd="sng">
                       <a:solidFill>
                         <a:srgbClr val="080000"/>
@@ -31636,6 +31830,7 @@
                 <a:tc>
                   <a:txBody>
                     <a:bodyPr/>
+                    <a:lstStyle/>
                     <a:p>
                       <a:pPr indent="0">
                         <a:buNone/>
@@ -31655,7 +31850,7 @@
                       </a:endParaRPr>
                     </a:p>
                   </a:txBody>
-                  <a:tcPr marL="68580" marR="68580" marT="0" marB="0" vert="horz" anchor="t">
+                  <a:tcPr marL="68580" marR="68580" marT="0" marB="0">
                     <a:lnL w="12700" cap="flat" cmpd="sng">
                       <a:solidFill>
                         <a:srgbClr val="080000"/>
@@ -31700,6 +31895,7 @@
                 <a:tc>
                   <a:txBody>
                     <a:bodyPr/>
+                    <a:lstStyle/>
                     <a:p>
                       <a:pPr indent="0">
                         <a:buNone/>
@@ -31719,7 +31915,7 @@
                       </a:endParaRPr>
                     </a:p>
                   </a:txBody>
-                  <a:tcPr marL="68580" marR="68580" marT="0" marB="0" vert="horz" anchor="t">
+                  <a:tcPr marL="68580" marR="68580" marT="0" marB="0">
                     <a:lnL w="12700" cap="flat" cmpd="sng">
                       <a:solidFill>
                         <a:srgbClr val="080000"/>
@@ -31766,6 +31962,7 @@
                 <a:tc>
                   <a:txBody>
                     <a:bodyPr/>
+                    <a:lstStyle/>
                     <a:p>
                       <a:pPr indent="0">
                         <a:buNone/>
@@ -31785,7 +31982,7 @@
                       </a:endParaRPr>
                     </a:p>
                   </a:txBody>
-                  <a:tcPr marL="68580" marR="68580" marT="0" marB="0" vert="horz" anchor="t">
+                  <a:tcPr marL="68580" marR="68580" marT="0" marB="0">
                     <a:lnL w="12700" cap="flat" cmpd="sng">
                       <a:solidFill>
                         <a:srgbClr val="080000"/>
@@ -31830,6 +32027,7 @@
                 <a:tc>
                   <a:txBody>
                     <a:bodyPr/>
+                    <a:lstStyle/>
                     <a:p>
                       <a:pPr indent="0">
                         <a:buNone/>
@@ -31849,7 +32047,7 @@
                       </a:endParaRPr>
                     </a:p>
                   </a:txBody>
-                  <a:tcPr marL="68580" marR="68580" marT="0" marB="0" vert="horz" anchor="t">
+                  <a:tcPr marL="68580" marR="68580" marT="0" marB="0">
                     <a:lnL w="12700" cap="flat" cmpd="sng">
                       <a:solidFill>
                         <a:srgbClr val="080000"/>
@@ -31916,6 +32114,7 @@
           <a:bodyPr wrap="none">
             <a:spAutoFit/>
           </a:bodyPr>
+          <a:lstStyle/>
           <a:p>
             <a:pPr fontAlgn="auto">
               <a:lnSpc>
@@ -31953,15 +32152,6 @@
               </a:rPr>
               <a:t>软硬件配置</a:t>
             </a:r>
-            <a:endParaRPr lang="zh-CN" altLang="en-US" sz="2800" spc="120" dirty="0">
-              <a:solidFill>
-                <a:schemeClr val="accent2">
-                  <a:lumMod val="75000"/>
-                </a:schemeClr>
-              </a:solidFill>
-              <a:latin typeface="微软雅黑" panose="020B0503020204020204" pitchFamily="34" charset="-122"/>
-              <a:ea typeface="微软雅黑" panose="020B0503020204020204" pitchFamily="34" charset="-122"/>
-            </a:endParaRPr>
           </a:p>
         </p:txBody>
       </p:sp>
@@ -31985,6 +32175,7 @@
           <a:bodyPr wrap="none">
             <a:spAutoFit/>
           </a:bodyPr>
+          <a:lstStyle/>
           <a:p>
             <a:pPr fontAlgn="auto">
               <a:lnSpc>
@@ -32022,15 +32213,6 @@
               </a:rPr>
               <a:t>配置管理客户端</a:t>
             </a:r>
-            <a:endParaRPr lang="zh-CN" altLang="en-US" sz="2800" spc="120" dirty="0">
-              <a:solidFill>
-                <a:schemeClr val="accent2">
-                  <a:lumMod val="75000"/>
-                </a:schemeClr>
-              </a:solidFill>
-              <a:latin typeface="微软雅黑" panose="020B0503020204020204" pitchFamily="34" charset="-122"/>
-              <a:ea typeface="微软雅黑" panose="020B0503020204020204" pitchFamily="34" charset="-122"/>
-            </a:endParaRPr>
           </a:p>
         </p:txBody>
       </p:sp>
@@ -32054,6 +32236,7 @@
           <a:bodyPr wrap="square" rtlCol="0">
             <a:spAutoFit/>
           </a:bodyPr>
+          <a:lstStyle/>
           <a:p>
             <a:r>
               <a:rPr lang="zh-CN" sz="2400">
@@ -32097,6 +32280,30 @@
           </a:p>
         </p:txBody>
       </p:sp>
+      <p:pic>
+        <p:nvPicPr>
+          <p:cNvPr id="2" name="图片 1" descr="TIM图片20180330150438"/>
+          <p:cNvPicPr>
+            <a:picLocks noChangeAspect="1"/>
+          </p:cNvPicPr>
+          <p:nvPr/>
+        </p:nvPicPr>
+        <p:blipFill>
+          <a:blip r:embed="rId3"/>
+          <a:stretch>
+            <a:fillRect/>
+          </a:stretch>
+        </p:blipFill>
+        <p:spPr>
+          <a:xfrm>
+            <a:off x="11116945" y="67310"/>
+            <a:ext cx="905510" cy="1015365"/>
+          </a:xfrm>
+          <a:prstGeom prst="rect">
+            <a:avLst/>
+          </a:prstGeom>
+        </p:spPr>
+      </p:pic>
     </p:spTree>
   </p:cSld>
   <p:clrMapOvr>
@@ -32730,13 +32937,6 @@
               </a:rPr>
               <a:t>角色与职责</a:t>
             </a:r>
-            <a:endParaRPr lang="zh-CN" sz="2800" spc="120" dirty="0">
-              <a:solidFill>
-                <a:srgbClr val="FFFFFF"/>
-              </a:solidFill>
-              <a:latin typeface="微软雅黑" panose="020B0503020204020204" pitchFamily="34" charset="-122"/>
-              <a:ea typeface="微软雅黑" panose="020B0503020204020204" pitchFamily="34" charset="-122"/>
-            </a:endParaRPr>
           </a:p>
         </p:txBody>
       </p:sp>
@@ -32749,7 +32949,7 @@
           <p:nvPr/>
         </p:nvPicPr>
         <p:blipFill>
-          <a:blip r:embed="rId1"/>
+          <a:blip r:embed="rId3"/>
           <a:stretch>
             <a:fillRect/>
           </a:stretch>
@@ -32787,6 +32987,7 @@
           <a:bodyPr anchor="t">
             <a:spAutoFit/>
           </a:bodyPr>
+          <a:lstStyle/>
           <a:p>
             <a:pPr algn="ctr">
               <a:lnSpc>
@@ -32807,14 +33008,6 @@
               </a:rPr>
               <a:t>项目主要承担部门</a:t>
             </a:r>
-            <a:endParaRPr lang="zh-CN" altLang="en-US" sz="1600" dirty="0">
-              <a:solidFill>
-                <a:schemeClr val="bg1"/>
-              </a:solidFill>
-              <a:latin typeface="微软雅黑" panose="020B0503020204020204" pitchFamily="34" charset="-122"/>
-              <a:ea typeface="微软雅黑" panose="020B0503020204020204" pitchFamily="34" charset="-122"/>
-              <a:sym typeface="Calibri" panose="020F0502020204030204" pitchFamily="34" charset="0"/>
-            </a:endParaRPr>
           </a:p>
         </p:txBody>
       </p:sp>
@@ -32855,6 +33048,7 @@
             <a:bodyPr anchor="t">
               <a:spAutoFit/>
             </a:bodyPr>
+            <a:lstStyle/>
             <a:p>
               <a:pPr algn="ctr">
                 <a:lnSpc>
@@ -32875,14 +33069,6 @@
                 </a:rPr>
                 <a:t>项目建设背景</a:t>
               </a:r>
-              <a:endParaRPr lang="zh-CN" altLang="en-US" sz="1600" dirty="0">
-                <a:solidFill>
-                  <a:schemeClr val="bg1"/>
-                </a:solidFill>
-                <a:latin typeface="微软雅黑" panose="020B0503020204020204" pitchFamily="34" charset="-122"/>
-                <a:ea typeface="微软雅黑" panose="020B0503020204020204" pitchFamily="34" charset="-122"/>
-                <a:sym typeface="Calibri" panose="020F0502020204030204" pitchFamily="34" charset="0"/>
-              </a:endParaRPr>
             </a:p>
           </p:txBody>
         </p:sp>
@@ -32909,6 +33095,7 @@
             <a:bodyPr anchor="t">
               <a:spAutoFit/>
             </a:bodyPr>
+            <a:lstStyle/>
             <a:p>
               <a:pPr algn="dist">
                 <a:lnSpc>
@@ -32953,6 +33140,7 @@
           <a:bodyPr anchor="t">
             <a:spAutoFit/>
           </a:bodyPr>
+          <a:lstStyle/>
           <a:p>
             <a:pPr eaLnBrk="0" hangingPunct="0"/>
             <a:r>
@@ -33010,14 +33198,6 @@
               </a:rPr>
               <a:t>小组</a:t>
             </a:r>
-            <a:endParaRPr lang="zh-CN" altLang="en-US" dirty="0">
-              <a:solidFill>
-                <a:schemeClr val="bg1"/>
-              </a:solidFill>
-              <a:latin typeface="Arial" panose="020B0604020202020204" pitchFamily="34" charset="0"/>
-              <a:ea typeface="宋体" panose="02010600030101010101" pitchFamily="2" charset="-122"/>
-              <a:sym typeface="Calibri" panose="020F0502020204030204" pitchFamily="34" charset="0"/>
-            </a:endParaRPr>
           </a:p>
         </p:txBody>
       </p:sp>
@@ -33062,6 +33242,7 @@
         </p:style>
         <p:txBody>
           <a:bodyPr anchor="ctr"/>
+          <a:lstStyle/>
           <a:p>
             <a:pPr algn="ctr" fontAlgn="auto">
               <a:spcBef>
@@ -33100,6 +33281,7 @@
           <a:bodyPr wrap="none">
             <a:spAutoFit/>
           </a:bodyPr>
+          <a:lstStyle/>
           <a:p>
             <a:pPr fontAlgn="auto">
               <a:lnSpc>
@@ -33133,16 +33315,33 @@
               </a:rPr>
               <a:t>角色职责</a:t>
             </a:r>
-            <a:endParaRPr lang="zh-CN" altLang="en-US" sz="2800" spc="120" dirty="0">
-              <a:solidFill>
-                <a:srgbClr val="FFFFFF"/>
-              </a:solidFill>
-              <a:latin typeface="微软雅黑" panose="020B0503020204020204" pitchFamily="34" charset="-122"/>
-              <a:ea typeface="微软雅黑" panose="020B0503020204020204" pitchFamily="34" charset="-122"/>
-            </a:endParaRPr>
           </a:p>
         </p:txBody>
       </p:sp>
+      <p:pic>
+        <p:nvPicPr>
+          <p:cNvPr id="3" name="图片 2" descr="TIM图片20180330150438"/>
+          <p:cNvPicPr>
+            <a:picLocks noChangeAspect="1"/>
+          </p:cNvPicPr>
+          <p:nvPr/>
+        </p:nvPicPr>
+        <p:blipFill>
+          <a:blip r:embed="rId4"/>
+          <a:stretch>
+            <a:fillRect/>
+          </a:stretch>
+        </p:blipFill>
+        <p:spPr>
+          <a:xfrm>
+            <a:off x="11116945" y="67310"/>
+            <a:ext cx="905510" cy="1015365"/>
+          </a:xfrm>
+          <a:prstGeom prst="rect">
+            <a:avLst/>
+          </a:prstGeom>
+        </p:spPr>
+      </p:pic>
     </p:spTree>
   </p:cSld>
   <p:clrMapOvr>
@@ -33755,13 +33954,6 @@
               </a:rPr>
               <a:t>参考资料</a:t>
             </a:r>
-            <a:endParaRPr lang="zh-CN" sz="2800" spc="120" dirty="0">
-              <a:solidFill>
-                <a:srgbClr val="FFFFFF"/>
-              </a:solidFill>
-              <a:latin typeface="微软雅黑" panose="020B0503020204020204" pitchFamily="34" charset="-122"/>
-              <a:ea typeface="微软雅黑" panose="020B0503020204020204" pitchFamily="34" charset="-122"/>
-            </a:endParaRPr>
           </a:p>
         </p:txBody>
       </p:sp>
@@ -33785,6 +33977,7 @@
           <a:bodyPr wrap="square" rtlCol="0">
             <a:spAutoFit/>
           </a:bodyPr>
+          <a:lstStyle/>
           <a:p>
             <a:r>
               <a:rPr lang="zh-CN" altLang="en-US" sz="2400" b="1">
@@ -33797,14 +33990,6 @@
               </a:rPr>
               <a:t>《软件项目管理》 Rajeev T Shandilya 编著科学出版社</a:t>
             </a:r>
-            <a:endParaRPr lang="zh-CN" altLang="en-US" sz="2400" b="1">
-              <a:solidFill>
-                <a:schemeClr val="tx1"/>
-              </a:solidFill>
-              <a:latin typeface="华文仿宋" panose="02010600040101010101" charset="-122"/>
-              <a:ea typeface="华文仿宋" panose="02010600040101010101" charset="-122"/>
-              <a:cs typeface="华文仿宋" panose="02010600040101010101" charset="-122"/>
-            </a:endParaRPr>
           </a:p>
           <a:p>
             <a:r>
@@ -33818,14 +34003,6 @@
               </a:rPr>
               <a:t></a:t>
             </a:r>
-            <a:endParaRPr lang="zh-CN" altLang="en-US" sz="2400" b="1">
-              <a:solidFill>
-                <a:schemeClr val="tx1"/>
-              </a:solidFill>
-              <a:latin typeface="华文仿宋" panose="02010600040101010101" charset="-122"/>
-              <a:ea typeface="华文仿宋" panose="02010600040101010101" charset="-122"/>
-              <a:cs typeface="华文仿宋" panose="02010600040101010101" charset="-122"/>
-            </a:endParaRPr>
           </a:p>
           <a:p>
             <a:r>
@@ -33839,14 +34016,6 @@
               </a:rPr>
               <a:t>软件工程国家标准文档</a:t>
             </a:r>
-            <a:endParaRPr lang="zh-CN" altLang="en-US" sz="2400" b="1">
-              <a:solidFill>
-                <a:schemeClr val="tx1"/>
-              </a:solidFill>
-              <a:latin typeface="华文仿宋" panose="02010600040101010101" charset="-122"/>
-              <a:ea typeface="华文仿宋" panose="02010600040101010101" charset="-122"/>
-              <a:cs typeface="华文仿宋" panose="02010600040101010101" charset="-122"/>
-            </a:endParaRPr>
           </a:p>
           <a:p>
             <a:endParaRPr lang="zh-CN" altLang="en-US" sz="2400" b="1">
@@ -33870,14 +34039,6 @@
               </a:rPr>
               <a:t>软件工程项目开发文档范例</a:t>
             </a:r>
-            <a:endParaRPr lang="zh-CN" altLang="en-US" sz="2400" b="1">
-              <a:solidFill>
-                <a:schemeClr val="tx1"/>
-              </a:solidFill>
-              <a:latin typeface="华文仿宋" panose="02010600040101010101" charset="-122"/>
-              <a:ea typeface="华文仿宋" panose="02010600040101010101" charset="-122"/>
-              <a:cs typeface="华文仿宋" panose="02010600040101010101" charset="-122"/>
-            </a:endParaRPr>
           </a:p>
           <a:p>
             <a:endParaRPr lang="zh-CN" altLang="en-US" sz="2400" b="1">
@@ -33901,14 +34062,6 @@
               </a:rPr>
               <a:t>《我所理解的Cocos2d-x》  秦春林  电子工业出版社</a:t>
             </a:r>
-            <a:endParaRPr lang="zh-CN" altLang="en-US" sz="2400" b="1">
-              <a:solidFill>
-                <a:schemeClr val="tx1"/>
-              </a:solidFill>
-              <a:latin typeface="华文仿宋" panose="02010600040101010101" charset="-122"/>
-              <a:ea typeface="华文仿宋" panose="02010600040101010101" charset="-122"/>
-              <a:cs typeface="华文仿宋" panose="02010600040101010101" charset="-122"/>
-            </a:endParaRPr>
           </a:p>
           <a:p>
             <a:endParaRPr lang="zh-CN" altLang="en-US" sz="2400" b="1">
@@ -33932,14 +34085,6 @@
               </a:rPr>
               <a:t>Accelerated C++ Andrew Koenig and Barbara Moo</a:t>
             </a:r>
-            <a:endParaRPr lang="zh-CN" altLang="en-US" sz="2400" b="1">
-              <a:solidFill>
-                <a:schemeClr val="tx1"/>
-              </a:solidFill>
-              <a:latin typeface="华文仿宋" panose="02010600040101010101" charset="-122"/>
-              <a:ea typeface="华文仿宋" panose="02010600040101010101" charset="-122"/>
-              <a:cs typeface="华文仿宋" panose="02010600040101010101" charset="-122"/>
-            </a:endParaRPr>
           </a:p>
           <a:p>
             <a:endParaRPr lang="zh-CN" altLang="en-US" sz="2400" b="1">
@@ -33963,14 +34108,6 @@
               </a:rPr>
               <a:t>《写给大家看的设计书》[美]罗宾·威廉姆斯(RobinWilliams) 人民邮电出版社</a:t>
             </a:r>
-            <a:endParaRPr lang="zh-CN" altLang="en-US" sz="2400" b="1">
-              <a:solidFill>
-                <a:schemeClr val="tx1"/>
-              </a:solidFill>
-              <a:latin typeface="华文仿宋" panose="02010600040101010101" charset="-122"/>
-              <a:ea typeface="华文仿宋" panose="02010600040101010101" charset="-122"/>
-              <a:cs typeface="华文仿宋" panose="02010600040101010101" charset="-122"/>
-            </a:endParaRPr>
           </a:p>
           <a:p>
             <a:endParaRPr lang="zh-CN" altLang="en-US" sz="2400" b="1">
@@ -33994,14 +34131,6 @@
               </a:rPr>
               <a:t>《数据库系统概念》Abraham Silberschatz  Henry F.Korth  S.Sudarshan</a:t>
             </a:r>
-            <a:endParaRPr lang="zh-CN" altLang="en-US" sz="2400" b="1">
-              <a:solidFill>
-                <a:schemeClr val="tx1"/>
-              </a:solidFill>
-              <a:latin typeface="华文仿宋" panose="02010600040101010101" charset="-122"/>
-              <a:ea typeface="华文仿宋" panose="02010600040101010101" charset="-122"/>
-              <a:cs typeface="华文仿宋" panose="02010600040101010101" charset="-122"/>
-            </a:endParaRPr>
           </a:p>
         </p:txBody>
       </p:sp>
@@ -34038,6 +34167,7 @@
         </p:style>
         <p:txBody>
           <a:bodyPr rtlCol="0" anchor="ctr"/>
+          <a:lstStyle/>
           <a:p>
             <a:pPr algn="ctr"/>
             <a:endParaRPr lang="zh-CN" altLang="en-US"/>
@@ -34077,6 +34207,7 @@
         </p:style>
         <p:txBody>
           <a:bodyPr rtlCol="0" anchor="ctr"/>
+          <a:lstStyle/>
           <a:p>
             <a:pPr algn="ctr"/>
             <a:endParaRPr lang="zh-CN" altLang="en-US"/>
@@ -34116,6 +34247,7 @@
         </p:style>
         <p:txBody>
           <a:bodyPr rtlCol="0" anchor="ctr"/>
+          <a:lstStyle/>
           <a:p>
             <a:pPr algn="ctr"/>
             <a:endParaRPr lang="zh-CN" altLang="en-US"/>
@@ -34155,6 +34287,7 @@
         </p:style>
         <p:txBody>
           <a:bodyPr rtlCol="0" anchor="ctr"/>
+          <a:lstStyle/>
           <a:p>
             <a:pPr algn="ctr"/>
             <a:endParaRPr lang="zh-CN" altLang="en-US"/>
@@ -34194,6 +34327,7 @@
         </p:style>
         <p:txBody>
           <a:bodyPr rtlCol="0" anchor="ctr"/>
+          <a:lstStyle/>
           <a:p>
             <a:pPr algn="ctr"/>
             <a:endParaRPr lang="zh-CN" altLang="en-US"/>
@@ -34233,6 +34367,7 @@
         </p:style>
         <p:txBody>
           <a:bodyPr rtlCol="0" anchor="ctr"/>
+          <a:lstStyle/>
           <a:p>
             <a:pPr algn="ctr"/>
             <a:endParaRPr lang="zh-CN" altLang="en-US"/>
@@ -34272,12 +34407,37 @@
         </p:style>
         <p:txBody>
           <a:bodyPr rtlCol="0" anchor="ctr"/>
+          <a:lstStyle/>
           <a:p>
             <a:pPr algn="ctr"/>
             <a:endParaRPr lang="zh-CN" altLang="en-US"/>
           </a:p>
         </p:txBody>
       </p:sp>
+      <p:pic>
+        <p:nvPicPr>
+          <p:cNvPr id="13" name="图片 12" descr="TIM图片20180330150438"/>
+          <p:cNvPicPr>
+            <a:picLocks noChangeAspect="1"/>
+          </p:cNvPicPr>
+          <p:nvPr/>
+        </p:nvPicPr>
+        <p:blipFill>
+          <a:blip r:embed="rId3"/>
+          <a:stretch>
+            <a:fillRect/>
+          </a:stretch>
+        </p:blipFill>
+        <p:spPr>
+          <a:xfrm>
+            <a:off x="11116945" y="67310"/>
+            <a:ext cx="905510" cy="1015365"/>
+          </a:xfrm>
+          <a:prstGeom prst="rect">
+            <a:avLst/>
+          </a:prstGeom>
+        </p:spPr>
+      </p:pic>
     </p:spTree>
   </p:cSld>
   <p:clrMapOvr>
@@ -34727,7 +34887,7 @@
           <p:nvPr/>
         </p:nvPicPr>
         <p:blipFill>
-          <a:blip r:embed="rId1"/>
+          <a:blip r:embed="rId3"/>
           <a:srcRect/>
           <a:stretch>
             <a:fillRect/>
@@ -34789,13 +34949,6 @@
               </a:rPr>
               <a:t>谢谢观看</a:t>
             </a:r>
-            <a:endParaRPr lang="zh-CN" altLang="en-US" sz="5400" b="1">
-              <a:solidFill>
-                <a:srgbClr val="595959"/>
-              </a:solidFill>
-              <a:latin typeface="微软雅黑" panose="020B0503020204020204" pitchFamily="34" charset="-122"/>
-              <a:ea typeface="微软雅黑" panose="020B0503020204020204" pitchFamily="34" charset="-122"/>
-            </a:endParaRPr>
           </a:p>
         </p:txBody>
       </p:sp>
@@ -35342,13 +35495,6 @@
               </a:rPr>
               <a:t>制作人：刘雨霏 </a:t>
             </a:r>
-            <a:endParaRPr lang="zh-CN" altLang="en-US" sz="2000">
-              <a:solidFill>
-                <a:srgbClr val="595959"/>
-              </a:solidFill>
-              <a:latin typeface="微软雅黑" panose="020B0503020204020204" pitchFamily="34" charset="-122"/>
-              <a:ea typeface="微软雅黑" panose="020B0503020204020204" pitchFamily="34" charset="-122"/>
-            </a:endParaRPr>
           </a:p>
         </p:txBody>
       </p:sp>
@@ -36828,7 +36974,7 @@
           <p:nvPr/>
         </p:nvPicPr>
         <p:blipFill>
-          <a:blip r:embed="rId1"/>
+          <a:blip r:embed="rId3"/>
           <a:srcRect/>
           <a:stretch>
             <a:fillRect/>
@@ -36874,6 +37020,7 @@
           <a:bodyPr wrap="square" anchor="t">
             <a:spAutoFit/>
           </a:bodyPr>
+          <a:lstStyle/>
           <a:p>
             <a:pPr algn="just">
               <a:lnSpc>
@@ -37021,14 +37168,6 @@
               </a:rPr>
               <a:t>9</a:t>
             </a:r>
-            <a:endParaRPr lang="en-US" altLang="zh-CN" sz="2400" dirty="0">
-              <a:solidFill>
-                <a:schemeClr val="tx1"/>
-              </a:solidFill>
-              <a:latin typeface="微软雅黑" panose="020B0503020204020204" pitchFamily="34" charset="-122"/>
-              <a:ea typeface="微软雅黑" panose="020B0503020204020204" pitchFamily="34" charset="-122"/>
-              <a:sym typeface="微软雅黑" panose="020B0503020204020204" pitchFamily="34" charset="-122"/>
-            </a:endParaRPr>
           </a:p>
         </p:txBody>
       </p:sp>
@@ -37055,6 +37194,7 @@
           <a:bodyPr wrap="square" anchor="t">
             <a:spAutoFit/>
           </a:bodyPr>
+          <a:lstStyle/>
           <a:p>
             <a:pPr algn="just">
               <a:lnSpc>
@@ -37254,6 +37394,7 @@
           <a:bodyPr wrap="square" anchor="t">
             <a:spAutoFit/>
           </a:bodyPr>
+          <a:lstStyle/>
           <a:p>
             <a:pPr algn="just">
               <a:lnSpc>
@@ -37430,6 +37571,30 @@
           </a:p>
         </p:txBody>
       </p:sp>
+      <p:pic>
+        <p:nvPicPr>
+          <p:cNvPr id="5" name="图片 4" descr="TIM图片20180330150438"/>
+          <p:cNvPicPr>
+            <a:picLocks noChangeAspect="1"/>
+          </p:cNvPicPr>
+          <p:nvPr/>
+        </p:nvPicPr>
+        <p:blipFill>
+          <a:blip r:embed="rId4"/>
+          <a:stretch>
+            <a:fillRect/>
+          </a:stretch>
+        </p:blipFill>
+        <p:spPr>
+          <a:xfrm>
+            <a:off x="11116945" y="67310"/>
+            <a:ext cx="905510" cy="1015365"/>
+          </a:xfrm>
+          <a:prstGeom prst="rect">
+            <a:avLst/>
+          </a:prstGeom>
+        </p:spPr>
+      </p:pic>
     </p:spTree>
   </p:cSld>
   <p:clrMapOvr>
@@ -37941,13 +38106,6 @@
               </a:rPr>
               <a:t>编写目的</a:t>
             </a:r>
-            <a:endParaRPr lang="zh-CN" altLang="en-US" sz="2800" spc="120" dirty="0">
-              <a:solidFill>
-                <a:srgbClr val="FFFFFF"/>
-              </a:solidFill>
-              <a:latin typeface="微软雅黑" panose="020B0503020204020204" pitchFamily="34" charset="-122"/>
-              <a:ea typeface="微软雅黑" panose="020B0503020204020204" pitchFamily="34" charset="-122"/>
-            </a:endParaRPr>
           </a:p>
         </p:txBody>
       </p:sp>
@@ -37995,11 +38153,6 @@
               </a:rPr>
               <a:t>。</a:t>
             </a:r>
-            <a:endParaRPr lang="zh-CN" altLang="en-US" sz="2400">
-              <a:latin typeface="华文楷体" panose="02010600040101010101" charset="-122"/>
-              <a:ea typeface="华文楷体" panose="02010600040101010101" charset="-122"/>
-              <a:cs typeface="华文楷体" panose="02010600040101010101" charset="-122"/>
-            </a:endParaRPr>
           </a:p>
           <a:p>
             <a:endParaRPr lang="zh-CN" altLang="en-US" sz="2400">
@@ -38025,11 +38178,6 @@
               </a:rPr>
               <a:t>在项目生命周期内的工作任务范围、各项工作的任务分解、项目团队组织结构、各团队成员的工作责任、团队内外沟通协作方式、开发进度、经费预算、项目内外环境条件、风险对策等内容以书面的方式展示出来，作为项目团队成员以及项目负责人之间的共识与约定、项目生命周期内的所有项目活动的行动基础、项目团队开展和检查项目工作的依据。</a:t>
             </a:r>
-            <a:endParaRPr lang="en-US" altLang="zh-CN" sz="2400">
-              <a:latin typeface="华文楷体" panose="02010600040101010101" charset="-122"/>
-              <a:ea typeface="华文楷体" panose="02010600040101010101" charset="-122"/>
-              <a:cs typeface="华文楷体" panose="02010600040101010101" charset="-122"/>
-            </a:endParaRPr>
           </a:p>
           <a:p>
             <a:endParaRPr lang="en-US" altLang="zh-CN" sz="2400">
@@ -38047,14 +38195,33 @@
               </a:rPr>
               <a:t>    项目开发计划用于从总体上指导Android沙盒游戏应用项目顺利进行并最终通过评审的项目产品。本项目开发计划面向项目组全体成员。</a:t>
             </a:r>
-            <a:endParaRPr lang="en-US" altLang="zh-CN" sz="2400">
-              <a:latin typeface="华文楷体" panose="02010600040101010101" charset="-122"/>
-              <a:ea typeface="华文楷体" panose="02010600040101010101" charset="-122"/>
-              <a:cs typeface="华文楷体" panose="02010600040101010101" charset="-122"/>
-            </a:endParaRPr>
           </a:p>
         </p:txBody>
       </p:sp>
+      <p:pic>
+        <p:nvPicPr>
+          <p:cNvPr id="2" name="图片 1" descr="TIM图片20180330150438"/>
+          <p:cNvPicPr>
+            <a:picLocks noChangeAspect="1"/>
+          </p:cNvPicPr>
+          <p:nvPr/>
+        </p:nvPicPr>
+        <p:blipFill>
+          <a:blip r:embed="rId3"/>
+          <a:stretch>
+            <a:fillRect/>
+          </a:stretch>
+        </p:blipFill>
+        <p:spPr>
+          <a:xfrm>
+            <a:off x="11116945" y="67310"/>
+            <a:ext cx="905510" cy="1015365"/>
+          </a:xfrm>
+          <a:prstGeom prst="rect">
+            <a:avLst/>
+          </a:prstGeom>
+        </p:spPr>
+      </p:pic>
     </p:spTree>
   </p:cSld>
   <p:clrMapOvr>
@@ -38558,13 +38725,6 @@
               </a:rPr>
               <a:t>背景</a:t>
             </a:r>
-            <a:endParaRPr lang="zh-CN" altLang="en-US" sz="2800" spc="120" dirty="0">
-              <a:solidFill>
-                <a:srgbClr val="FFFFFF"/>
-              </a:solidFill>
-              <a:latin typeface="微软雅黑" panose="020B0503020204020204" pitchFamily="34" charset="-122"/>
-              <a:ea typeface="微软雅黑" panose="020B0503020204020204" pitchFamily="34" charset="-122"/>
-            </a:endParaRPr>
           </a:p>
         </p:txBody>
       </p:sp>
@@ -38585,7 +38745,7 @@
         <p:sp>
           <p:nvSpPr>
             <p:cNvPr id="7173" name="等腰三角形 19">
-              <a:hlinkClick r:id="rId1"/>
+              <a:hlinkClick r:id="rId3"/>
             </p:cNvPr>
             <p:cNvSpPr/>
             <p:nvPr/>
@@ -38615,6 +38775,7 @@
           </p:spPr>
           <p:txBody>
             <a:bodyPr anchor="ctr"/>
+            <a:lstStyle/>
             <a:p>
               <a:pPr algn="ctr"/>
               <a:endParaRPr lang="zh-CN" altLang="zh-CN" dirty="0">
@@ -38651,6 +38812,7 @@
             <a:bodyPr wrap="square" anchor="t">
               <a:spAutoFit/>
             </a:bodyPr>
+            <a:lstStyle/>
             <a:p>
               <a:pPr algn="ctr"/>
               <a:r>
@@ -38693,7 +38855,7 @@
         <p:sp>
           <p:nvSpPr>
             <p:cNvPr id="7176" name="等腰三角形 22">
-              <a:hlinkClick r:id="rId1"/>
+              <a:hlinkClick r:id="rId3"/>
             </p:cNvPr>
             <p:cNvSpPr/>
             <p:nvPr/>
@@ -38723,6 +38885,7 @@
           </p:spPr>
           <p:txBody>
             <a:bodyPr anchor="ctr"/>
+            <a:lstStyle/>
             <a:p>
               <a:pPr algn="ctr"/>
               <a:endParaRPr lang="zh-CN" altLang="zh-CN" dirty="0">
@@ -38759,6 +38922,7 @@
             <a:bodyPr wrap="square" anchor="t">
               <a:spAutoFit/>
             </a:bodyPr>
+            <a:lstStyle/>
             <a:p>
               <a:pPr algn="ctr"/>
               <a:r>
@@ -38801,7 +38965,7 @@
         <p:sp>
           <p:nvSpPr>
             <p:cNvPr id="7179" name="等腰三角形 25">
-              <a:hlinkClick r:id="rId1"/>
+              <a:hlinkClick r:id="rId3"/>
             </p:cNvPr>
             <p:cNvSpPr/>
             <p:nvPr/>
@@ -38831,6 +38995,7 @@
           </p:spPr>
           <p:txBody>
             <a:bodyPr anchor="ctr"/>
+            <a:lstStyle/>
             <a:p>
               <a:pPr algn="ctr"/>
               <a:endParaRPr lang="zh-CN" altLang="zh-CN" dirty="0">
@@ -38867,6 +39032,7 @@
             <a:bodyPr wrap="square" anchor="t">
               <a:spAutoFit/>
             </a:bodyPr>
+            <a:lstStyle/>
             <a:p>
               <a:pPr algn="ctr"/>
               <a:r>
@@ -38909,7 +39075,7 @@
         <p:sp>
           <p:nvSpPr>
             <p:cNvPr id="7182" name="等腰三角形 28">
-              <a:hlinkClick r:id="rId1"/>
+              <a:hlinkClick r:id="rId3"/>
             </p:cNvPr>
             <p:cNvSpPr/>
             <p:nvPr/>
@@ -38939,6 +39105,7 @@
           </p:spPr>
           <p:txBody>
             <a:bodyPr anchor="ctr"/>
+            <a:lstStyle/>
             <a:p>
               <a:pPr algn="ctr"/>
               <a:endParaRPr lang="zh-CN" altLang="zh-CN" dirty="0">
@@ -38975,6 +39142,7 @@
             <a:bodyPr wrap="square" anchor="t">
               <a:spAutoFit/>
             </a:bodyPr>
+            <a:lstStyle/>
             <a:p>
               <a:pPr algn="ctr"/>
               <a:r>
@@ -39023,6 +39191,7 @@
           <a:bodyPr wrap="square" anchor="t">
             <a:spAutoFit/>
           </a:bodyPr>
+          <a:lstStyle/>
           <a:p>
             <a:pPr algn="ctr">
               <a:lnSpc>
@@ -39043,14 +39212,6 @@
               </a:rPr>
               <a:t>项目名称及开发成员</a:t>
             </a:r>
-            <a:endParaRPr lang="zh-CN" altLang="en-US" sz="1800" b="1" dirty="0">
-              <a:solidFill>
-                <a:schemeClr val="tx1"/>
-              </a:solidFill>
-              <a:latin typeface="微软雅黑" panose="020B0503020204020204" pitchFamily="34" charset="-122"/>
-              <a:ea typeface="微软雅黑" panose="020B0503020204020204" pitchFamily="34" charset="-122"/>
-              <a:sym typeface="Calibri" panose="020F0502020204030204" pitchFamily="34" charset="0"/>
-            </a:endParaRPr>
           </a:p>
         </p:txBody>
       </p:sp>
@@ -39077,6 +39238,7 @@
           <a:bodyPr anchor="t">
             <a:spAutoFit/>
           </a:bodyPr>
+          <a:lstStyle/>
           <a:p>
             <a:pPr algn="ctr">
               <a:lnSpc>
@@ -39097,14 +39259,6 @@
               </a:rPr>
               <a:t>项目的用户</a:t>
             </a:r>
-            <a:endParaRPr lang="zh-CN" altLang="en-US" sz="1800" b="1" dirty="0">
-              <a:solidFill>
-                <a:schemeClr val="tx1"/>
-              </a:solidFill>
-              <a:latin typeface="微软雅黑" panose="020B0503020204020204" pitchFamily="34" charset="-122"/>
-              <a:ea typeface="微软雅黑" panose="020B0503020204020204" pitchFamily="34" charset="-122"/>
-              <a:sym typeface="Calibri" panose="020F0502020204030204" pitchFamily="34" charset="0"/>
-            </a:endParaRPr>
           </a:p>
         </p:txBody>
       </p:sp>
@@ -39131,6 +39285,7 @@
           <a:bodyPr anchor="t">
             <a:spAutoFit/>
           </a:bodyPr>
+          <a:lstStyle/>
           <a:p>
             <a:pPr algn="ctr">
               <a:lnSpc>
@@ -39151,14 +39306,6 @@
               </a:rPr>
               <a:t>项目主要承担部门</a:t>
             </a:r>
-            <a:endParaRPr lang="zh-CN" altLang="en-US" sz="1800" b="1" dirty="0">
-              <a:solidFill>
-                <a:schemeClr val="tx1"/>
-              </a:solidFill>
-              <a:latin typeface="微软雅黑" panose="020B0503020204020204" pitchFamily="34" charset="-122"/>
-              <a:ea typeface="微软雅黑" panose="020B0503020204020204" pitchFamily="34" charset="-122"/>
-              <a:sym typeface="Calibri" panose="020F0502020204030204" pitchFamily="34" charset="0"/>
-            </a:endParaRPr>
           </a:p>
         </p:txBody>
       </p:sp>
@@ -39199,6 +39346,7 @@
             <a:bodyPr anchor="t">
               <a:spAutoFit/>
             </a:bodyPr>
+            <a:lstStyle/>
             <a:p>
               <a:pPr algn="ctr">
                 <a:lnSpc>
@@ -39219,14 +39367,6 @@
                 </a:rPr>
                 <a:t>项目建设背景</a:t>
               </a:r>
-              <a:endParaRPr lang="zh-CN" altLang="en-US" sz="1800" b="1" dirty="0">
-                <a:solidFill>
-                  <a:schemeClr val="tx1"/>
-                </a:solidFill>
-                <a:latin typeface="微软雅黑" panose="020B0503020204020204" pitchFamily="34" charset="-122"/>
-                <a:ea typeface="微软雅黑" panose="020B0503020204020204" pitchFamily="34" charset="-122"/>
-                <a:sym typeface="Calibri" panose="020F0502020204030204" pitchFamily="34" charset="0"/>
-              </a:endParaRPr>
             </a:p>
           </p:txBody>
         </p:sp>
@@ -39253,6 +39393,7 @@
             <a:bodyPr anchor="t">
               <a:spAutoFit/>
             </a:bodyPr>
+            <a:lstStyle/>
             <a:p>
               <a:pPr algn="dist">
                 <a:lnSpc>
@@ -39464,21 +39605,6 @@
               </a:rPr>
               <a:t>目标用户：</a:t>
             </a:r>
-            <a:endParaRPr kumimoji="0" lang="zh-CN" altLang="zh-CN" sz="1600" i="0" u="none" strike="noStrike" kern="1200" cap="none" spc="0" normalizeH="0" baseline="0" noProof="0" dirty="0">
-              <a:ln>
-                <a:noFill/>
-              </a:ln>
-              <a:solidFill>
-                <a:schemeClr val="tx1"/>
-              </a:solidFill>
-              <a:effectLst/>
-              <a:uLnTx/>
-              <a:uFillTx/>
-              <a:latin typeface="微软雅黑" panose="020B0503020204020204" pitchFamily="34" charset="-122"/>
-              <a:ea typeface="微软雅黑" panose="020B0503020204020204" pitchFamily="34" charset="-122"/>
-              <a:cs typeface="+mn-cs"/>
-              <a:sym typeface="微软雅黑" panose="020B0503020204020204" pitchFamily="34" charset="-122"/>
-            </a:endParaRPr>
           </a:p>
           <a:p>
             <a:pPr marL="0" marR="0" lvl="0" indent="0" algn="l" defTabSz="685800" rtl="0" eaLnBrk="0" fontAlgn="base" latinLnBrk="0" hangingPunct="0">
@@ -39514,20 +39640,6 @@
               </a:rPr>
               <a:t>一级用户:对沙盒游戏有浓厚兴趣，经常在游玩沙盒游戏的玩家群体。</a:t>
             </a:r>
-            <a:endParaRPr kumimoji="0" lang="zh-CN" altLang="zh-CN" sz="1600" i="0" u="none" strike="noStrike" kern="1200" cap="none" spc="0" normalizeH="0" baseline="0" noProof="0" dirty="0">
-              <a:ln>
-                <a:noFill/>
-              </a:ln>
-              <a:solidFill>
-                <a:schemeClr val="tx1"/>
-              </a:solidFill>
-              <a:effectLst/>
-              <a:uLnTx/>
-              <a:uFillTx/>
-              <a:latin typeface="宋体" panose="02010600030101010101" pitchFamily="2" charset="-122"/>
-              <a:cs typeface="宋体" panose="02010600030101010101" pitchFamily="2" charset="-122"/>
-              <a:sym typeface="微软雅黑" panose="020B0503020204020204" pitchFamily="34" charset="-122"/>
-            </a:endParaRPr>
           </a:p>
           <a:p>
             <a:pPr marL="0" marR="0" lvl="0" indent="0" algn="l" defTabSz="685800" rtl="0" eaLnBrk="0" fontAlgn="base" latinLnBrk="0" hangingPunct="0">
@@ -39632,21 +39744,6 @@
               </a:rPr>
               <a:t>：</a:t>
             </a:r>
-            <a:endParaRPr kumimoji="0" lang="zh-CN" altLang="zh-CN" sz="1600" b="0" i="0" u="none" strike="noStrike" kern="100" cap="none" spc="0" normalizeH="0" baseline="0" noProof="0" dirty="0">
-              <a:ln>
-                <a:noFill/>
-              </a:ln>
-              <a:solidFill>
-                <a:schemeClr val="tx1"/>
-              </a:solidFill>
-              <a:effectLst/>
-              <a:uLnTx/>
-              <a:uFillTx/>
-              <a:latin typeface="Calibri" panose="020F0502020204030204" pitchFamily="34" charset="0"/>
-              <a:ea typeface="宋体" panose="02010600030101010101" pitchFamily="2" charset="-122"/>
-              <a:cs typeface="Times New Roman" panose="02020603050405020304" pitchFamily="18" charset="0"/>
-              <a:sym typeface="+mn-ea"/>
-            </a:endParaRPr>
           </a:p>
           <a:p>
             <a:pPr marL="0" marR="0" lvl="0" indent="0" algn="l" defTabSz="685800" rtl="0" eaLnBrk="0" fontAlgn="base" latinLnBrk="0" hangingPunct="0">
@@ -39806,21 +39903,6 @@
               </a:rPr>
               <a:t>暴露的问题：</a:t>
             </a:r>
-            <a:endParaRPr kumimoji="0" lang="zh-CN" altLang="zh-CN" sz="1600" b="0" i="0" u="none" strike="noStrike" kern="100" cap="none" spc="0" normalizeH="0" baseline="0" noProof="0" dirty="0">
-              <a:ln>
-                <a:noFill/>
-              </a:ln>
-              <a:solidFill>
-                <a:schemeClr val="tx1"/>
-              </a:solidFill>
-              <a:effectLst/>
-              <a:uLnTx/>
-              <a:uFillTx/>
-              <a:latin typeface="Calibri" panose="020F0502020204030204" pitchFamily="34" charset="0"/>
-              <a:ea typeface="宋体" panose="02010600030101010101" pitchFamily="2" charset="-122"/>
-              <a:cs typeface="Times New Roman" panose="02020603050405020304" pitchFamily="18" charset="0"/>
-              <a:sym typeface="+mn-ea"/>
-            </a:endParaRPr>
           </a:p>
           <a:p>
             <a:pPr marL="0" marR="0" lvl="0" indent="0" algn="l" defTabSz="685800" rtl="0" eaLnBrk="0" fontAlgn="base" latinLnBrk="0" hangingPunct="0">
@@ -39857,21 +39939,6 @@
               </a:rPr>
               <a:t>没有游戏新意，并没有体现出现实感，大多只是棋盘类型游戏的多规则化。</a:t>
             </a:r>
-            <a:endParaRPr kumimoji="0" lang="zh-CN" altLang="zh-CN" sz="1600" b="0" i="0" u="none" strike="noStrike" kern="100" cap="none" spc="0" normalizeH="0" baseline="0" noProof="0" dirty="0">
-              <a:ln>
-                <a:noFill/>
-              </a:ln>
-              <a:solidFill>
-                <a:schemeClr val="tx1"/>
-              </a:solidFill>
-              <a:effectLst/>
-              <a:uLnTx/>
-              <a:uFillTx/>
-              <a:latin typeface="Calibri" panose="020F0502020204030204" pitchFamily="34" charset="0"/>
-              <a:ea typeface="宋体" panose="02010600030101010101" pitchFamily="2" charset="-122"/>
-              <a:cs typeface="Times New Roman" panose="02020603050405020304" pitchFamily="18" charset="0"/>
-              <a:sym typeface="+mn-ea"/>
-            </a:endParaRPr>
           </a:p>
           <a:p>
             <a:pPr marL="0" marR="0" lvl="0" indent="0" algn="l" defTabSz="685800" rtl="0" eaLnBrk="0" fontAlgn="base" latinLnBrk="0" hangingPunct="0">
@@ -39908,21 +39975,6 @@
               </a:rPr>
               <a:t>因此希望通过开发一个沙盘真实战术类游戏来增加沙盘类游戏的可玩性。</a:t>
             </a:r>
-            <a:endParaRPr kumimoji="0" lang="zh-CN" altLang="zh-CN" sz="1600" b="0" i="0" u="none" strike="noStrike" kern="100" cap="none" spc="0" normalizeH="0" baseline="0" noProof="0" dirty="0">
-              <a:ln>
-                <a:noFill/>
-              </a:ln>
-              <a:solidFill>
-                <a:schemeClr val="tx1"/>
-              </a:solidFill>
-              <a:effectLst/>
-              <a:uLnTx/>
-              <a:uFillTx/>
-              <a:latin typeface="Calibri" panose="020F0502020204030204" pitchFamily="34" charset="0"/>
-              <a:ea typeface="宋体" panose="02010600030101010101" pitchFamily="2" charset="-122"/>
-              <a:cs typeface="Times New Roman" panose="02020603050405020304" pitchFamily="18" charset="0"/>
-              <a:sym typeface="+mn-ea"/>
-            </a:endParaRPr>
           </a:p>
         </p:txBody>
       </p:sp>
@@ -39949,6 +40001,7 @@
           <a:bodyPr anchor="t">
             <a:spAutoFit/>
           </a:bodyPr>
+          <a:lstStyle/>
           <a:p>
             <a:pPr eaLnBrk="0" hangingPunct="0"/>
             <a:r>
@@ -39962,14 +40015,6 @@
               </a:rPr>
               <a:t>原本使用朋友圈推送方式售卖商品的具体个体卖家</a:t>
             </a:r>
-            <a:endParaRPr lang="zh-CN" altLang="zh-CN" dirty="0">
-              <a:solidFill>
-                <a:schemeClr val="tx1"/>
-              </a:solidFill>
-              <a:latin typeface="Arial" panose="020B0604020202020204" pitchFamily="34" charset="0"/>
-              <a:ea typeface="宋体" panose="02010600030101010101" pitchFamily="2" charset="-122"/>
-              <a:sym typeface="Calibri" panose="020F0502020204030204" pitchFamily="34" charset="0"/>
-            </a:endParaRPr>
           </a:p>
         </p:txBody>
       </p:sp>
@@ -39996,6 +40041,7 @@
           <a:bodyPr anchor="t">
             <a:spAutoFit/>
           </a:bodyPr>
+          <a:lstStyle/>
           <a:p>
             <a:pPr eaLnBrk="0" hangingPunct="0"/>
             <a:r>
@@ -40053,14 +40099,6 @@
               </a:rPr>
               <a:t>小组</a:t>
             </a:r>
-            <a:endParaRPr lang="zh-CN" altLang="en-US" dirty="0">
-              <a:solidFill>
-                <a:schemeClr val="tx1"/>
-              </a:solidFill>
-              <a:latin typeface="Arial" panose="020B0604020202020204" pitchFamily="34" charset="0"/>
-              <a:ea typeface="宋体" panose="02010600030101010101" pitchFamily="2" charset="-122"/>
-              <a:sym typeface="Calibri" panose="020F0502020204030204" pitchFamily="34" charset="0"/>
-            </a:endParaRPr>
           </a:p>
         </p:txBody>
       </p:sp>
@@ -40074,7 +40112,7 @@
         </p:nvGraphicFramePr>
         <p:xfrm>
           <a:off x="1321118" y="2008188"/>
-          <a:ext cx="2546350" cy="1274445"/>
+          <a:ext cx="2546350" cy="1400604"/>
         </p:xfrm>
         <a:graphic>
           <a:graphicData uri="http://schemas.openxmlformats.org/drawingml/2006/table">
@@ -40110,15 +40148,6 @@
                         </a:rPr>
                         <a:t>项目名称</a:t>
                       </a:r>
-                      <a:endParaRPr lang="zh-CN" sz="1400" kern="100" dirty="0">
-                        <a:solidFill>
-                          <a:schemeClr val="tx1"/>
-                        </a:solidFill>
-                        <a:effectLst/>
-                        <a:latin typeface="Calibri" panose="020F0502020204030204" pitchFamily="34" charset="0"/>
-                        <a:ea typeface="宋体" panose="02010600030101010101" pitchFamily="2" charset="-122"/>
-                        <a:cs typeface="Times New Roman" panose="02020603050405020304" pitchFamily="18" charset="0"/>
-                      </a:endParaRPr>
                     </a:p>
                   </a:txBody>
                   <a:tcPr marL="68589" marR="68589" marT="0" marB="0">
@@ -40185,15 +40214,6 @@
                         </a:rPr>
                         <a:t>个体电商销售平台</a:t>
                       </a:r>
-                      <a:endParaRPr lang="zh-CN" sz="1400" kern="100" dirty="0">
-                        <a:solidFill>
-                          <a:schemeClr val="tx1"/>
-                        </a:solidFill>
-                        <a:effectLst/>
-                        <a:latin typeface="Calibri" panose="020F0502020204030204" pitchFamily="34" charset="0"/>
-                        <a:ea typeface="宋体" panose="02010600030101010101" pitchFamily="2" charset="-122"/>
-                        <a:cs typeface="Times New Roman" panose="02020603050405020304" pitchFamily="18" charset="0"/>
-                      </a:endParaRPr>
                     </a:p>
                   </a:txBody>
                   <a:tcPr marL="68589" marR="68589" marT="0" marB="0">
@@ -40262,15 +40282,6 @@
                         </a:rPr>
                         <a:t>提 出 者</a:t>
                       </a:r>
-                      <a:endParaRPr lang="zh-CN" sz="1400" kern="100">
-                        <a:solidFill>
-                          <a:schemeClr val="tx1"/>
-                        </a:solidFill>
-                        <a:effectLst/>
-                        <a:latin typeface="Calibri" panose="020F0502020204030204" pitchFamily="34" charset="0"/>
-                        <a:ea typeface="宋体" panose="02010600030101010101" pitchFamily="2" charset="-122"/>
-                        <a:cs typeface="Times New Roman" panose="02020603050405020304" pitchFamily="18" charset="0"/>
-                      </a:endParaRPr>
                     </a:p>
                   </a:txBody>
                   <a:tcPr marL="68589" marR="68589" marT="0" marB="0">
@@ -40337,15 +40348,6 @@
                         </a:rPr>
                         <a:t>刘雨霏</a:t>
                       </a:r>
-                      <a:endParaRPr lang="zh-CN" sz="1400" kern="100" dirty="0">
-                        <a:solidFill>
-                          <a:schemeClr val="tx1"/>
-                        </a:solidFill>
-                        <a:effectLst/>
-                        <a:latin typeface="Calibri" panose="020F0502020204030204" pitchFamily="34" charset="0"/>
-                        <a:ea typeface="宋体" panose="02010600030101010101" pitchFamily="2" charset="-122"/>
-                        <a:cs typeface="Times New Roman" panose="02020603050405020304" pitchFamily="18" charset="0"/>
-                      </a:endParaRPr>
                     </a:p>
                   </a:txBody>
                   <a:tcPr marL="68589" marR="68589" marT="0" marB="0">
@@ -40414,15 +40416,6 @@
                         </a:rPr>
                         <a:t>开 发 者</a:t>
                       </a:r>
-                      <a:endParaRPr lang="zh-CN" sz="1400" kern="100">
-                        <a:solidFill>
-                          <a:schemeClr val="tx1"/>
-                        </a:solidFill>
-                        <a:effectLst/>
-                        <a:latin typeface="Calibri" panose="020F0502020204030204" pitchFamily="34" charset="0"/>
-                        <a:ea typeface="宋体" panose="02010600030101010101" pitchFamily="2" charset="-122"/>
-                        <a:cs typeface="Times New Roman" panose="02020603050405020304" pitchFamily="18" charset="0"/>
-                      </a:endParaRPr>
                     </a:p>
                   </a:txBody>
                   <a:tcPr marL="68589" marR="68589" marT="0" marB="0">
@@ -40489,15 +40482,6 @@
                         </a:rPr>
                         <a:t>刘雨霏 杨智麟 胡方正</a:t>
                       </a:r>
-                      <a:endParaRPr lang="zh-CN" sz="1400" kern="100" dirty="0">
-                        <a:solidFill>
-                          <a:schemeClr val="tx1"/>
-                        </a:solidFill>
-                        <a:effectLst/>
-                        <a:latin typeface="Calibri" panose="020F0502020204030204" pitchFamily="34" charset="0"/>
-                        <a:ea typeface="宋体" panose="02010600030101010101" pitchFamily="2" charset="-122"/>
-                        <a:cs typeface="Times New Roman" panose="02020603050405020304" pitchFamily="18" charset="0"/>
-                      </a:endParaRPr>
                     </a:p>
                   </a:txBody>
                   <a:tcPr marL="68589" marR="68589" marT="0" marB="0">
@@ -40566,15 +40550,6 @@
                         </a:rPr>
                         <a:t>实现中心</a:t>
                       </a:r>
-                      <a:endParaRPr lang="zh-CN" sz="1400" kern="100">
-                        <a:solidFill>
-                          <a:schemeClr val="tx1"/>
-                        </a:solidFill>
-                        <a:effectLst/>
-                        <a:latin typeface="Calibri" panose="020F0502020204030204" pitchFamily="34" charset="0"/>
-                        <a:ea typeface="宋体" panose="02010600030101010101" pitchFamily="2" charset="-122"/>
-                        <a:cs typeface="Times New Roman" panose="02020603050405020304" pitchFamily="18" charset="0"/>
-                      </a:endParaRPr>
                     </a:p>
                   </a:txBody>
                   <a:tcPr marL="68589" marR="68589" marT="0" marB="0">
@@ -40641,15 +40616,6 @@
                         </a:rPr>
                         <a:t>个人电脑</a:t>
                       </a:r>
-                      <a:endParaRPr lang="zh-CN" sz="1400" kern="100" dirty="0">
-                        <a:solidFill>
-                          <a:schemeClr val="tx1"/>
-                        </a:solidFill>
-                        <a:effectLst/>
-                        <a:latin typeface="Calibri" panose="020F0502020204030204" pitchFamily="34" charset="0"/>
-                        <a:ea typeface="宋体" panose="02010600030101010101" pitchFamily="2" charset="-122"/>
-                        <a:cs typeface="Times New Roman" panose="02020603050405020304" pitchFamily="18" charset="0"/>
-                      </a:endParaRPr>
                     </a:p>
                   </a:txBody>
                   <a:tcPr marL="68589" marR="68589" marT="0" marB="0">
@@ -40696,6 +40662,30 @@
           </a:graphicData>
         </a:graphic>
       </p:graphicFrame>
+      <p:pic>
+        <p:nvPicPr>
+          <p:cNvPr id="2" name="图片 1" descr="TIM图片20180330150438"/>
+          <p:cNvPicPr>
+            <a:picLocks noChangeAspect="1"/>
+          </p:cNvPicPr>
+          <p:nvPr/>
+        </p:nvPicPr>
+        <p:blipFill>
+          <a:blip r:embed="rId4"/>
+          <a:stretch>
+            <a:fillRect/>
+          </a:stretch>
+        </p:blipFill>
+        <p:spPr>
+          <a:xfrm>
+            <a:off x="11116945" y="67310"/>
+            <a:ext cx="905510" cy="1015365"/>
+          </a:xfrm>
+          <a:prstGeom prst="rect">
+            <a:avLst/>
+          </a:prstGeom>
+        </p:spPr>
+      </p:pic>
     </p:spTree>
   </p:cSld>
   <p:clrMapOvr>
@@ -41199,13 +41189,6 @@
               </a:rPr>
               <a:t>项目介绍</a:t>
             </a:r>
-            <a:endParaRPr lang="zh-CN" sz="2800" spc="120" dirty="0">
-              <a:solidFill>
-                <a:srgbClr val="FFFFFF"/>
-              </a:solidFill>
-              <a:latin typeface="微软雅黑" panose="020B0503020204020204" pitchFamily="34" charset="-122"/>
-              <a:ea typeface="微软雅黑" panose="020B0503020204020204" pitchFamily="34" charset="-122"/>
-            </a:endParaRPr>
           </a:p>
         </p:txBody>
       </p:sp>
@@ -41244,10 +41227,6 @@
               </a:rPr>
               <a:t>    本游戏为沙盒类益智2D手机游戏。游戏通过操控有限兵力兵种步步为营、以回合制杀死对方国王或将对面兵力全歼为一方游戏胜利。</a:t>
             </a:r>
-            <a:endParaRPr lang="en-US" altLang="zh-CN" sz="2000">
-              <a:latin typeface="宋体" panose="02010600030101010101" pitchFamily="2" charset="-122"/>
-              <a:cs typeface="宋体" panose="02010600030101010101" pitchFamily="2" charset="-122"/>
-            </a:endParaRPr>
           </a:p>
           <a:p>
             <a:endParaRPr lang="en-US" altLang="zh-CN" sz="2000">
@@ -41263,10 +41242,6 @@
               </a:rPr>
               <a:t>    沙盒游戏以架空背景展开，以双方国家对战为开局背景。地图不唯一，兵力配置也有多种选择。已定兵种有近战佣兵、轻骑兵、重甲兵、弓箭手、法师、牧师与国王。不同兵种的移动力、攻击力、防御力以及血量都不尽相同，一般情况下兵种的基本属性不会发生变化。</a:t>
             </a:r>
-            <a:endParaRPr lang="en-US" altLang="zh-CN" sz="2000">
-              <a:latin typeface="宋体" panose="02010600030101010101" pitchFamily="2" charset="-122"/>
-              <a:cs typeface="宋体" panose="02010600030101010101" pitchFamily="2" charset="-122"/>
-            </a:endParaRPr>
           </a:p>
           <a:p>
             <a:endParaRPr lang="en-US" altLang="zh-CN" sz="2000">
@@ -41282,10 +41257,6 @@
               </a:rPr>
               <a:t>    但是游戏通过更加人性化的处理，会通过局势改变士兵士气从而对一方士兵属性进行增幅或者减弱。比如当士兵被敌方兵力包围时士气会下降，当己方国王被诛杀时敌方全体兵种攻击力增幅等等。士兵的移动力也会因为地形关系而减小。</a:t>
             </a:r>
-            <a:endParaRPr lang="en-US" altLang="zh-CN" sz="2000">
-              <a:latin typeface="宋体" panose="02010600030101010101" pitchFamily="2" charset="-122"/>
-              <a:cs typeface="宋体" panose="02010600030101010101" pitchFamily="2" charset="-122"/>
-            </a:endParaRPr>
           </a:p>
           <a:p>
             <a:endParaRPr lang="en-US" altLang="zh-CN" sz="2000">
@@ -41301,10 +41272,6 @@
               </a:rPr>
               <a:t>    会根据后期情况考虑是否加入“由于战局因素产生‘叛乱’、‘内乱’、‘第三方势力’等情况”的变化，使得沙盘游戏更加人性化、现实化。</a:t>
             </a:r>
-            <a:endParaRPr lang="en-US" altLang="zh-CN" sz="2000">
-              <a:latin typeface="宋体" panose="02010600030101010101" pitchFamily="2" charset="-122"/>
-              <a:cs typeface="宋体" panose="02010600030101010101" pitchFamily="2" charset="-122"/>
-            </a:endParaRPr>
           </a:p>
           <a:p>
             <a:endParaRPr lang="en-US" altLang="zh-CN" sz="2000">
@@ -41320,13 +41287,33 @@
               </a:rPr>
               <a:t>    游戏双方以蓝牙联机方式进行匹配对战，游戏界面为2D动画表现形式。攻击过程将浮现角色攻击形式立绘、尽量实现两方同时进行PV操作，使得游戏过程更加流畅。</a:t>
             </a:r>
-            <a:endParaRPr lang="en-US" altLang="zh-CN" sz="2000">
-              <a:latin typeface="宋体" panose="02010600030101010101" pitchFamily="2" charset="-122"/>
-              <a:cs typeface="宋体" panose="02010600030101010101" pitchFamily="2" charset="-122"/>
-            </a:endParaRPr>
           </a:p>
         </p:txBody>
       </p:sp>
+      <p:pic>
+        <p:nvPicPr>
+          <p:cNvPr id="2" name="图片 1" descr="TIM图片20180330150438"/>
+          <p:cNvPicPr>
+            <a:picLocks noChangeAspect="1"/>
+          </p:cNvPicPr>
+          <p:nvPr/>
+        </p:nvPicPr>
+        <p:blipFill>
+          <a:blip r:embed="rId3"/>
+          <a:stretch>
+            <a:fillRect/>
+          </a:stretch>
+        </p:blipFill>
+        <p:spPr>
+          <a:xfrm>
+            <a:off x="11116945" y="67310"/>
+            <a:ext cx="905510" cy="1015365"/>
+          </a:xfrm>
+          <a:prstGeom prst="rect">
+            <a:avLst/>
+          </a:prstGeom>
+        </p:spPr>
+      </p:pic>
     </p:spTree>
   </p:cSld>
   <p:clrMapOvr>
@@ -41830,13 +41817,6 @@
               </a:rPr>
               <a:t>项目介绍</a:t>
             </a:r>
-            <a:endParaRPr lang="zh-CN" sz="2800" spc="120" dirty="0">
-              <a:solidFill>
-                <a:srgbClr val="FFFFFF"/>
-              </a:solidFill>
-              <a:latin typeface="微软雅黑" panose="020B0503020204020204" pitchFamily="34" charset="-122"/>
-              <a:ea typeface="微软雅黑" panose="020B0503020204020204" pitchFamily="34" charset="-122"/>
-            </a:endParaRPr>
           </a:p>
         </p:txBody>
       </p:sp>
@@ -41873,6 +41853,7 @@
         </p:style>
         <p:txBody>
           <a:bodyPr rtlCol="0" anchor="ctr"/>
+          <a:lstStyle/>
           <a:p>
             <a:pPr algn="ctr"/>
             <a:endParaRPr lang="zh-CN" altLang="en-US"/>
@@ -41912,6 +41893,7 @@
         </p:style>
         <p:txBody>
           <a:bodyPr rtlCol="0" anchor="ctr"/>
+          <a:lstStyle/>
           <a:p>
             <a:pPr algn="ctr"/>
             <a:endParaRPr lang="zh-CN" altLang="en-US"/>
@@ -41951,6 +41933,7 @@
         </p:style>
         <p:txBody>
           <a:bodyPr rtlCol="0" anchor="ctr"/>
+          <a:lstStyle/>
           <a:p>
             <a:pPr algn="ctr"/>
             <a:endParaRPr lang="zh-CN" altLang="en-US"/>
@@ -41990,6 +41973,7 @@
         </p:style>
         <p:txBody>
           <a:bodyPr rtlCol="0" anchor="ctr"/>
+          <a:lstStyle/>
           <a:p>
             <a:pPr algn="ctr"/>
             <a:endParaRPr lang="zh-CN" altLang="en-US"/>
@@ -42029,6 +42013,7 @@
         </p:style>
         <p:txBody>
           <a:bodyPr rtlCol="0" anchor="ctr"/>
+          <a:lstStyle/>
           <a:p>
             <a:pPr algn="ctr"/>
             <a:endParaRPr lang="zh-CN" altLang="en-US"/>
@@ -42068,6 +42053,7 @@
         </p:style>
         <p:txBody>
           <a:bodyPr rtlCol="0" anchor="ctr"/>
+          <a:lstStyle/>
           <a:p>
             <a:pPr algn="ctr"/>
             <a:endParaRPr lang="zh-CN" altLang="en-US"/>
@@ -42107,6 +42093,7 @@
         </p:style>
         <p:txBody>
           <a:bodyPr rtlCol="0" anchor="ctr"/>
+          <a:lstStyle/>
           <a:p>
             <a:pPr algn="ctr"/>
             <a:endParaRPr lang="zh-CN" altLang="en-US"/>
@@ -42146,6 +42133,7 @@
         </p:style>
         <p:txBody>
           <a:bodyPr rtlCol="0" anchor="ctr"/>
+          <a:lstStyle/>
           <a:p>
             <a:pPr algn="ctr"/>
             <a:endParaRPr lang="zh-CN" altLang="en-US"/>
@@ -42185,6 +42173,7 @@
         </p:style>
         <p:txBody>
           <a:bodyPr rtlCol="0" anchor="ctr"/>
+          <a:lstStyle/>
           <a:p>
             <a:pPr algn="ctr"/>
             <a:endParaRPr lang="zh-CN" altLang="en-US"/>
@@ -42224,6 +42213,7 @@
         </p:style>
         <p:txBody>
           <a:bodyPr rtlCol="0" anchor="ctr"/>
+          <a:lstStyle/>
           <a:p>
             <a:pPr algn="ctr"/>
             <a:endParaRPr lang="zh-CN" altLang="en-US"/>
@@ -42263,6 +42253,7 @@
         </p:style>
         <p:txBody>
           <a:bodyPr rtlCol="0" anchor="ctr"/>
+          <a:lstStyle/>
           <a:p>
             <a:pPr algn="ctr"/>
             <a:endParaRPr lang="zh-CN" altLang="en-US"/>
@@ -42302,6 +42293,7 @@
         </p:style>
         <p:txBody>
           <a:bodyPr rtlCol="0" anchor="ctr"/>
+          <a:lstStyle/>
           <a:p>
             <a:pPr algn="ctr"/>
             <a:endParaRPr lang="zh-CN" altLang="en-US"/>
@@ -42341,6 +42333,7 @@
         </p:style>
         <p:txBody>
           <a:bodyPr rtlCol="0" anchor="ctr"/>
+          <a:lstStyle/>
           <a:p>
             <a:pPr algn="ctr"/>
             <a:endParaRPr lang="zh-CN" altLang="en-US"/>
@@ -42380,6 +42373,7 @@
         </p:style>
         <p:txBody>
           <a:bodyPr rtlCol="0" anchor="ctr"/>
+          <a:lstStyle/>
           <a:p>
             <a:pPr algn="ctr"/>
             <a:endParaRPr lang="zh-CN" altLang="en-US"/>
@@ -42419,6 +42413,7 @@
         </p:style>
         <p:txBody>
           <a:bodyPr rtlCol="0" anchor="ctr"/>
+          <a:lstStyle/>
           <a:p>
             <a:pPr algn="ctr"/>
             <a:endParaRPr lang="zh-CN" altLang="en-US"/>
@@ -42458,6 +42453,7 @@
         </p:style>
         <p:txBody>
           <a:bodyPr rtlCol="0" anchor="ctr"/>
+          <a:lstStyle/>
           <a:p>
             <a:pPr algn="ctr"/>
             <a:endParaRPr lang="zh-CN" altLang="en-US"/>
@@ -42497,6 +42493,7 @@
         </p:style>
         <p:txBody>
           <a:bodyPr rtlCol="0" anchor="ctr"/>
+          <a:lstStyle/>
           <a:p>
             <a:pPr algn="ctr"/>
             <a:endParaRPr lang="zh-CN" altLang="en-US"/>
@@ -42536,6 +42533,7 @@
         </p:style>
         <p:txBody>
           <a:bodyPr rtlCol="0" anchor="ctr"/>
+          <a:lstStyle/>
           <a:p>
             <a:pPr algn="ctr"/>
             <a:endParaRPr lang="zh-CN" altLang="en-US"/>
@@ -42575,6 +42573,7 @@
         </p:style>
         <p:txBody>
           <a:bodyPr rtlCol="0" anchor="ctr"/>
+          <a:lstStyle/>
           <a:p>
             <a:pPr algn="ctr"/>
             <a:endParaRPr lang="zh-CN" altLang="en-US"/>
@@ -42614,6 +42613,7 @@
         </p:style>
         <p:txBody>
           <a:bodyPr rtlCol="0" anchor="ctr"/>
+          <a:lstStyle/>
           <a:p>
             <a:pPr algn="ctr"/>
             <a:endParaRPr lang="zh-CN" altLang="en-US"/>
@@ -42666,6 +42666,7 @@
         </p:style>
         <p:txBody>
           <a:bodyPr rtlCol="0" anchor="ctr"/>
+          <a:lstStyle/>
           <a:p>
             <a:pPr algn="ctr"/>
             <a:endParaRPr lang="zh-CN" altLang="en-US"/>
@@ -42718,6 +42719,7 @@
         </p:style>
         <p:txBody>
           <a:bodyPr rtlCol="0" anchor="ctr"/>
+          <a:lstStyle/>
           <a:p>
             <a:pPr algn="ctr"/>
             <a:endParaRPr lang="zh-CN" altLang="en-US"/>
@@ -42770,6 +42772,7 @@
         </p:style>
         <p:txBody>
           <a:bodyPr rtlCol="0" anchor="ctr"/>
+          <a:lstStyle/>
           <a:p>
             <a:pPr algn="ctr"/>
             <a:endParaRPr lang="zh-CN" altLang="en-US"/>
@@ -42822,6 +42825,7 @@
         </p:style>
         <p:txBody>
           <a:bodyPr rtlCol="0" anchor="ctr"/>
+          <a:lstStyle/>
           <a:p>
             <a:pPr algn="ctr"/>
             <a:endParaRPr lang="zh-CN" altLang="en-US"/>
@@ -42874,6 +42878,7 @@
         </p:style>
         <p:txBody>
           <a:bodyPr rtlCol="0" anchor="ctr"/>
+          <a:lstStyle/>
           <a:p>
             <a:pPr algn="ctr"/>
             <a:endParaRPr lang="zh-CN" altLang="en-US"/>
@@ -42926,6 +42931,7 @@
         </p:style>
         <p:txBody>
           <a:bodyPr rtlCol="0" anchor="ctr"/>
+          <a:lstStyle/>
           <a:p>
             <a:pPr algn="ctr"/>
             <a:endParaRPr lang="zh-CN" altLang="en-US"/>
@@ -42978,6 +42984,7 @@
         </p:style>
         <p:txBody>
           <a:bodyPr rtlCol="0" anchor="ctr"/>
+          <a:lstStyle/>
           <a:p>
             <a:pPr algn="ctr"/>
             <a:endParaRPr lang="zh-CN" altLang="en-US"/>
@@ -43030,6 +43037,7 @@
         </p:style>
         <p:txBody>
           <a:bodyPr rtlCol="0" anchor="ctr"/>
+          <a:lstStyle/>
           <a:p>
             <a:pPr algn="ctr"/>
             <a:endParaRPr lang="zh-CN" altLang="en-US"/>
@@ -43082,6 +43090,7 @@
         </p:style>
         <p:txBody>
           <a:bodyPr rtlCol="0" anchor="ctr"/>
+          <a:lstStyle/>
           <a:p>
             <a:pPr algn="ctr"/>
             <a:endParaRPr lang="zh-CN" altLang="en-US"/>
@@ -43134,6 +43143,7 @@
         </p:style>
         <p:txBody>
           <a:bodyPr rtlCol="0" anchor="ctr"/>
+          <a:lstStyle/>
           <a:p>
             <a:pPr algn="ctr"/>
             <a:endParaRPr lang="zh-CN" altLang="en-US"/>
@@ -43186,6 +43196,7 @@
         </p:style>
         <p:txBody>
           <a:bodyPr rtlCol="0" anchor="ctr"/>
+          <a:lstStyle/>
           <a:p>
             <a:pPr algn="ctr"/>
             <a:endParaRPr lang="zh-CN" altLang="en-US"/>
@@ -43225,6 +43236,7 @@
         </p:style>
         <p:txBody>
           <a:bodyPr rtlCol="0" anchor="ctr"/>
+          <a:lstStyle/>
           <a:p>
             <a:pPr algn="ctr"/>
             <a:endParaRPr lang="zh-CN" altLang="en-US"/>
@@ -43264,6 +43276,7 @@
         </p:style>
         <p:txBody>
           <a:bodyPr rtlCol="0" anchor="ctr"/>
+          <a:lstStyle/>
           <a:p>
             <a:pPr algn="ctr"/>
             <a:endParaRPr lang="zh-CN" altLang="en-US"/>
@@ -43303,6 +43316,7 @@
         </p:style>
         <p:txBody>
           <a:bodyPr rtlCol="0" anchor="ctr"/>
+          <a:lstStyle/>
           <a:p>
             <a:pPr algn="ctr"/>
             <a:endParaRPr lang="zh-CN" altLang="en-US"/>
@@ -43342,6 +43356,7 @@
         </p:style>
         <p:txBody>
           <a:bodyPr rtlCol="0" anchor="ctr"/>
+          <a:lstStyle/>
           <a:p>
             <a:pPr algn="ctr"/>
             <a:endParaRPr lang="zh-CN" altLang="en-US"/>
@@ -43381,6 +43396,7 @@
         </p:style>
         <p:txBody>
           <a:bodyPr rtlCol="0" anchor="ctr"/>
+          <a:lstStyle/>
           <a:p>
             <a:pPr algn="ctr"/>
             <a:endParaRPr lang="zh-CN" altLang="en-US"/>
@@ -43420,6 +43436,7 @@
         </p:style>
         <p:txBody>
           <a:bodyPr rtlCol="0" anchor="ctr"/>
+          <a:lstStyle/>
           <a:p>
             <a:pPr algn="ctr"/>
             <a:endParaRPr lang="zh-CN" altLang="en-US"/>
@@ -43459,6 +43476,7 @@
         </p:style>
         <p:txBody>
           <a:bodyPr rtlCol="0" anchor="ctr"/>
+          <a:lstStyle/>
           <a:p>
             <a:pPr algn="ctr"/>
             <a:endParaRPr lang="zh-CN" altLang="en-US"/>
@@ -43498,6 +43516,7 @@
         </p:style>
         <p:txBody>
           <a:bodyPr rtlCol="0" anchor="ctr"/>
+          <a:lstStyle/>
           <a:p>
             <a:pPr algn="ctr"/>
             <a:endParaRPr lang="zh-CN" altLang="en-US"/>
@@ -43537,6 +43556,7 @@
         </p:style>
         <p:txBody>
           <a:bodyPr rtlCol="0" anchor="ctr"/>
+          <a:lstStyle/>
           <a:p>
             <a:pPr algn="ctr"/>
             <a:endParaRPr lang="zh-CN" altLang="en-US"/>
@@ -43576,6 +43596,7 @@
         </p:style>
         <p:txBody>
           <a:bodyPr rtlCol="0" anchor="ctr"/>
+          <a:lstStyle/>
           <a:p>
             <a:pPr algn="ctr"/>
             <a:endParaRPr lang="zh-CN" altLang="en-US"/>
@@ -43615,6 +43636,7 @@
         </p:style>
         <p:txBody>
           <a:bodyPr rtlCol="0" anchor="ctr"/>
+          <a:lstStyle/>
           <a:p>
             <a:pPr algn="ctr"/>
             <a:endParaRPr lang="zh-CN" altLang="en-US"/>
@@ -43654,6 +43676,7 @@
         </p:style>
         <p:txBody>
           <a:bodyPr rtlCol="0" anchor="ctr"/>
+          <a:lstStyle/>
           <a:p>
             <a:pPr algn="ctr"/>
             <a:endParaRPr lang="zh-CN" altLang="en-US"/>
@@ -43693,6 +43716,7 @@
         </p:style>
         <p:txBody>
           <a:bodyPr rtlCol="0" anchor="ctr"/>
+          <a:lstStyle/>
           <a:p>
             <a:pPr algn="ctr"/>
             <a:endParaRPr lang="zh-CN" altLang="en-US"/>
@@ -43732,6 +43756,7 @@
         </p:style>
         <p:txBody>
           <a:bodyPr rtlCol="0" anchor="ctr"/>
+          <a:lstStyle/>
           <a:p>
             <a:pPr algn="ctr"/>
             <a:endParaRPr lang="zh-CN" altLang="en-US"/>
@@ -43771,6 +43796,7 @@
         </p:style>
         <p:txBody>
           <a:bodyPr rtlCol="0" anchor="ctr"/>
+          <a:lstStyle/>
           <a:p>
             <a:pPr algn="ctr"/>
             <a:endParaRPr lang="zh-CN" altLang="en-US"/>
@@ -43810,6 +43836,7 @@
         </p:style>
         <p:txBody>
           <a:bodyPr rtlCol="0" anchor="ctr"/>
+          <a:lstStyle/>
           <a:p>
             <a:pPr algn="ctr"/>
             <a:endParaRPr lang="zh-CN" altLang="en-US"/>
@@ -43849,6 +43876,7 @@
         </p:style>
         <p:txBody>
           <a:bodyPr rtlCol="0" anchor="ctr"/>
+          <a:lstStyle/>
           <a:p>
             <a:pPr algn="ctr"/>
             <a:endParaRPr lang="zh-CN" altLang="en-US"/>
@@ -43888,6 +43916,7 @@
         </p:style>
         <p:txBody>
           <a:bodyPr rtlCol="0" anchor="ctr"/>
+          <a:lstStyle/>
           <a:p>
             <a:pPr algn="ctr"/>
             <a:endParaRPr lang="zh-CN" altLang="en-US"/>
@@ -43927,6 +43956,7 @@
         </p:style>
         <p:txBody>
           <a:bodyPr rtlCol="0" anchor="ctr"/>
+          <a:lstStyle/>
           <a:p>
             <a:pPr algn="ctr"/>
             <a:endParaRPr lang="zh-CN" altLang="en-US"/>
@@ -43966,6 +43996,7 @@
         </p:style>
         <p:txBody>
           <a:bodyPr rtlCol="0" anchor="ctr"/>
+          <a:lstStyle/>
           <a:p>
             <a:pPr algn="ctr"/>
             <a:endParaRPr lang="zh-CN" altLang="en-US"/>
@@ -44005,6 +44036,7 @@
         </p:style>
         <p:txBody>
           <a:bodyPr rtlCol="0" anchor="ctr"/>
+          <a:lstStyle/>
           <a:p>
             <a:pPr algn="ctr"/>
             <a:endParaRPr lang="zh-CN" altLang="en-US"/>
@@ -44044,6 +44076,7 @@
         </p:style>
         <p:txBody>
           <a:bodyPr rtlCol="0" anchor="ctr"/>
+          <a:lstStyle/>
           <a:p>
             <a:pPr algn="ctr"/>
             <a:endParaRPr lang="zh-CN" altLang="en-US"/>
@@ -44083,6 +44116,7 @@
         </p:style>
         <p:txBody>
           <a:bodyPr rtlCol="0" anchor="ctr"/>
+          <a:lstStyle/>
           <a:p>
             <a:pPr algn="ctr"/>
             <a:endParaRPr lang="zh-CN" altLang="en-US"/>
@@ -44122,6 +44156,7 @@
         </p:style>
         <p:txBody>
           <a:bodyPr rtlCol="0" anchor="ctr"/>
+          <a:lstStyle/>
           <a:p>
             <a:pPr algn="ctr"/>
             <a:endParaRPr lang="zh-CN" altLang="en-US"/>
@@ -44161,6 +44196,7 @@
         </p:style>
         <p:txBody>
           <a:bodyPr rtlCol="0" anchor="ctr"/>
+          <a:lstStyle/>
           <a:p>
             <a:pPr algn="ctr"/>
             <a:endParaRPr lang="zh-CN" altLang="en-US"/>
@@ -44200,6 +44236,7 @@
         </p:style>
         <p:txBody>
           <a:bodyPr rtlCol="0" anchor="ctr"/>
+          <a:lstStyle/>
           <a:p>
             <a:pPr algn="ctr"/>
             <a:endParaRPr lang="zh-CN" altLang="en-US"/>
@@ -44239,6 +44276,7 @@
         </p:style>
         <p:txBody>
           <a:bodyPr rtlCol="0" anchor="ctr"/>
+          <a:lstStyle/>
           <a:p>
             <a:pPr algn="ctr"/>
             <a:endParaRPr lang="zh-CN" altLang="en-US"/>
@@ -44278,6 +44316,7 @@
         </p:style>
         <p:txBody>
           <a:bodyPr rtlCol="0" anchor="ctr"/>
+          <a:lstStyle/>
           <a:p>
             <a:pPr algn="ctr"/>
             <a:endParaRPr lang="zh-CN" altLang="en-US"/>
@@ -44317,6 +44356,7 @@
         </p:style>
         <p:txBody>
           <a:bodyPr rtlCol="0" anchor="ctr"/>
+          <a:lstStyle/>
           <a:p>
             <a:pPr algn="ctr"/>
             <a:endParaRPr lang="zh-CN" altLang="en-US"/>
@@ -44356,6 +44396,7 @@
         </p:style>
         <p:txBody>
           <a:bodyPr rtlCol="0" anchor="ctr"/>
+          <a:lstStyle/>
           <a:p>
             <a:pPr algn="ctr"/>
             <a:endParaRPr lang="zh-CN" altLang="en-US"/>
@@ -44407,6 +44448,7 @@
         </p:style>
         <p:txBody>
           <a:bodyPr rtlCol="0" anchor="ctr"/>
+          <a:lstStyle/>
           <a:p>
             <a:pPr algn="ctr"/>
             <a:endParaRPr lang="zh-CN" altLang="en-US"/>
@@ -44458,6 +44500,7 @@
         </p:style>
         <p:txBody>
           <a:bodyPr rtlCol="0" anchor="ctr"/>
+          <a:lstStyle/>
           <a:p>
             <a:pPr algn="ctr"/>
             <a:endParaRPr lang="zh-CN" altLang="en-US"/>
@@ -44505,6 +44548,7 @@
         </p:style>
         <p:txBody>
           <a:bodyPr rtlCol="0" anchor="ctr"/>
+          <a:lstStyle/>
           <a:p>
             <a:pPr algn="ctr"/>
             <a:endParaRPr lang="zh-CN" altLang="en-US"/>
@@ -44556,6 +44600,7 @@
         </p:style>
         <p:txBody>
           <a:bodyPr rtlCol="0" anchor="ctr"/>
+          <a:lstStyle/>
           <a:p>
             <a:pPr algn="ctr"/>
             <a:endParaRPr lang="zh-CN" altLang="en-US"/>
@@ -44607,6 +44652,7 @@
         </p:style>
         <p:txBody>
           <a:bodyPr rtlCol="0" anchor="ctr"/>
+          <a:lstStyle/>
           <a:p>
             <a:pPr algn="ctr"/>
             <a:endParaRPr lang="zh-CN" altLang="en-US"/>
@@ -44811,12 +44857,12 @@
           <a:bodyPr wrap="square" rtlCol="0">
             <a:spAutoFit/>
           </a:bodyPr>
+          <a:lstStyle/>
           <a:p>
             <a:r>
               <a:rPr lang="zh-CN" altLang="en-US"/>
               <a:t>移动路线</a:t>
             </a:r>
-            <a:endParaRPr lang="zh-CN" altLang="en-US"/>
           </a:p>
         </p:txBody>
       </p:sp>
@@ -44840,15 +44886,39 @@
           <a:bodyPr wrap="square" rtlCol="0">
             <a:spAutoFit/>
           </a:bodyPr>
+          <a:lstStyle/>
           <a:p>
             <a:r>
               <a:rPr lang="zh-CN" altLang="en-US"/>
               <a:t>攻击路线</a:t>
             </a:r>
-            <a:endParaRPr lang="zh-CN" altLang="en-US"/>
           </a:p>
         </p:txBody>
       </p:sp>
+      <p:pic>
+        <p:nvPicPr>
+          <p:cNvPr id="78" name="图片 77" descr="TIM图片20180330150438"/>
+          <p:cNvPicPr>
+            <a:picLocks noChangeAspect="1"/>
+          </p:cNvPicPr>
+          <p:nvPr/>
+        </p:nvPicPr>
+        <p:blipFill>
+          <a:blip r:embed="rId3"/>
+          <a:stretch>
+            <a:fillRect/>
+          </a:stretch>
+        </p:blipFill>
+        <p:spPr>
+          <a:xfrm>
+            <a:off x="11116945" y="67310"/>
+            <a:ext cx="905510" cy="1015365"/>
+          </a:xfrm>
+          <a:prstGeom prst="rect">
+            <a:avLst/>
+          </a:prstGeom>
+        </p:spPr>
+      </p:pic>
     </p:spTree>
   </p:cSld>
   <p:clrMapOvr>
@@ -45352,13 +45422,6 @@
               </a:rPr>
               <a:t>工作内容</a:t>
             </a:r>
-            <a:endParaRPr lang="zh-CN" sz="2800" spc="120" dirty="0">
-              <a:solidFill>
-                <a:srgbClr val="FFFFFF"/>
-              </a:solidFill>
-              <a:latin typeface="微软雅黑" panose="020B0503020204020204" pitchFamily="34" charset="-122"/>
-              <a:ea typeface="微软雅黑" panose="020B0503020204020204" pitchFamily="34" charset="-122"/>
-            </a:endParaRPr>
           </a:p>
         </p:txBody>
       </p:sp>
@@ -45385,6 +45448,7 @@
           <a:bodyPr wrap="square" anchor="t">
             <a:spAutoFit/>
           </a:bodyPr>
+          <a:lstStyle/>
           <a:p>
             <a:pPr algn="just">
               <a:lnSpc>
@@ -45416,14 +45480,6 @@
               </a:rPr>
               <a:t>制作及修订项目计划</a:t>
             </a:r>
-            <a:endParaRPr lang="zh-CN" altLang="en-US" sz="2400" dirty="0">
-              <a:solidFill>
-                <a:schemeClr val="tx1"/>
-              </a:solidFill>
-              <a:latin typeface="微软雅黑" panose="020B0503020204020204" pitchFamily="34" charset="-122"/>
-              <a:ea typeface="微软雅黑" panose="020B0503020204020204" pitchFamily="34" charset="-122"/>
-              <a:sym typeface="微软雅黑" panose="020B0503020204020204" pitchFamily="34" charset="-122"/>
-            </a:endParaRPr>
           </a:p>
           <a:p>
             <a:pPr algn="just">
@@ -45467,14 +45523,6 @@
               </a:rPr>
               <a:t>制作可行性分析报告                      </a:t>
             </a:r>
-            <a:endParaRPr lang="zh-CN" altLang="en-US" sz="2400" dirty="0">
-              <a:solidFill>
-                <a:schemeClr val="tx1"/>
-              </a:solidFill>
-              <a:latin typeface="微软雅黑" panose="020B0503020204020204" pitchFamily="34" charset="-122"/>
-              <a:ea typeface="微软雅黑" panose="020B0503020204020204" pitchFamily="34" charset="-122"/>
-              <a:sym typeface="微软雅黑" panose="020B0503020204020204" pitchFamily="34" charset="-122"/>
-            </a:endParaRPr>
           </a:p>
           <a:p>
             <a:pPr algn="just">
@@ -45518,14 +45566,6 @@
               </a:rPr>
               <a:t>制作及修订软件需求说明书</a:t>
             </a:r>
-            <a:endParaRPr lang="zh-CN" altLang="en-US" sz="2400" dirty="0">
-              <a:solidFill>
-                <a:schemeClr val="tx1"/>
-              </a:solidFill>
-              <a:latin typeface="微软雅黑" panose="020B0503020204020204" pitchFamily="34" charset="-122"/>
-              <a:ea typeface="微软雅黑" panose="020B0503020204020204" pitchFamily="34" charset="-122"/>
-              <a:sym typeface="微软雅黑" panose="020B0503020204020204" pitchFamily="34" charset="-122"/>
-            </a:endParaRPr>
           </a:p>
           <a:p>
             <a:pPr algn="just">
@@ -45569,14 +45609,6 @@
               </a:rPr>
               <a:t>进行软件需求的调查</a:t>
             </a:r>
-            <a:endParaRPr lang="zh-CN" altLang="en-US" sz="2400" dirty="0">
-              <a:solidFill>
-                <a:schemeClr val="tx1"/>
-              </a:solidFill>
-              <a:latin typeface="微软雅黑" panose="020B0503020204020204" pitchFamily="34" charset="-122"/>
-              <a:ea typeface="微软雅黑" panose="020B0503020204020204" pitchFamily="34" charset="-122"/>
-              <a:sym typeface="微软雅黑" panose="020B0503020204020204" pitchFamily="34" charset="-122"/>
-            </a:endParaRPr>
           </a:p>
           <a:p>
             <a:pPr algn="just">
@@ -45620,14 +45652,6 @@
               </a:rPr>
               <a:t>制作及修订总体设计报告       </a:t>
             </a:r>
-            <a:endParaRPr lang="zh-CN" altLang="en-US" sz="2400" dirty="0">
-              <a:solidFill>
-                <a:schemeClr val="tx1"/>
-              </a:solidFill>
-              <a:latin typeface="微软雅黑" panose="020B0503020204020204" pitchFamily="34" charset="-122"/>
-              <a:ea typeface="微软雅黑" panose="020B0503020204020204" pitchFamily="34" charset="-122"/>
-              <a:sym typeface="微软雅黑" panose="020B0503020204020204" pitchFamily="34" charset="-122"/>
-            </a:endParaRPr>
           </a:p>
           <a:p>
             <a:pPr algn="just">
@@ -45671,14 +45695,6 @@
               </a:rPr>
               <a:t>制作及修订详细设计报告</a:t>
             </a:r>
-            <a:endParaRPr lang="zh-CN" altLang="en-US" sz="2400" dirty="0">
-              <a:solidFill>
-                <a:schemeClr val="tx1"/>
-              </a:solidFill>
-              <a:latin typeface="微软雅黑" panose="020B0503020204020204" pitchFamily="34" charset="-122"/>
-              <a:ea typeface="微软雅黑" panose="020B0503020204020204" pitchFamily="34" charset="-122"/>
-              <a:sym typeface="微软雅黑" panose="020B0503020204020204" pitchFamily="34" charset="-122"/>
-            </a:endParaRPr>
           </a:p>
           <a:p>
             <a:pPr algn="just">
@@ -45700,14 +45716,6 @@
               </a:rPr>
               <a:t>     </a:t>
             </a:r>
-            <a:endParaRPr lang="zh-CN" altLang="en-US" sz="2400" dirty="0">
-              <a:solidFill>
-                <a:schemeClr val="tx1"/>
-              </a:solidFill>
-              <a:latin typeface="微软雅黑" panose="020B0503020204020204" pitchFamily="34" charset="-122"/>
-              <a:ea typeface="微软雅黑" panose="020B0503020204020204" pitchFamily="34" charset="-122"/>
-              <a:sym typeface="微软雅黑" panose="020B0503020204020204" pitchFamily="34" charset="-122"/>
-            </a:endParaRPr>
           </a:p>
         </p:txBody>
       </p:sp>
@@ -45734,6 +45742,7 @@
           <a:bodyPr wrap="square" anchor="t">
             <a:spAutoFit/>
           </a:bodyPr>
+          <a:lstStyle/>
           <a:p>
             <a:pPr algn="just">
               <a:lnSpc>
@@ -45765,14 +45774,6 @@
               </a:rPr>
               <a:t>后端部署       </a:t>
             </a:r>
-            <a:endParaRPr lang="zh-CN" altLang="en-US" sz="2400" dirty="0">
-              <a:solidFill>
-                <a:schemeClr val="tx1"/>
-              </a:solidFill>
-              <a:latin typeface="微软雅黑" panose="020B0503020204020204" pitchFamily="34" charset="-122"/>
-              <a:ea typeface="微软雅黑" panose="020B0503020204020204" pitchFamily="34" charset="-122"/>
-              <a:sym typeface="微软雅黑" panose="020B0503020204020204" pitchFamily="34" charset="-122"/>
-            </a:endParaRPr>
           </a:p>
           <a:p>
             <a:pPr algn="just">
@@ -45816,14 +45817,6 @@
               </a:rPr>
               <a:t>完成代码清单和测试用例</a:t>
             </a:r>
-            <a:endParaRPr lang="zh-CN" altLang="en-US" sz="2400" dirty="0">
-              <a:solidFill>
-                <a:schemeClr val="tx1"/>
-              </a:solidFill>
-              <a:latin typeface="微软雅黑" panose="020B0503020204020204" pitchFamily="34" charset="-122"/>
-              <a:ea typeface="微软雅黑" panose="020B0503020204020204" pitchFamily="34" charset="-122"/>
-              <a:sym typeface="微软雅黑" panose="020B0503020204020204" pitchFamily="34" charset="-122"/>
-            </a:endParaRPr>
           </a:p>
           <a:p>
             <a:pPr algn="just">
@@ -45867,14 +45860,6 @@
               </a:rPr>
               <a:t>搭设好前端显示界面 </a:t>
             </a:r>
-            <a:endParaRPr lang="zh-CN" altLang="en-US" sz="2400" dirty="0">
-              <a:solidFill>
-                <a:schemeClr val="tx1"/>
-              </a:solidFill>
-              <a:latin typeface="微软雅黑" panose="020B0503020204020204" pitchFamily="34" charset="-122"/>
-              <a:ea typeface="微软雅黑" panose="020B0503020204020204" pitchFamily="34" charset="-122"/>
-              <a:sym typeface="微软雅黑" panose="020B0503020204020204" pitchFamily="34" charset="-122"/>
-            </a:endParaRPr>
           </a:p>
           <a:p>
             <a:pPr algn="just">
@@ -45918,14 +45903,6 @@
               </a:rPr>
               <a:t>制作及修订系统测试报告 </a:t>
             </a:r>
-            <a:endParaRPr lang="zh-CN" altLang="en-US" sz="2400" dirty="0">
-              <a:solidFill>
-                <a:schemeClr val="tx1"/>
-              </a:solidFill>
-              <a:latin typeface="微软雅黑" panose="020B0503020204020204" pitchFamily="34" charset="-122"/>
-              <a:ea typeface="微软雅黑" panose="020B0503020204020204" pitchFamily="34" charset="-122"/>
-              <a:sym typeface="微软雅黑" panose="020B0503020204020204" pitchFamily="34" charset="-122"/>
-            </a:endParaRPr>
           </a:p>
           <a:p>
             <a:pPr algn="just">
@@ -45991,14 +45968,6 @@
               </a:rPr>
               <a:t>等。 </a:t>
             </a:r>
-            <a:endParaRPr lang="zh-CN" altLang="en-US" sz="2400" dirty="0">
-              <a:solidFill>
-                <a:schemeClr val="tx1"/>
-              </a:solidFill>
-              <a:latin typeface="微软雅黑" panose="020B0503020204020204" pitchFamily="34" charset="-122"/>
-              <a:ea typeface="微软雅黑" panose="020B0503020204020204" pitchFamily="34" charset="-122"/>
-              <a:sym typeface="微软雅黑" panose="020B0503020204020204" pitchFamily="34" charset="-122"/>
-            </a:endParaRPr>
           </a:p>
           <a:p>
             <a:pPr algn="just">
@@ -46068,6 +46037,30 @@
           </a:p>
         </p:txBody>
       </p:sp>
+      <p:pic>
+        <p:nvPicPr>
+          <p:cNvPr id="2" name="图片 1" descr="TIM图片20180330150438"/>
+          <p:cNvPicPr>
+            <a:picLocks noChangeAspect="1"/>
+          </p:cNvPicPr>
+          <p:nvPr/>
+        </p:nvPicPr>
+        <p:blipFill>
+          <a:blip r:embed="rId3"/>
+          <a:stretch>
+            <a:fillRect/>
+          </a:stretch>
+        </p:blipFill>
+        <p:spPr>
+          <a:xfrm>
+            <a:off x="11116945" y="67310"/>
+            <a:ext cx="905510" cy="1015365"/>
+          </a:xfrm>
+          <a:prstGeom prst="rect">
+            <a:avLst/>
+          </a:prstGeom>
+        </p:spPr>
+      </p:pic>
     </p:spTree>
   </p:cSld>
   <p:clrMapOvr>
@@ -46553,13 +46546,6 @@
               </a:rPr>
               <a:t>游戏概况</a:t>
             </a:r>
-            <a:endParaRPr lang="zh-CN" altLang="en-US" sz="3200" b="1" kern="0" dirty="0">
-              <a:solidFill>
-                <a:schemeClr val="bg1"/>
-              </a:solidFill>
-              <a:latin typeface="+mn-lt"/>
-              <a:ea typeface="微软雅黑" panose="020B0503020204020204" pitchFamily="34" charset="-122"/>
-            </a:endParaRPr>
           </a:p>
         </p:txBody>
       </p:sp>
@@ -46592,7 +46578,7 @@
           <a:lstStyle/>
           <a:p>
             <a:r>
-              <a:rPr altLang="zh-CN" sz="3200">
+              <a:rPr altLang="zh-CN" sz="3200" dirty="0">
                 <a:latin typeface="黑体" panose="02010609060101010101" charset="-122"/>
                 <a:ea typeface="黑体" panose="02010609060101010101" charset="-122"/>
                 <a:cs typeface="黑体" panose="02010609060101010101" charset="-122"/>
@@ -46600,7 +46586,7 @@
               <a:t>项目名称</a:t>
             </a:r>
             <a:r>
-              <a:rPr lang="zh-CN" sz="3200">
+              <a:rPr lang="zh-CN" sz="3200" dirty="0">
                 <a:latin typeface="黑体" panose="02010609060101010101" charset="-122"/>
                 <a:ea typeface="黑体" panose="02010609060101010101" charset="-122"/>
                 <a:cs typeface="黑体" panose="02010609060101010101" charset="-122"/>
@@ -46608,14 +46594,14 @@
               <a:t>：</a:t>
             </a:r>
             <a:r>
-              <a:rPr altLang="zh-CN" sz="3200">
+              <a:rPr altLang="zh-CN" sz="3200" dirty="0">
                 <a:latin typeface="+mn-lt"/>
                 <a:ea typeface="+mn-lt"/>
                 <a:cs typeface="+mn-lt"/>
               </a:rPr>
               <a:t>基于Android平台的沙盒益智类游戏</a:t>
             </a:r>
-            <a:endParaRPr altLang="zh-CN" sz="3200">
+            <a:endParaRPr altLang="zh-CN" sz="3200" dirty="0">
               <a:latin typeface="黑体" panose="02010609060101010101" charset="-122"/>
               <a:ea typeface="黑体" panose="02010609060101010101" charset="-122"/>
               <a:cs typeface="黑体" panose="02010609060101010101" charset="-122"/>
@@ -46623,7 +46609,7 @@
           </a:p>
           <a:p>
             <a:r>
-              <a:rPr altLang="zh-CN" sz="3200">
+              <a:rPr altLang="zh-CN" sz="3200" dirty="0">
                 <a:latin typeface="黑体" panose="02010609060101010101" charset="-122"/>
                 <a:ea typeface="黑体" panose="02010609060101010101" charset="-122"/>
                 <a:cs typeface="黑体" panose="02010609060101010101" charset="-122"/>
@@ -46631,7 +46617,7 @@
               <a:t>行业</a:t>
             </a:r>
             <a:r>
-              <a:rPr lang="zh-CN" sz="3200">
+              <a:rPr lang="zh-CN" sz="3200" dirty="0">
                 <a:latin typeface="黑体" panose="02010609060101010101" charset="-122"/>
                 <a:ea typeface="黑体" panose="02010609060101010101" charset="-122"/>
                 <a:cs typeface="黑体" panose="02010609060101010101" charset="-122"/>
@@ -46639,14 +46625,14 @@
               <a:t>：</a:t>
             </a:r>
             <a:r>
-              <a:rPr altLang="zh-CN" sz="3200">
+              <a:rPr altLang="zh-CN" sz="3200" dirty="0">
                 <a:latin typeface="+mn-lt"/>
                 <a:ea typeface="+mn-lt"/>
                 <a:cs typeface="黑体" panose="02010609060101010101" charset="-122"/>
               </a:rPr>
               <a:t>手机游戏</a:t>
             </a:r>
-            <a:endParaRPr altLang="zh-CN" sz="3200">
+            <a:endParaRPr altLang="zh-CN" sz="3200" dirty="0">
               <a:latin typeface="黑体" panose="02010609060101010101" charset="-122"/>
               <a:ea typeface="黑体" panose="02010609060101010101" charset="-122"/>
               <a:cs typeface="黑体" panose="02010609060101010101" charset="-122"/>
@@ -46654,7 +46640,7 @@
           </a:p>
           <a:p>
             <a:r>
-              <a:rPr altLang="zh-CN" sz="3200">
+              <a:rPr altLang="zh-CN" sz="3200" dirty="0">
                 <a:latin typeface="黑体" panose="02010609060101010101" charset="-122"/>
                 <a:ea typeface="黑体" panose="02010609060101010101" charset="-122"/>
                 <a:cs typeface="黑体" panose="02010609060101010101" charset="-122"/>
@@ -46662,7 +46648,7 @@
               <a:t>架构类型</a:t>
             </a:r>
             <a:r>
-              <a:rPr lang="zh-CN" sz="3200">
+              <a:rPr lang="zh-CN" sz="3200" dirty="0">
                 <a:latin typeface="黑体" panose="02010609060101010101" charset="-122"/>
                 <a:ea typeface="黑体" panose="02010609060101010101" charset="-122"/>
                 <a:cs typeface="黑体" panose="02010609060101010101" charset="-122"/>
@@ -46670,14 +46656,14 @@
               <a:t>：</a:t>
             </a:r>
             <a:r>
-              <a:rPr altLang="zh-CN" sz="3200">
+              <a:rPr altLang="zh-CN" sz="3200" dirty="0">
                 <a:latin typeface="+mn-lt"/>
                 <a:ea typeface="+mn-lt"/>
                 <a:cs typeface="+mn-lt"/>
               </a:rPr>
               <a:t>Android游戏应用</a:t>
             </a:r>
-            <a:endParaRPr altLang="zh-CN" sz="3200">
+            <a:endParaRPr altLang="zh-CN" sz="3200" dirty="0">
               <a:latin typeface="黑体" panose="02010609060101010101" charset="-122"/>
               <a:ea typeface="黑体" panose="02010609060101010101" charset="-122"/>
               <a:cs typeface="黑体" panose="02010609060101010101" charset="-122"/>
@@ -46685,7 +46671,7 @@
           </a:p>
           <a:p>
             <a:r>
-              <a:rPr altLang="zh-CN" sz="3200">
+              <a:rPr altLang="zh-CN" sz="3200" dirty="0">
                 <a:latin typeface="黑体" panose="02010609060101010101" charset="-122"/>
                 <a:ea typeface="黑体" panose="02010609060101010101" charset="-122"/>
                 <a:cs typeface="黑体" panose="02010609060101010101" charset="-122"/>
@@ -46693,7 +46679,7 @@
               <a:t>开发技术</a:t>
             </a:r>
             <a:r>
-              <a:rPr lang="zh-CN" sz="3200">
+              <a:rPr lang="zh-CN" sz="3200" dirty="0">
                 <a:latin typeface="黑体" panose="02010609060101010101" charset="-122"/>
                 <a:ea typeface="黑体" panose="02010609060101010101" charset="-122"/>
                 <a:cs typeface="黑体" panose="02010609060101010101" charset="-122"/>
@@ -46701,14 +46687,38 @@
               <a:t>：</a:t>
             </a:r>
             <a:r>
+              <a:rPr altLang="zh-CN" sz="3200" dirty="0">
+                <a:latin typeface="+mn-lt"/>
+                <a:ea typeface="+mn-lt"/>
+                <a:cs typeface="+mn-lt"/>
+              </a:rPr>
+              <a:t>Cocos2d-x引擎、SQL</a:t>
+            </a:r>
+            <a:r>
               <a:rPr altLang="zh-CN" sz="3200">
                 <a:latin typeface="+mn-lt"/>
                 <a:ea typeface="+mn-lt"/>
                 <a:cs typeface="+mn-lt"/>
               </a:rPr>
-              <a:t>Cocos2d-x引擎、SQL数据库、java、c++、Android SDK</a:t>
+              <a:t>数据库</a:t>
             </a:r>
-            <a:endParaRPr altLang="zh-CN" sz="3200">
+            <a:r>
+              <a:rPr altLang="zh-CN" sz="3200" smtClean="0">
+                <a:latin typeface="+mn-lt"/>
+                <a:ea typeface="+mn-lt"/>
+                <a:cs typeface="+mn-lt"/>
+              </a:rPr>
+              <a:t>、c</a:t>
+            </a:r>
+            <a:r>
+              <a:rPr altLang="zh-CN" sz="3200" dirty="0">
+                <a:latin typeface="+mn-lt"/>
+                <a:ea typeface="+mn-lt"/>
+                <a:cs typeface="+mn-lt"/>
+              </a:rPr>
+              <a:t>++、Android SDK</a:t>
+            </a:r>
+            <a:endParaRPr altLang="zh-CN" sz="3200" dirty="0">
               <a:latin typeface="黑体" panose="02010609060101010101" charset="-122"/>
               <a:ea typeface="黑体" panose="02010609060101010101" charset="-122"/>
               <a:cs typeface="黑体" panose="02010609060101010101" charset="-122"/>
@@ -46716,7 +46726,7 @@
           </a:p>
           <a:p>
             <a:r>
-              <a:rPr altLang="zh-CN" sz="3200">
+              <a:rPr altLang="zh-CN" sz="3200" dirty="0">
                 <a:latin typeface="黑体" panose="02010609060101010101" charset="-122"/>
                 <a:ea typeface="黑体" panose="02010609060101010101" charset="-122"/>
                 <a:cs typeface="黑体" panose="02010609060101010101" charset="-122"/>
@@ -46724,7 +46734,7 @@
               <a:t>规模</a:t>
             </a:r>
             <a:r>
-              <a:rPr lang="zh-CN" sz="3200">
+              <a:rPr lang="zh-CN" sz="3200" dirty="0">
                 <a:latin typeface="黑体" panose="02010609060101010101" charset="-122"/>
                 <a:ea typeface="黑体" panose="02010609060101010101" charset="-122"/>
                 <a:cs typeface="黑体" panose="02010609060101010101" charset="-122"/>
@@ -46732,7 +46742,7 @@
               <a:t>：</a:t>
             </a:r>
             <a:r>
-              <a:rPr altLang="zh-CN" sz="3200">
+              <a:rPr altLang="zh-CN" sz="3200" dirty="0">
                 <a:latin typeface="黑体" panose="02010609060101010101" charset="-122"/>
                 <a:ea typeface="黑体" panose="02010609060101010101" charset="-122"/>
                 <a:cs typeface="黑体" panose="02010609060101010101" charset="-122"/>
@@ -46740,18 +46750,13 @@
               <a:t>系统总体规模：</a:t>
             </a:r>
             <a:r>
-              <a:rPr altLang="zh-CN" sz="3200">
+              <a:rPr altLang="zh-CN" sz="3200" dirty="0">
                 <a:latin typeface="+mn-lt"/>
                 <a:ea typeface="+mn-lt"/>
                 <a:cs typeface="+mn-lt"/>
               </a:rPr>
               <a:t>9人月</a:t>
             </a:r>
-            <a:endParaRPr altLang="zh-CN" sz="3200">
-              <a:latin typeface="+mn-lt"/>
-              <a:ea typeface="+mn-lt"/>
-              <a:cs typeface="+mn-lt"/>
-            </a:endParaRPr>
           </a:p>
         </p:txBody>
       </p:sp>
@@ -46764,7 +46769,7 @@
           <p:nvPr/>
         </p:nvPicPr>
         <p:blipFill>
-          <a:blip r:embed="rId1"/>
+          <a:blip r:embed="rId3"/>
           <a:srcRect/>
           <a:stretch>
             <a:fillRect/>
@@ -46785,6 +46790,30 @@
             <a:headEnd/>
             <a:tailEnd/>
           </a:ln>
+        </p:spPr>
+      </p:pic>
+      <p:pic>
+        <p:nvPicPr>
+          <p:cNvPr id="7" name="图片 6" descr="TIM图片20180330150438"/>
+          <p:cNvPicPr>
+            <a:picLocks noChangeAspect="1"/>
+          </p:cNvPicPr>
+          <p:nvPr/>
+        </p:nvPicPr>
+        <p:blipFill>
+          <a:blip r:embed="rId4"/>
+          <a:stretch>
+            <a:fillRect/>
+          </a:stretch>
+        </p:blipFill>
+        <p:spPr>
+          <a:xfrm>
+            <a:off x="11116945" y="67310"/>
+            <a:ext cx="905510" cy="1015365"/>
+          </a:xfrm>
+          <a:prstGeom prst="rect">
+            <a:avLst/>
+          </a:prstGeom>
         </p:spPr>
       </p:pic>
     </p:spTree>
@@ -47077,7 +47106,7 @@
                         <p:par>
                           <p:cTn id="23" fill="hold">
                             <p:stCondLst>
-                              <p:cond delay="2549"/>
+                              <p:cond delay="3549"/>
                             </p:stCondLst>
                             <p:childTnLst>
                               <p:par>
@@ -47202,7 +47231,7 @@
 </file>
 
 <file path=ppt/tags/tag1.xml><?xml version="1.0" encoding="utf-8"?>
-<p:tagLst xmlns:p="http://schemas.openxmlformats.org/presentationml/2006/main">
+<p:tagLst xmlns:a="http://schemas.openxmlformats.org/drawingml/2006/main" xmlns:r="http://schemas.openxmlformats.org/officeDocument/2006/relationships" xmlns:p="http://schemas.openxmlformats.org/presentationml/2006/main">
   <p:tag name="MH" val="20160904091440"/>
   <p:tag name="MH_LIBRARY" val="GRAPHIC"/>
   <p:tag name="MH_TYPE" val="Other"/>
@@ -47211,7 +47240,7 @@
 </file>
 
 <file path=ppt/tags/tag2.xml><?xml version="1.0" encoding="utf-8"?>
-<p:tagLst xmlns:p="http://schemas.openxmlformats.org/presentationml/2006/main">
+<p:tagLst xmlns:a="http://schemas.openxmlformats.org/drawingml/2006/main" xmlns:r="http://schemas.openxmlformats.org/officeDocument/2006/relationships" xmlns:p="http://schemas.openxmlformats.org/presentationml/2006/main">
   <p:tag name="MH" val="20160904091440"/>
   <p:tag name="MH_LIBRARY" val="GRAPHIC"/>
   <p:tag name="MH_TYPE" val="Other"/>
@@ -47220,7 +47249,7 @@
 </file>
 
 <file path=ppt/tags/tag3.xml><?xml version="1.0" encoding="utf-8"?>
-<p:tagLst xmlns:p="http://schemas.openxmlformats.org/presentationml/2006/main">
+<p:tagLst xmlns:a="http://schemas.openxmlformats.org/drawingml/2006/main" xmlns:r="http://schemas.openxmlformats.org/officeDocument/2006/relationships" xmlns:p="http://schemas.openxmlformats.org/presentationml/2006/main">
   <p:tag name="MH" val="20160904091440"/>
   <p:tag name="MH_LIBRARY" val="GRAPHIC"/>
   <p:tag name="MH_TYPE" val="Other"/>
@@ -47229,7 +47258,7 @@
 </file>
 
 <file path=ppt/tags/tag4.xml><?xml version="1.0" encoding="utf-8"?>
-<p:tagLst xmlns:p="http://schemas.openxmlformats.org/presentationml/2006/main">
+<p:tagLst xmlns:a="http://schemas.openxmlformats.org/drawingml/2006/main" xmlns:r="http://schemas.openxmlformats.org/officeDocument/2006/relationships" xmlns:p="http://schemas.openxmlformats.org/presentationml/2006/main">
   <p:tag name="MH" val="20160904091440"/>
   <p:tag name="MH_LIBRARY" val="GRAPHIC"/>
   <p:tag name="MH_TYPE" val="Other"/>
@@ -47488,6 +47517,8 @@
       </a:bgFillStyleLst>
     </a:fmtScheme>
   </a:themeElements>
+  <a:objectDefaults/>
+  <a:extraClrSchemeLst/>
   <a:extLst>
     <a:ext uri="{05A4C25C-085E-4340-85A3-A5531E510DB2}">
       <thm15:themeFamily xmlns:thm15="http://schemas.microsoft.com/office/thememl/2012/main" name="Office Theme" id="{62F939B6-93AF-4DB8-9C6B-D6C7DFDC589F}" vid="{4A3C46E8-61CC-4603-A589-7422A47A8E4A}"/>
@@ -47747,6 +47778,8 @@
       </a:bgFillStyleLst>
     </a:fmtScheme>
   </a:themeElements>
+  <a:objectDefaults/>
+  <a:extraClrSchemeLst/>
   <a:extLst>
     <a:ext uri="{05A4C25C-085E-4340-85A3-A5531E510DB2}">
       <thm15:themeFamily xmlns:thm15="http://schemas.microsoft.com/office/thememl/2012/main" name="Office Theme" id="{62F939B6-93AF-4DB8-9C6B-D6C7DFDC589F}" vid="{4A3C46E8-61CC-4603-A589-7422A47A8E4A}"/>
